--- a/구디아카데미_프로젝트_PPT_샘플(C#).pptx
+++ b/구디아카데미_프로젝트_PPT_샘플(C#).pptx
@@ -5,7 +5,7 @@
     <p:sldMasterId id="2147483648" r:id="rId1"/>
   </p:sldMasterIdLst>
   <p:notesMasterIdLst>
-    <p:notesMasterId r:id="rId19"/>
+    <p:notesMasterId r:id="rId20"/>
   </p:notesMasterIdLst>
   <p:sldIdLst>
     <p:sldId id="256" r:id="rId2"/>
@@ -14,17 +14,18 @@
     <p:sldId id="266" r:id="rId5"/>
     <p:sldId id="267" r:id="rId6"/>
     <p:sldId id="270" r:id="rId7"/>
-    <p:sldId id="285" r:id="rId8"/>
-    <p:sldId id="286" r:id="rId9"/>
-    <p:sldId id="287" r:id="rId10"/>
-    <p:sldId id="288" r:id="rId11"/>
-    <p:sldId id="289" r:id="rId12"/>
-    <p:sldId id="290" r:id="rId13"/>
-    <p:sldId id="291" r:id="rId14"/>
-    <p:sldId id="292" r:id="rId15"/>
-    <p:sldId id="268" r:id="rId16"/>
-    <p:sldId id="269" r:id="rId17"/>
-    <p:sldId id="283" r:id="rId18"/>
+    <p:sldId id="293" r:id="rId8"/>
+    <p:sldId id="285" r:id="rId9"/>
+    <p:sldId id="286" r:id="rId10"/>
+    <p:sldId id="287" r:id="rId11"/>
+    <p:sldId id="288" r:id="rId12"/>
+    <p:sldId id="289" r:id="rId13"/>
+    <p:sldId id="290" r:id="rId14"/>
+    <p:sldId id="291" r:id="rId15"/>
+    <p:sldId id="292" r:id="rId16"/>
+    <p:sldId id="268" r:id="rId17"/>
+    <p:sldId id="269" r:id="rId18"/>
+    <p:sldId id="283" r:id="rId19"/>
   </p:sldIdLst>
   <p:sldSz cx="12190413" cy="6858000"/>
   <p:notesSz cx="6858000" cy="9144000"/>
@@ -266,7 +267,7 @@
               <a:pPr>
                 <a:defRPr/>
               </a:pPr>
-              <a:t>2023-01-11</a:t>
+              <a:t>2023-02-10</a:t>
             </a:fld>
             <a:endParaRPr lang="ko-KR" altLang="en-US"/>
           </a:p>
@@ -1073,7 +1074,7 @@
     </p:spTree>
     <p:extLst>
       <p:ext uri="{BB962C8B-B14F-4D97-AF65-F5344CB8AC3E}">
-        <p14:creationId xmlns:p14="http://schemas.microsoft.com/office/powerpoint/2010/main" val="2206604140"/>
+        <p14:creationId xmlns:p14="http://schemas.microsoft.com/office/powerpoint/2010/main" val="2010007879"/>
       </p:ext>
     </p:extLst>
   </p:cSld>
@@ -1333,6 +1334,266 @@
     </p:spTree>
     <p:extLst>
       <p:ext uri="{BB962C8B-B14F-4D97-AF65-F5344CB8AC3E}">
+        <p14:creationId xmlns:p14="http://schemas.microsoft.com/office/powerpoint/2010/main" val="2206604140"/>
+      </p:ext>
+    </p:extLst>
+  </p:cSld>
+  <p:clrMapOvr>
+    <a:masterClrMapping/>
+  </p:clrMapOvr>
+</p:notes>
+</file>
+
+<file path=ppt/notesSlides/notesSlide12.xml><?xml version="1.0" encoding="utf-8"?>
+<p:notes xmlns:a="http://schemas.openxmlformats.org/drawingml/2006/main" xmlns:r="http://schemas.openxmlformats.org/officeDocument/2006/relationships" xmlns:p="http://schemas.openxmlformats.org/presentationml/2006/main">
+  <p:cSld>
+    <p:spTree>
+      <p:nvGrpSpPr>
+        <p:cNvPr id="1" name=""/>
+        <p:cNvGrpSpPr/>
+        <p:nvPr/>
+      </p:nvGrpSpPr>
+      <p:grpSpPr>
+        <a:xfrm>
+          <a:off x="0" y="0"/>
+          <a:ext cx="0" cy="0"/>
+          <a:chOff x="0" y="0"/>
+          <a:chExt cx="0" cy="0"/>
+        </a:xfrm>
+      </p:grpSpPr>
+      <p:sp>
+        <p:nvSpPr>
+          <p:cNvPr id="14338" name="슬라이드 이미지 개체 틀 1"/>
+          <p:cNvSpPr>
+            <a:spLocks noGrp="1" noRot="1" noChangeAspect="1" noTextEdit="1"/>
+          </p:cNvSpPr>
+          <p:nvPr>
+            <p:ph type="sldImg"/>
+          </p:nvPr>
+        </p:nvSpPr>
+        <p:spPr bwMode="auto">
+          <a:noFill/>
+          <a:ln>
+            <a:solidFill>
+              <a:srgbClr val="000000"/>
+            </a:solidFill>
+            <a:miter lim="800000"/>
+            <a:headEnd/>
+            <a:tailEnd/>
+          </a:ln>
+          <a:extLst>
+            <a:ext uri="{909E8E84-426E-40DD-AFC4-6F175D3DCCD1}">
+              <a14:hiddenFill xmlns:a14="http://schemas.microsoft.com/office/drawing/2010/main">
+                <a:solidFill>
+                  <a:srgbClr val="FFFFFF"/>
+                </a:solidFill>
+              </a14:hiddenFill>
+            </a:ext>
+          </a:extLst>
+        </p:spPr>
+      </p:sp>
+      <p:sp>
+        <p:nvSpPr>
+          <p:cNvPr id="14339" name="슬라이드 노트 개체 틀 2"/>
+          <p:cNvSpPr>
+            <a:spLocks noGrp="1"/>
+          </p:cNvSpPr>
+          <p:nvPr>
+            <p:ph type="body" idx="1"/>
+          </p:nvPr>
+        </p:nvSpPr>
+        <p:spPr bwMode="auto">
+          <a:noFill/>
+          <a:extLst>
+            <a:ext uri="{909E8E84-426E-40DD-AFC4-6F175D3DCCD1}">
+              <a14:hiddenFill xmlns:a14="http://schemas.microsoft.com/office/drawing/2010/main">
+                <a:solidFill>
+                  <a:srgbClr val="FFFFFF"/>
+                </a:solidFill>
+              </a14:hiddenFill>
+            </a:ext>
+            <a:ext uri="{91240B29-F687-4F45-9708-019B960494DF}">
+              <a14:hiddenLine xmlns:a14="http://schemas.microsoft.com/office/drawing/2010/main" w="9525">
+                <a:solidFill>
+                  <a:srgbClr val="000000"/>
+                </a:solidFill>
+                <a:miter lim="800000"/>
+                <a:headEnd/>
+                <a:tailEnd/>
+              </a14:hiddenLine>
+            </a:ext>
+          </a:extLst>
+        </p:spPr>
+        <p:txBody>
+          <a:bodyPr wrap="square" numCol="1" anchor="t" anchorCtr="0" compatLnSpc="1">
+            <a:prstTxWarp prst="textNoShape">
+              <a:avLst/>
+            </a:prstTxWarp>
+          </a:bodyPr>
+          <a:lstStyle/>
+          <a:p>
+            <a:endParaRPr lang="ko-KR" altLang="en-US" smtClean="0"/>
+          </a:p>
+        </p:txBody>
+      </p:sp>
+      <p:sp>
+        <p:nvSpPr>
+          <p:cNvPr id="14340" name="슬라이드 번호 개체 틀 3"/>
+          <p:cNvSpPr>
+            <a:spLocks noGrp="1"/>
+          </p:cNvSpPr>
+          <p:nvPr>
+            <p:ph type="sldNum" sz="quarter" idx="5"/>
+          </p:nvPr>
+        </p:nvSpPr>
+        <p:spPr bwMode="auto">
+          <a:noFill/>
+          <a:extLst>
+            <a:ext uri="{909E8E84-426E-40DD-AFC4-6F175D3DCCD1}">
+              <a14:hiddenFill xmlns:a14="http://schemas.microsoft.com/office/drawing/2010/main">
+                <a:solidFill>
+                  <a:srgbClr val="FFFFFF"/>
+                </a:solidFill>
+              </a14:hiddenFill>
+            </a:ext>
+            <a:ext uri="{91240B29-F687-4F45-9708-019B960494DF}">
+              <a14:hiddenLine xmlns:a14="http://schemas.microsoft.com/office/drawing/2010/main" w="9525">
+                <a:solidFill>
+                  <a:srgbClr val="000000"/>
+                </a:solidFill>
+                <a:miter lim="800000"/>
+                <a:headEnd/>
+                <a:tailEnd/>
+              </a14:hiddenLine>
+            </a:ext>
+          </a:extLst>
+        </p:spPr>
+        <p:txBody>
+          <a:bodyPr wrap="square" numCol="1" anchorCtr="0" compatLnSpc="1">
+            <a:prstTxWarp prst="textNoShape">
+              <a:avLst/>
+            </a:prstTxWarp>
+          </a:bodyPr>
+          <a:lstStyle>
+            <a:lvl1pPr>
+              <a:defRPr kumimoji="1">
+                <a:solidFill>
+                  <a:schemeClr val="tx1"/>
+                </a:solidFill>
+                <a:latin typeface="맑은 고딕" panose="020B0503020000020004" pitchFamily="50" charset="-127"/>
+                <a:ea typeface="굴림" panose="020B0600000101010101" pitchFamily="50" charset="-127"/>
+              </a:defRPr>
+            </a:lvl1pPr>
+            <a:lvl2pPr marL="742950" indent="-285750">
+              <a:defRPr kumimoji="1">
+                <a:solidFill>
+                  <a:schemeClr val="tx1"/>
+                </a:solidFill>
+                <a:latin typeface="맑은 고딕" panose="020B0503020000020004" pitchFamily="50" charset="-127"/>
+                <a:ea typeface="굴림" panose="020B0600000101010101" pitchFamily="50" charset="-127"/>
+              </a:defRPr>
+            </a:lvl2pPr>
+            <a:lvl3pPr marL="1143000" indent="-228600">
+              <a:defRPr kumimoji="1">
+                <a:solidFill>
+                  <a:schemeClr val="tx1"/>
+                </a:solidFill>
+                <a:latin typeface="맑은 고딕" panose="020B0503020000020004" pitchFamily="50" charset="-127"/>
+                <a:ea typeface="굴림" panose="020B0600000101010101" pitchFamily="50" charset="-127"/>
+              </a:defRPr>
+            </a:lvl3pPr>
+            <a:lvl4pPr marL="1600200" indent="-228600">
+              <a:defRPr kumimoji="1">
+                <a:solidFill>
+                  <a:schemeClr val="tx1"/>
+                </a:solidFill>
+                <a:latin typeface="맑은 고딕" panose="020B0503020000020004" pitchFamily="50" charset="-127"/>
+                <a:ea typeface="굴림" panose="020B0600000101010101" pitchFamily="50" charset="-127"/>
+              </a:defRPr>
+            </a:lvl4pPr>
+            <a:lvl5pPr marL="2057400" indent="-228600">
+              <a:defRPr kumimoji="1">
+                <a:solidFill>
+                  <a:schemeClr val="tx1"/>
+                </a:solidFill>
+                <a:latin typeface="맑은 고딕" panose="020B0503020000020004" pitchFamily="50" charset="-127"/>
+                <a:ea typeface="굴림" panose="020B0600000101010101" pitchFamily="50" charset="-127"/>
+              </a:defRPr>
+            </a:lvl5pPr>
+            <a:lvl6pPr marL="2514600" indent="-228600" eaLnBrk="0" fontAlgn="base" hangingPunct="0">
+              <a:spcBef>
+                <a:spcPct val="0"/>
+              </a:spcBef>
+              <a:spcAft>
+                <a:spcPct val="0"/>
+              </a:spcAft>
+              <a:defRPr kumimoji="1">
+                <a:solidFill>
+                  <a:schemeClr val="tx1"/>
+                </a:solidFill>
+                <a:latin typeface="맑은 고딕" panose="020B0503020000020004" pitchFamily="50" charset="-127"/>
+                <a:ea typeface="굴림" panose="020B0600000101010101" pitchFamily="50" charset="-127"/>
+              </a:defRPr>
+            </a:lvl6pPr>
+            <a:lvl7pPr marL="2971800" indent="-228600" eaLnBrk="0" fontAlgn="base" hangingPunct="0">
+              <a:spcBef>
+                <a:spcPct val="0"/>
+              </a:spcBef>
+              <a:spcAft>
+                <a:spcPct val="0"/>
+              </a:spcAft>
+              <a:defRPr kumimoji="1">
+                <a:solidFill>
+                  <a:schemeClr val="tx1"/>
+                </a:solidFill>
+                <a:latin typeface="맑은 고딕" panose="020B0503020000020004" pitchFamily="50" charset="-127"/>
+                <a:ea typeface="굴림" panose="020B0600000101010101" pitchFamily="50" charset="-127"/>
+              </a:defRPr>
+            </a:lvl7pPr>
+            <a:lvl8pPr marL="3429000" indent="-228600" eaLnBrk="0" fontAlgn="base" hangingPunct="0">
+              <a:spcBef>
+                <a:spcPct val="0"/>
+              </a:spcBef>
+              <a:spcAft>
+                <a:spcPct val="0"/>
+              </a:spcAft>
+              <a:defRPr kumimoji="1">
+                <a:solidFill>
+                  <a:schemeClr val="tx1"/>
+                </a:solidFill>
+                <a:latin typeface="맑은 고딕" panose="020B0503020000020004" pitchFamily="50" charset="-127"/>
+                <a:ea typeface="굴림" panose="020B0600000101010101" pitchFamily="50" charset="-127"/>
+              </a:defRPr>
+            </a:lvl8pPr>
+            <a:lvl9pPr marL="3886200" indent="-228600" eaLnBrk="0" fontAlgn="base" hangingPunct="0">
+              <a:spcBef>
+                <a:spcPct val="0"/>
+              </a:spcBef>
+              <a:spcAft>
+                <a:spcPct val="0"/>
+              </a:spcAft>
+              <a:defRPr kumimoji="1">
+                <a:solidFill>
+                  <a:schemeClr val="tx1"/>
+                </a:solidFill>
+                <a:latin typeface="맑은 고딕" panose="020B0503020000020004" pitchFamily="50" charset="-127"/>
+                <a:ea typeface="굴림" panose="020B0600000101010101" pitchFamily="50" charset="-127"/>
+              </a:defRPr>
+            </a:lvl9pPr>
+          </a:lstStyle>
+          <a:p>
+            <a:fld id="{22E1CAEE-E13B-4937-8400-0AD6154EBE13}" type="slidenum">
+              <a:rPr lang="ko-KR" altLang="en-US" smtClean="0"/>
+              <a:pPr/>
+              <a:t>15</a:t>
+            </a:fld>
+            <a:endParaRPr lang="ko-KR" altLang="en-US" smtClean="0"/>
+          </a:p>
+        </p:txBody>
+      </p:sp>
+    </p:spTree>
+    <p:extLst>
+      <p:ext uri="{BB962C8B-B14F-4D97-AF65-F5344CB8AC3E}">
         <p14:creationId xmlns:p14="http://schemas.microsoft.com/office/powerpoint/2010/main" val="2200410095"/>
       </p:ext>
     </p:extLst>
@@ -1343,7 +1604,7 @@
 </p:notes>
 </file>
 
-<file path=ppt/notesSlides/notesSlide12.xml><?xml version="1.0" encoding="utf-8"?>
+<file path=ppt/notesSlides/notesSlide13.xml><?xml version="1.0" encoding="utf-8"?>
 <p:notes xmlns:a="http://schemas.openxmlformats.org/drawingml/2006/main" xmlns:r="http://schemas.openxmlformats.org/officeDocument/2006/relationships" xmlns:p="http://schemas.openxmlformats.org/presentationml/2006/main">
   <p:cSld>
     <p:spTree>
@@ -1584,7 +1845,7 @@
             <a:fld id="{A8D29645-7411-4A39-97A0-E308831378B2}" type="slidenum">
               <a:rPr lang="ko-KR" altLang="en-US" smtClean="0"/>
               <a:pPr/>
-              <a:t>15</a:t>
+              <a:t>16</a:t>
             </a:fld>
             <a:endParaRPr lang="ko-KR" altLang="en-US" smtClean="0"/>
           </a:p>
@@ -1598,7 +1859,7 @@
 </p:notes>
 </file>
 
-<file path=ppt/notesSlides/notesSlide13.xml><?xml version="1.0" encoding="utf-8"?>
+<file path=ppt/notesSlides/notesSlide14.xml><?xml version="1.0" encoding="utf-8"?>
 <p:notes xmlns:a="http://schemas.openxmlformats.org/drawingml/2006/main" xmlns:r="http://schemas.openxmlformats.org/officeDocument/2006/relationships" xmlns:p="http://schemas.openxmlformats.org/presentationml/2006/main">
   <p:cSld>
     <p:spTree>
@@ -1839,7 +2100,7 @@
             <a:fld id="{1EC58CCE-3B4E-41D6-8C3A-7E268B165E35}" type="slidenum">
               <a:rPr lang="ko-KR" altLang="en-US" smtClean="0"/>
               <a:pPr/>
-              <a:t>16</a:t>
+              <a:t>17</a:t>
             </a:fld>
             <a:endParaRPr lang="ko-KR" altLang="en-US" smtClean="0"/>
           </a:p>
@@ -1853,7 +2114,7 @@
 </p:notes>
 </file>
 
-<file path=ppt/notesSlides/notesSlide14.xml><?xml version="1.0" encoding="utf-8"?>
+<file path=ppt/notesSlides/notesSlide15.xml><?xml version="1.0" encoding="utf-8"?>
 <p:notes xmlns:a="http://schemas.openxmlformats.org/drawingml/2006/main" xmlns:r="http://schemas.openxmlformats.org/officeDocument/2006/relationships" xmlns:p="http://schemas.openxmlformats.org/presentationml/2006/main">
   <p:cSld>
     <p:spTree>
@@ -2094,7 +2355,7 @@
             <a:fld id="{34EF311D-E29B-45FD-B4EB-97AE3D58A47B}" type="slidenum">
               <a:rPr lang="ko-KR" altLang="en-US" smtClean="0"/>
               <a:pPr/>
-              <a:t>17</a:t>
+              <a:t>18</a:t>
             </a:fld>
             <a:endParaRPr lang="ko-KR" altLang="en-US" smtClean="0"/>
           </a:p>
@@ -2670,7 +2931,7 @@
       </p:grpSpPr>
       <p:sp>
         <p:nvSpPr>
-          <p:cNvPr id="14338" name="슬라이드 이미지 개체 틀 1"/>
+          <p:cNvPr id="26626" name="슬라이드 이미지 개체 틀 1"/>
           <p:cNvSpPr>
             <a:spLocks noGrp="1" noRot="1" noChangeAspect="1" noTextEdit="1"/>
           </p:cNvSpPr>
@@ -2701,7 +2962,7 @@
       </p:sp>
       <p:sp>
         <p:nvSpPr>
-          <p:cNvPr id="14339" name="슬라이드 노트 개체 틀 2"/>
+          <p:cNvPr id="26627" name="슬라이드 노트 개체 틀 2"/>
           <p:cNvSpPr>
             <a:spLocks noGrp="1"/>
           </p:cNvSpPr>
@@ -2739,13 +3000,13 @@
           </a:bodyPr>
           <a:lstStyle/>
           <a:p>
-            <a:endParaRPr lang="ko-KR" altLang="en-US" smtClean="0"/>
+            <a:endParaRPr lang="ko-KR" altLang="en-US"/>
           </a:p>
         </p:txBody>
       </p:sp>
       <p:sp>
         <p:nvSpPr>
-          <p:cNvPr id="14340" name="슬라이드 번호 개체 틀 3"/>
+          <p:cNvPr id="26628" name="슬라이드 번호 개체 틀 3"/>
           <p:cNvSpPr>
             <a:spLocks noGrp="1"/>
           </p:cNvSpPr>
@@ -2889,19 +3150,19 @@
             </a:lvl9pPr>
           </a:lstStyle>
           <a:p>
-            <a:fld id="{22E1CAEE-E13B-4937-8400-0AD6154EBE13}" type="slidenum">
+            <a:fld id="{A5D0E04E-C966-4F17-B578-FC771CCA691D}" type="slidenum">
               <a:rPr lang="ko-KR" altLang="en-US" smtClean="0"/>
               <a:pPr/>
               <a:t>7</a:t>
             </a:fld>
-            <a:endParaRPr lang="ko-KR" altLang="en-US" smtClean="0"/>
+            <a:endParaRPr lang="ko-KR" altLang="en-US"/>
           </a:p>
         </p:txBody>
       </p:sp>
     </p:spTree>
     <p:extLst>
       <p:ext uri="{BB962C8B-B14F-4D97-AF65-F5344CB8AC3E}">
-        <p14:creationId xmlns:p14="http://schemas.microsoft.com/office/powerpoint/2010/main" val="298360147"/>
+        <p14:creationId xmlns:p14="http://schemas.microsoft.com/office/powerpoint/2010/main" val="2004626894"/>
       </p:ext>
     </p:extLst>
   </p:cSld>
@@ -3161,7 +3422,7 @@
     </p:spTree>
     <p:extLst>
       <p:ext uri="{BB962C8B-B14F-4D97-AF65-F5344CB8AC3E}">
-        <p14:creationId xmlns:p14="http://schemas.microsoft.com/office/powerpoint/2010/main" val="1689784570"/>
+        <p14:creationId xmlns:p14="http://schemas.microsoft.com/office/powerpoint/2010/main" val="298360147"/>
       </p:ext>
     </p:extLst>
   </p:cSld>
@@ -3421,7 +3682,7 @@
     </p:spTree>
     <p:extLst>
       <p:ext uri="{BB962C8B-B14F-4D97-AF65-F5344CB8AC3E}">
-        <p14:creationId xmlns:p14="http://schemas.microsoft.com/office/powerpoint/2010/main" val="3559127099"/>
+        <p14:creationId xmlns:p14="http://schemas.microsoft.com/office/powerpoint/2010/main" val="1689784570"/>
       </p:ext>
     </p:extLst>
   </p:cSld>
@@ -3681,7 +3942,7 @@
     </p:spTree>
     <p:extLst>
       <p:ext uri="{BB962C8B-B14F-4D97-AF65-F5344CB8AC3E}">
-        <p14:creationId xmlns:p14="http://schemas.microsoft.com/office/powerpoint/2010/main" val="3884983433"/>
+        <p14:creationId xmlns:p14="http://schemas.microsoft.com/office/powerpoint/2010/main" val="3559127099"/>
       </p:ext>
     </p:extLst>
   </p:cSld>
@@ -3941,7 +4202,7 @@
     </p:spTree>
     <p:extLst>
       <p:ext uri="{BB962C8B-B14F-4D97-AF65-F5344CB8AC3E}">
-        <p14:creationId xmlns:p14="http://schemas.microsoft.com/office/powerpoint/2010/main" val="3664416932"/>
+        <p14:creationId xmlns:p14="http://schemas.microsoft.com/office/powerpoint/2010/main" val="3884983433"/>
       </p:ext>
     </p:extLst>
   </p:cSld>
@@ -4201,7 +4462,7 @@
     </p:spTree>
     <p:extLst>
       <p:ext uri="{BB962C8B-B14F-4D97-AF65-F5344CB8AC3E}">
-        <p14:creationId xmlns:p14="http://schemas.microsoft.com/office/powerpoint/2010/main" val="2010007879"/>
+        <p14:creationId xmlns:p14="http://schemas.microsoft.com/office/powerpoint/2010/main" val="3664416932"/>
       </p:ext>
     </p:extLst>
   </p:cSld>
@@ -4402,7 +4663,7 @@
               <a:pPr>
                 <a:defRPr/>
               </a:pPr>
-              <a:t>2023-01-11</a:t>
+              <a:t>2023-02-10</a:t>
             </a:fld>
             <a:endParaRPr lang="ko-KR" altLang="en-US"/>
           </a:p>
@@ -4599,7 +4860,7 @@
               <a:pPr>
                 <a:defRPr/>
               </a:pPr>
-              <a:t>2023-01-11</a:t>
+              <a:t>2023-02-10</a:t>
             </a:fld>
             <a:endParaRPr lang="ko-KR" altLang="en-US"/>
           </a:p>
@@ -4806,7 +5067,7 @@
               <a:pPr>
                 <a:defRPr/>
               </a:pPr>
-              <a:t>2023-01-11</a:t>
+              <a:t>2023-02-10</a:t>
             </a:fld>
             <a:endParaRPr lang="ko-KR" altLang="en-US"/>
           </a:p>
@@ -5003,7 +5264,7 @@
               <a:pPr>
                 <a:defRPr/>
               </a:pPr>
-              <a:t>2023-01-11</a:t>
+              <a:t>2023-02-10</a:t>
             </a:fld>
             <a:endParaRPr lang="ko-KR" altLang="en-US"/>
           </a:p>
@@ -5276,7 +5537,7 @@
               <a:pPr>
                 <a:defRPr/>
               </a:pPr>
-              <a:t>2023-01-11</a:t>
+              <a:t>2023-02-10</a:t>
             </a:fld>
             <a:endParaRPr lang="ko-KR" altLang="en-US"/>
           </a:p>
@@ -5591,7 +5852,7 @@
               <a:pPr>
                 <a:defRPr/>
               </a:pPr>
-              <a:t>2023-01-11</a:t>
+              <a:t>2023-02-10</a:t>
             </a:fld>
             <a:endParaRPr lang="ko-KR" altLang="en-US"/>
           </a:p>
@@ -6045,7 +6306,7 @@
               <a:pPr>
                 <a:defRPr/>
               </a:pPr>
-              <a:t>2023-01-11</a:t>
+              <a:t>2023-02-10</a:t>
             </a:fld>
             <a:endParaRPr lang="ko-KR" altLang="en-US"/>
           </a:p>
@@ -6190,7 +6451,7 @@
               <a:pPr>
                 <a:defRPr/>
               </a:pPr>
-              <a:t>2023-01-11</a:t>
+              <a:t>2023-02-10</a:t>
             </a:fld>
             <a:endParaRPr lang="ko-KR" altLang="en-US"/>
           </a:p>
@@ -6312,7 +6573,7 @@
               <a:pPr>
                 <a:defRPr/>
               </a:pPr>
-              <a:t>2023-01-11</a:t>
+              <a:t>2023-02-10</a:t>
             </a:fld>
             <a:endParaRPr lang="ko-KR" altLang="en-US"/>
           </a:p>
@@ -6616,7 +6877,7 @@
               <a:pPr>
                 <a:defRPr/>
               </a:pPr>
-              <a:t>2023-01-11</a:t>
+              <a:t>2023-02-10</a:t>
             </a:fld>
             <a:endParaRPr lang="ko-KR" altLang="en-US"/>
           </a:p>
@@ -6899,7 +7160,7 @@
               <a:pPr>
                 <a:defRPr/>
               </a:pPr>
-              <a:t>2023-01-11</a:t>
+              <a:t>2023-02-10</a:t>
             </a:fld>
             <a:endParaRPr lang="ko-KR" altLang="en-US"/>
           </a:p>
@@ -7195,7 +7456,7 @@
               <a:pPr>
                 <a:defRPr/>
               </a:pPr>
-              <a:t>2023-01-11</a:t>
+              <a:t>2023-02-10</a:t>
             </a:fld>
             <a:endParaRPr lang="ko-KR" altLang="en-US"/>
           </a:p>
@@ -8587,18 +8848,11 @@
               <a:buChar char="-"/>
             </a:pPr>
             <a:r>
-              <a:rPr kumimoji="0" lang="en-US" altLang="ko-KR" b="1" dirty="0">
-                <a:latin typeface="나눔스퀘어OTF" panose="020B0600000101010101" pitchFamily="34" charset="-127"/>
-                <a:ea typeface="나눔스퀘어OTF" panose="020B0600000101010101" pitchFamily="34" charset="-127"/>
-              </a:rPr>
-              <a:t>CRM </a:t>
-            </a:r>
-            <a:r>
               <a:rPr kumimoji="0" lang="ko-KR" altLang="en-US" b="1" dirty="0">
                 <a:latin typeface="나눔스퀘어OTF" panose="020B0600000101010101" pitchFamily="34" charset="-127"/>
                 <a:ea typeface="나눔스퀘어OTF" panose="020B0600000101010101" pitchFamily="34" charset="-127"/>
               </a:rPr>
-              <a:t>프로세스를 이해하고 이에 따라 필요한 테이블 작성</a:t>
+              <a:t>기능정의서를 기반으로 나온 명사들의 메타 명을 정의</a:t>
             </a:r>
           </a:p>
           <a:p>
@@ -8617,53 +8871,46 @@
               <a:buChar char="-"/>
             </a:pPr>
             <a:r>
+              <a:rPr kumimoji="0" lang="ko-KR" altLang="en-US" b="1" dirty="0">
+                <a:latin typeface="나눔스퀘어OTF" panose="020B0600000101010101" pitchFamily="34" charset="-127"/>
+                <a:ea typeface="나눔스퀘어OTF" panose="020B0600000101010101" pitchFamily="34" charset="-127"/>
+              </a:rPr>
+              <a:t>회의를 통하여 </a:t>
+            </a:r>
+            <a:r>
               <a:rPr kumimoji="0" lang="ko-KR" altLang="en-US" b="1" dirty="0" err="1">
                 <a:latin typeface="나눔스퀘어OTF" panose="020B0600000101010101" pitchFamily="34" charset="-127"/>
                 <a:ea typeface="나눔스퀘어OTF" panose="020B0600000101010101" pitchFamily="34" charset="-127"/>
               </a:rPr>
-              <a:t>테이블간의</a:t>
+              <a:t>팀원간</a:t>
             </a:r>
             <a:r>
               <a:rPr kumimoji="0" lang="ko-KR" altLang="en-US" b="1" dirty="0">
                 <a:latin typeface="나눔스퀘어OTF" panose="020B0600000101010101" pitchFamily="34" charset="-127"/>
                 <a:ea typeface="나눔스퀘어OTF" panose="020B0600000101010101" pitchFamily="34" charset="-127"/>
               </a:rPr>
-              <a:t> </a:t>
+              <a:t> 중복된 </a:t>
             </a:r>
             <a:r>
               <a:rPr kumimoji="0" lang="ko-KR" altLang="en-US" b="1" dirty="0" err="1">
                 <a:latin typeface="나눔스퀘어OTF" panose="020B0600000101010101" pitchFamily="34" charset="-127"/>
                 <a:ea typeface="나눔스퀘어OTF" panose="020B0600000101010101" pitchFamily="34" charset="-127"/>
               </a:rPr>
-              <a:t>관계도를</a:t>
+              <a:t>메타명</a:t>
             </a:r>
             <a:r>
               <a:rPr kumimoji="0" lang="ko-KR" altLang="en-US" b="1" dirty="0">
                 <a:latin typeface="나눔스퀘어OTF" panose="020B0600000101010101" pitchFamily="34" charset="-127"/>
                 <a:ea typeface="나눔스퀘어OTF" panose="020B0600000101010101" pitchFamily="34" charset="-127"/>
               </a:rPr>
-              <a:t> 통하여 필요한 </a:t>
-            </a:r>
-            <a:r>
-              <a:rPr kumimoji="0" lang="ko-KR" altLang="en-US" b="1" dirty="0" err="1">
-                <a:latin typeface="나눔스퀘어OTF" panose="020B0600000101010101" pitchFamily="34" charset="-127"/>
-                <a:ea typeface="나눔스퀘어OTF" panose="020B0600000101010101" pitchFamily="34" charset="-127"/>
-              </a:rPr>
-              <a:t>외래키</a:t>
-            </a:r>
-            <a:r>
-              <a:rPr kumimoji="0" lang="ko-KR" altLang="en-US" b="1" dirty="0">
-                <a:latin typeface="나눔스퀘어OTF" panose="020B0600000101010101" pitchFamily="34" charset="-127"/>
-                <a:ea typeface="나눔스퀘어OTF" panose="020B0600000101010101" pitchFamily="34" charset="-127"/>
-              </a:rPr>
-              <a:t> 추가</a:t>
+              <a:t> 조율</a:t>
             </a:r>
           </a:p>
         </p:txBody>
       </p:sp>
       <p:sp>
         <p:nvSpPr>
-          <p:cNvPr id="17" name="Text Placeholder 2"/>
+          <p:cNvPr id="18" name="Text Placeholder 2"/>
           <p:cNvSpPr txBox="1">
             <a:spLocks/>
           </p:cNvSpPr>
@@ -8852,7 +9099,7 @@
               <a:buNone/>
             </a:pPr>
             <a:r>
-              <a:rPr kumimoji="0" lang="ko-KR" altLang="en-US" sz="2400" dirty="0">
+              <a:rPr kumimoji="0" lang="ko-KR" altLang="en-US" sz="2400">
                 <a:solidFill>
                   <a:schemeClr val="tx2"/>
                 </a:solidFill>
@@ -8862,7 +9109,7 @@
               <a:t>분석</a:t>
             </a:r>
             <a:r>
-              <a:rPr kumimoji="0" lang="en-US" altLang="ko-KR" sz="2400" dirty="0">
+              <a:rPr kumimoji="0" lang="en-US" altLang="ko-KR" sz="2400">
                 <a:solidFill>
                   <a:schemeClr val="tx2"/>
                 </a:solidFill>
@@ -8872,7 +9119,7 @@
               <a:t>/</a:t>
             </a:r>
             <a:r>
-              <a:rPr kumimoji="0" lang="ko-KR" altLang="en-US" sz="2400" dirty="0">
+              <a:rPr kumimoji="0" lang="ko-KR" altLang="en-US" sz="2400">
                 <a:solidFill>
                   <a:schemeClr val="tx2"/>
                 </a:solidFill>
@@ -8882,7 +9129,7 @@
               <a:t>설계 </a:t>
             </a:r>
             <a:r>
-              <a:rPr kumimoji="0" lang="en-US" altLang="ko-KR" sz="2400" dirty="0">
+              <a:rPr kumimoji="0" lang="en-US" altLang="ko-KR" sz="2400">
                 <a:solidFill>
                   <a:schemeClr val="tx2"/>
                 </a:solidFill>
@@ -8892,16 +9139,16 @@
               <a:t>: </a:t>
             </a:r>
             <a:r>
-              <a:rPr kumimoji="0" lang="ko-KR" altLang="en-US" sz="2400" dirty="0">
+              <a:rPr kumimoji="0" lang="ko-KR" altLang="en-US" sz="2400">
                 <a:solidFill>
                   <a:schemeClr val="tx2"/>
                 </a:solidFill>
                 <a:latin typeface="나눔스퀘어OTF Bold" panose="020B0600000101010101" pitchFamily="34" charset="-127"/>
                 <a:ea typeface="나눔스퀘어OTF Bold" panose="020B0600000101010101" pitchFamily="34" charset="-127"/>
               </a:rPr>
-              <a:t>테이블정의서</a:t>
+              <a:t>메타데이터 정의</a:t>
             </a:r>
-            <a:endParaRPr kumimoji="0" lang="ar-SA" altLang="ko-KR" sz="2400" dirty="0">
+            <a:endParaRPr kumimoji="0" lang="ar-SA" altLang="ko-KR" sz="2400">
               <a:solidFill>
                 <a:schemeClr val="tx2"/>
               </a:solidFill>
@@ -9540,7 +9787,7 @@
     </p:spTree>
     <p:extLst>
       <p:ext uri="{BB962C8B-B14F-4D97-AF65-F5344CB8AC3E}">
-        <p14:creationId xmlns:p14="http://schemas.microsoft.com/office/powerpoint/2010/main" val="977963139"/>
+        <p14:creationId xmlns:p14="http://schemas.microsoft.com/office/powerpoint/2010/main" val="1438665310"/>
       </p:ext>
     </p:extLst>
   </p:cSld>
@@ -9706,7 +9953,7 @@
         <p:spPr bwMode="auto">
           <a:xfrm>
             <a:off x="8974683" y="2166723"/>
-            <a:ext cx="3097187" cy="1200329"/>
+            <a:ext cx="3097187" cy="1754326"/>
           </a:xfrm>
           <a:prstGeom prst="rect">
             <a:avLst/>
@@ -9852,27 +10099,6 @@
               <a:buChar char="-"/>
             </a:pPr>
             <a:r>
-              <a:rPr kumimoji="0" lang="ko-KR" altLang="en-US" b="1" dirty="0">
-                <a:latin typeface="나눔스퀘어OTF" panose="020B0600000101010101" pitchFamily="34" charset="-127"/>
-                <a:ea typeface="나눔스퀘어OTF" panose="020B0600000101010101" pitchFamily="34" charset="-127"/>
-              </a:rPr>
-              <a:t>테이블정의서</a:t>
-            </a:r>
-            <a:r>
-              <a:rPr kumimoji="0" lang="en-US" altLang="ko-KR" b="1" dirty="0">
-                <a:latin typeface="나눔스퀘어OTF" panose="020B0600000101010101" pitchFamily="34" charset="-127"/>
-                <a:ea typeface="나눔스퀘어OTF" panose="020B0600000101010101" pitchFamily="34" charset="-127"/>
-              </a:rPr>
-              <a:t>, </a:t>
-            </a:r>
-            <a:r>
-              <a:rPr kumimoji="0" lang="ko-KR" altLang="en-US" b="1" dirty="0">
-                <a:latin typeface="나눔스퀘어OTF" panose="020B0600000101010101" pitchFamily="34" charset="-127"/>
-                <a:ea typeface="나눔스퀘어OTF" panose="020B0600000101010101" pitchFamily="34" charset="-127"/>
-              </a:rPr>
-              <a:t>메타데이터를 기반으로 </a:t>
-            </a:r>
-            <a:r>
               <a:rPr kumimoji="0" lang="en-US" altLang="ko-KR" b="1" dirty="0">
                 <a:latin typeface="나눔스퀘어OTF" panose="020B0600000101010101" pitchFamily="34" charset="-127"/>
                 <a:ea typeface="나눔스퀘어OTF" panose="020B0600000101010101" pitchFamily="34" charset="-127"/>
@@ -9884,42 +10110,72 @@
                 <a:latin typeface="나눔스퀘어OTF" panose="020B0600000101010101" pitchFamily="34" charset="-127"/>
                 <a:ea typeface="나눔스퀘어OTF" panose="020B0600000101010101" pitchFamily="34" charset="-127"/>
               </a:rPr>
-              <a:t>논리</a:t>
+              <a:t>프로세스를 이해하고 이에 따라 필요한 테이블 작성</a:t>
             </a:r>
+          </a:p>
+          <a:p>
+            <a:pPr eaLnBrk="1" hangingPunct="1">
+              <a:buFontTx/>
+              <a:buChar char="-"/>
+            </a:pPr>
+            <a:endParaRPr kumimoji="0" lang="ko-KR" altLang="en-US" b="1" dirty="0">
+              <a:latin typeface="나눔스퀘어OTF" panose="020B0600000101010101" pitchFamily="34" charset="-127"/>
+              <a:ea typeface="나눔스퀘어OTF" panose="020B0600000101010101" pitchFamily="34" charset="-127"/>
+            </a:endParaRPr>
+          </a:p>
+          <a:p>
+            <a:pPr eaLnBrk="1" hangingPunct="1">
+              <a:buFontTx/>
+              <a:buChar char="-"/>
+            </a:pPr>
             <a:r>
-              <a:rPr kumimoji="0" lang="en-US" altLang="ko-KR" b="1" dirty="0">
+              <a:rPr kumimoji="0" lang="ko-KR" altLang="en-US" b="1" dirty="0" err="1">
                 <a:latin typeface="나눔스퀘어OTF" panose="020B0600000101010101" pitchFamily="34" charset="-127"/>
                 <a:ea typeface="나눔스퀘어OTF" panose="020B0600000101010101" pitchFamily="34" charset="-127"/>
               </a:rPr>
-              <a:t>ERD, </a:t>
+              <a:t>테이블간의</a:t>
             </a:r>
             <a:r>
               <a:rPr kumimoji="0" lang="ko-KR" altLang="en-US" b="1" dirty="0">
                 <a:latin typeface="나눔스퀘어OTF" panose="020B0600000101010101" pitchFamily="34" charset="-127"/>
                 <a:ea typeface="나눔스퀘어OTF" panose="020B0600000101010101" pitchFamily="34" charset="-127"/>
               </a:rPr>
-              <a:t>물리</a:t>
+              <a:t> </a:t>
             </a:r>
             <a:r>
-              <a:rPr kumimoji="0" lang="en-US" altLang="ko-KR" b="1" dirty="0">
+              <a:rPr kumimoji="0" lang="ko-KR" altLang="en-US" b="1" dirty="0" err="1">
                 <a:latin typeface="나눔스퀘어OTF" panose="020B0600000101010101" pitchFamily="34" charset="-127"/>
                 <a:ea typeface="나눔스퀘어OTF" panose="020B0600000101010101" pitchFamily="34" charset="-127"/>
               </a:rPr>
-              <a:t>ERD</a:t>
+              <a:t>관계도를</a:t>
             </a:r>
             <a:r>
               <a:rPr kumimoji="0" lang="ko-KR" altLang="en-US" b="1" dirty="0">
                 <a:latin typeface="나눔스퀘어OTF" panose="020B0600000101010101" pitchFamily="34" charset="-127"/>
                 <a:ea typeface="나눔스퀘어OTF" panose="020B0600000101010101" pitchFamily="34" charset="-127"/>
               </a:rPr>
-              <a:t>설계</a:t>
+              <a:t> 통하여 필요한 </a:t>
+            </a:r>
+            <a:r>
+              <a:rPr kumimoji="0" lang="ko-KR" altLang="en-US" b="1" dirty="0" err="1">
+                <a:latin typeface="나눔스퀘어OTF" panose="020B0600000101010101" pitchFamily="34" charset="-127"/>
+                <a:ea typeface="나눔스퀘어OTF" panose="020B0600000101010101" pitchFamily="34" charset="-127"/>
+              </a:rPr>
+              <a:t>외래키</a:t>
+            </a:r>
+            <a:r>
+              <a:rPr kumimoji="0" lang="ko-KR" altLang="en-US" b="1" dirty="0">
+                <a:latin typeface="나눔스퀘어OTF" panose="020B0600000101010101" pitchFamily="34" charset="-127"/>
+                <a:ea typeface="나눔스퀘어OTF" panose="020B0600000101010101" pitchFamily="34" charset="-127"/>
+              </a:rPr>
+              <a:t> 추가</a:t>
             </a:r>
           </a:p>
         </p:txBody>
       </p:sp>
       <p:sp>
         <p:nvSpPr>
-          <p:cNvPr id="18" name="Text Placeholder 2"/>
+          <p:cNvPr id="17" name="Text Placeholder 2"/>
           <p:cNvSpPr txBox="1">
             <a:spLocks/>
           </p:cNvSpPr>
@@ -10155,48 +10411,15 @@
                 <a:latin typeface="나눔스퀘어OTF Bold" panose="020B0600000101010101" pitchFamily="34" charset="-127"/>
                 <a:ea typeface="나눔스퀘어OTF Bold" panose="020B0600000101010101" pitchFamily="34" charset="-127"/>
               </a:rPr>
-              <a:t>논리</a:t>
+              <a:t>테이블정의서</a:t>
             </a:r>
-            <a:r>
-              <a:rPr kumimoji="0" lang="en-US" altLang="ko-KR" sz="2400" dirty="0">
-                <a:solidFill>
-                  <a:schemeClr val="tx2"/>
-                </a:solidFill>
-                <a:latin typeface="나눔스퀘어OTF Bold" panose="020B0600000101010101" pitchFamily="34" charset="-127"/>
-                <a:ea typeface="나눔스퀘어OTF Bold" panose="020B0600000101010101" pitchFamily="34" charset="-127"/>
-              </a:rPr>
-              <a:t>/</a:t>
-            </a:r>
-            <a:r>
-              <a:rPr kumimoji="0" lang="ko-KR" altLang="en-US" sz="2400" dirty="0">
-                <a:solidFill>
-                  <a:schemeClr val="tx2"/>
-                </a:solidFill>
-                <a:latin typeface="나눔스퀘어OTF Bold" panose="020B0600000101010101" pitchFamily="34" charset="-127"/>
-                <a:ea typeface="나눔스퀘어OTF Bold" panose="020B0600000101010101" pitchFamily="34" charset="-127"/>
-              </a:rPr>
-              <a:t>물리</a:t>
-            </a:r>
-            <a:r>
-              <a:rPr kumimoji="0" lang="en-US" altLang="ko-KR" sz="2400" dirty="0">
-                <a:solidFill>
-                  <a:schemeClr val="tx2"/>
-                </a:solidFill>
-                <a:latin typeface="나눔스퀘어OTF Bold" panose="020B0600000101010101" pitchFamily="34" charset="-127"/>
-                <a:ea typeface="나눔스퀘어OTF Bold" panose="020B0600000101010101" pitchFamily="34" charset="-127"/>
-              </a:rPr>
-              <a:t>ERD </a:t>
-            </a:r>
-            <a:r>
-              <a:rPr kumimoji="0" lang="ko-KR" altLang="en-US" sz="2400" dirty="0">
-                <a:solidFill>
-                  <a:schemeClr val="tx2"/>
-                </a:solidFill>
-                <a:latin typeface="나눔스퀘어OTF Bold" panose="020B0600000101010101" pitchFamily="34" charset="-127"/>
-                <a:ea typeface="나눔스퀘어OTF Bold" panose="020B0600000101010101" pitchFamily="34" charset="-127"/>
-              </a:rPr>
-              <a:t>설계</a:t>
-            </a:r>
+            <a:endParaRPr kumimoji="0" lang="ar-SA" altLang="ko-KR" sz="2400" dirty="0">
+              <a:solidFill>
+                <a:schemeClr val="tx2"/>
+              </a:solidFill>
+              <a:latin typeface="나눔스퀘어OTF Bold" panose="020B0600000101010101" pitchFamily="34" charset="-127"/>
+              <a:ea typeface="나눔스퀘어OTF Bold" panose="020B0600000101010101" pitchFamily="34" charset="-127"/>
+            </a:endParaRPr>
           </a:p>
         </p:txBody>
       </p:sp>
@@ -10829,6 +11052,1295 @@
     </p:spTree>
     <p:extLst>
       <p:ext uri="{BB962C8B-B14F-4D97-AF65-F5344CB8AC3E}">
+        <p14:creationId xmlns:p14="http://schemas.microsoft.com/office/powerpoint/2010/main" val="977963139"/>
+      </p:ext>
+    </p:extLst>
+  </p:cSld>
+  <p:clrMapOvr>
+    <a:masterClrMapping/>
+  </p:clrMapOvr>
+</p:sld>
+</file>
+
+<file path=ppt/slides/slide12.xml><?xml version="1.0" encoding="utf-8"?>
+<p:sld xmlns:a="http://schemas.openxmlformats.org/drawingml/2006/main" xmlns:r="http://schemas.openxmlformats.org/officeDocument/2006/relationships" xmlns:p="http://schemas.openxmlformats.org/presentationml/2006/main">
+  <p:cSld>
+    <p:spTree>
+      <p:nvGrpSpPr>
+        <p:cNvPr id="1" name=""/>
+        <p:cNvGrpSpPr/>
+        <p:nvPr/>
+      </p:nvGrpSpPr>
+      <p:grpSpPr>
+        <a:xfrm>
+          <a:off x="0" y="0"/>
+          <a:ext cx="0" cy="0"/>
+          <a:chOff x="0" y="0"/>
+          <a:chExt cx="0" cy="0"/>
+        </a:xfrm>
+      </p:grpSpPr>
+      <p:sp>
+        <p:nvSpPr>
+          <p:cNvPr id="16" name="TextBox 15"/>
+          <p:cNvSpPr txBox="1"/>
+          <p:nvPr/>
+        </p:nvSpPr>
+        <p:spPr bwMode="auto">
+          <a:xfrm>
+            <a:off x="488950" y="765175"/>
+            <a:ext cx="2814638" cy="646113"/>
+          </a:xfrm>
+          <a:prstGeom prst="rect">
+            <a:avLst/>
+          </a:prstGeom>
+          <a:noFill/>
+        </p:spPr>
+        <p:txBody>
+          <a:bodyPr wrap="none">
+            <a:spAutoFit/>
+          </a:bodyPr>
+          <a:lstStyle/>
+          <a:p>
+            <a:pPr eaLnBrk="1" fontAlgn="auto" latinLnBrk="1" hangingPunct="1">
+              <a:spcBef>
+                <a:spcPts val="0"/>
+              </a:spcBef>
+              <a:spcAft>
+                <a:spcPts val="0"/>
+              </a:spcAft>
+              <a:defRPr/>
+            </a:pPr>
+            <a:r>
+              <a:rPr kumimoji="0" lang="ko-KR" altLang="en-US" sz="3600" spc="-300" dirty="0">
+                <a:solidFill>
+                  <a:schemeClr val="tx1">
+                    <a:lumMod val="75000"/>
+                    <a:lumOff val="25000"/>
+                  </a:schemeClr>
+                </a:solidFill>
+                <a:latin typeface="여기어때 잘난체 OTF" pitchFamily="34" charset="-127"/>
+                <a:ea typeface="여기어때 잘난체 OTF" pitchFamily="34" charset="-127"/>
+              </a:rPr>
+              <a:t>프로젝트 내용</a:t>
+            </a:r>
+          </a:p>
+        </p:txBody>
+      </p:sp>
+      <p:sp>
+        <p:nvSpPr>
+          <p:cNvPr id="44" name="Text Box 44"/>
+          <p:cNvSpPr txBox="1">
+            <a:spLocks noChangeArrowheads="1"/>
+          </p:cNvSpPr>
+          <p:nvPr/>
+        </p:nvSpPr>
+        <p:spPr bwMode="auto">
+          <a:xfrm>
+            <a:off x="425824" y="2132548"/>
+            <a:ext cx="8452644" cy="4623437"/>
+          </a:xfrm>
+          <a:prstGeom prst="rect">
+            <a:avLst/>
+          </a:prstGeom>
+          <a:solidFill>
+            <a:schemeClr val="bg1"/>
+          </a:solidFill>
+          <a:ln w="12700" cap="flat" cmpd="sng" algn="ctr">
+            <a:gradFill>
+              <a:gsLst>
+                <a:gs pos="0">
+                  <a:sysClr val="window" lastClr="FFFFFF">
+                    <a:lumMod val="85000"/>
+                  </a:sysClr>
+                </a:gs>
+                <a:gs pos="50000">
+                  <a:sysClr val="window" lastClr="FFFFFF"/>
+                </a:gs>
+                <a:gs pos="100000">
+                  <a:sysClr val="window" lastClr="FFFFFF">
+                    <a:lumMod val="85000"/>
+                  </a:sysClr>
+                </a:gs>
+              </a:gsLst>
+              <a:lin ang="5400000" scaled="0"/>
+            </a:gradFill>
+            <a:prstDash val="solid"/>
+            <a:miter lim="800000"/>
+            <a:headEnd/>
+            <a:tailEnd/>
+          </a:ln>
+          <a:effectLst>
+            <a:outerShdw blurRad="50800" dist="38100" dir="2700000" algn="tl" rotWithShape="0">
+              <a:prstClr val="black">
+                <a:alpha val="40000"/>
+              </a:prstClr>
+            </a:outerShdw>
+          </a:effectLst>
+        </p:spPr>
+        <p:txBody>
+          <a:bodyPr lIns="70650" tIns="70650" rIns="70650" bIns="44853"/>
+          <a:lstStyle/>
+          <a:p>
+            <a:pPr marL="84095" indent="-84095" defTabSz="897033" eaLnBrk="1" fontAlgn="auto" latinLnBrk="1" hangingPunct="1">
+              <a:spcBef>
+                <a:spcPts val="0"/>
+              </a:spcBef>
+              <a:spcAft>
+                <a:spcPts val="294"/>
+              </a:spcAft>
+              <a:buClr>
+                <a:srgbClr val="A1A1A1"/>
+              </a:buClr>
+              <a:buSzPct val="100000"/>
+              <a:buFont typeface="Arial" pitchFamily="34" charset="0"/>
+              <a:buChar char="•"/>
+              <a:defRPr/>
+            </a:pPr>
+            <a:endParaRPr kumimoji="0" lang="ko-KR" altLang="en-US" sz="883" kern="0" dirty="0">
+              <a:solidFill>
+                <a:srgbClr val="FF0000"/>
+              </a:solidFill>
+              <a:latin typeface="나눔고딕" panose="020D0304000000000000" pitchFamily="50" charset="-127"/>
+              <a:ea typeface="나눔스퀘어"/>
+              <a:sym typeface="Wingdings" pitchFamily="2" charset="2"/>
+            </a:endParaRPr>
+          </a:p>
+        </p:txBody>
+      </p:sp>
+      <p:sp>
+        <p:nvSpPr>
+          <p:cNvPr id="54" name="직사각형 10"/>
+          <p:cNvSpPr>
+            <a:spLocks noChangeArrowheads="1"/>
+          </p:cNvSpPr>
+          <p:nvPr/>
+        </p:nvSpPr>
+        <p:spPr bwMode="auto">
+          <a:xfrm>
+            <a:off x="8974683" y="2166723"/>
+            <a:ext cx="3097187" cy="1200329"/>
+          </a:xfrm>
+          <a:prstGeom prst="rect">
+            <a:avLst/>
+          </a:prstGeom>
+          <a:noFill/>
+          <a:ln>
+            <a:noFill/>
+          </a:ln>
+          <a:extLst>
+            <a:ext uri="{909E8E84-426E-40DD-AFC4-6F175D3DCCD1}">
+              <a14:hiddenFill xmlns:a14="http://schemas.microsoft.com/office/drawing/2010/main">
+                <a:solidFill>
+                  <a:srgbClr val="FFFFFF"/>
+                </a:solidFill>
+              </a14:hiddenFill>
+            </a:ext>
+            <a:ext uri="{91240B29-F687-4F45-9708-019B960494DF}">
+              <a14:hiddenLine xmlns:a14="http://schemas.microsoft.com/office/drawing/2010/main" w="9525">
+                <a:solidFill>
+                  <a:srgbClr val="000000"/>
+                </a:solidFill>
+                <a:miter lim="800000"/>
+                <a:headEnd/>
+                <a:tailEnd/>
+              </a14:hiddenLine>
+            </a:ext>
+          </a:extLst>
+        </p:spPr>
+        <p:txBody>
+          <a:bodyPr wrap="square">
+            <a:spAutoFit/>
+          </a:bodyPr>
+          <a:lstStyle>
+            <a:lvl1pPr marL="285750" indent="-285750" eaLnBrk="0" hangingPunct="0">
+              <a:defRPr kumimoji="1">
+                <a:solidFill>
+                  <a:schemeClr val="tx1"/>
+                </a:solidFill>
+                <a:latin typeface="맑은 고딕" panose="020B0503020000020004" pitchFamily="50" charset="-127"/>
+                <a:ea typeface="굴림" panose="020B0600000101010101" pitchFamily="50" charset="-127"/>
+              </a:defRPr>
+            </a:lvl1pPr>
+            <a:lvl2pPr marL="742950" indent="-285750" eaLnBrk="0" hangingPunct="0">
+              <a:defRPr kumimoji="1">
+                <a:solidFill>
+                  <a:schemeClr val="tx1"/>
+                </a:solidFill>
+                <a:latin typeface="맑은 고딕" panose="020B0503020000020004" pitchFamily="50" charset="-127"/>
+                <a:ea typeface="굴림" panose="020B0600000101010101" pitchFamily="50" charset="-127"/>
+              </a:defRPr>
+            </a:lvl2pPr>
+            <a:lvl3pPr marL="1143000" indent="-228600" eaLnBrk="0" hangingPunct="0">
+              <a:defRPr kumimoji="1">
+                <a:solidFill>
+                  <a:schemeClr val="tx1"/>
+                </a:solidFill>
+                <a:latin typeface="맑은 고딕" panose="020B0503020000020004" pitchFamily="50" charset="-127"/>
+                <a:ea typeface="굴림" panose="020B0600000101010101" pitchFamily="50" charset="-127"/>
+              </a:defRPr>
+            </a:lvl3pPr>
+            <a:lvl4pPr marL="1600200" indent="-228600" eaLnBrk="0" hangingPunct="0">
+              <a:defRPr kumimoji="1">
+                <a:solidFill>
+                  <a:schemeClr val="tx1"/>
+                </a:solidFill>
+                <a:latin typeface="맑은 고딕" panose="020B0503020000020004" pitchFamily="50" charset="-127"/>
+                <a:ea typeface="굴림" panose="020B0600000101010101" pitchFamily="50" charset="-127"/>
+              </a:defRPr>
+            </a:lvl4pPr>
+            <a:lvl5pPr marL="2057400" indent="-228600" eaLnBrk="0" hangingPunct="0">
+              <a:defRPr kumimoji="1">
+                <a:solidFill>
+                  <a:schemeClr val="tx1"/>
+                </a:solidFill>
+                <a:latin typeface="맑은 고딕" panose="020B0503020000020004" pitchFamily="50" charset="-127"/>
+                <a:ea typeface="굴림" panose="020B0600000101010101" pitchFamily="50" charset="-127"/>
+              </a:defRPr>
+            </a:lvl5pPr>
+            <a:lvl6pPr marL="2514600" indent="-228600" eaLnBrk="0" fontAlgn="base" hangingPunct="0">
+              <a:spcBef>
+                <a:spcPct val="0"/>
+              </a:spcBef>
+              <a:spcAft>
+                <a:spcPct val="0"/>
+              </a:spcAft>
+              <a:defRPr kumimoji="1">
+                <a:solidFill>
+                  <a:schemeClr val="tx1"/>
+                </a:solidFill>
+                <a:latin typeface="맑은 고딕" panose="020B0503020000020004" pitchFamily="50" charset="-127"/>
+                <a:ea typeface="굴림" panose="020B0600000101010101" pitchFamily="50" charset="-127"/>
+              </a:defRPr>
+            </a:lvl6pPr>
+            <a:lvl7pPr marL="2971800" indent="-228600" eaLnBrk="0" fontAlgn="base" hangingPunct="0">
+              <a:spcBef>
+                <a:spcPct val="0"/>
+              </a:spcBef>
+              <a:spcAft>
+                <a:spcPct val="0"/>
+              </a:spcAft>
+              <a:defRPr kumimoji="1">
+                <a:solidFill>
+                  <a:schemeClr val="tx1"/>
+                </a:solidFill>
+                <a:latin typeface="맑은 고딕" panose="020B0503020000020004" pitchFamily="50" charset="-127"/>
+                <a:ea typeface="굴림" panose="020B0600000101010101" pitchFamily="50" charset="-127"/>
+              </a:defRPr>
+            </a:lvl7pPr>
+            <a:lvl8pPr marL="3429000" indent="-228600" eaLnBrk="0" fontAlgn="base" hangingPunct="0">
+              <a:spcBef>
+                <a:spcPct val="0"/>
+              </a:spcBef>
+              <a:spcAft>
+                <a:spcPct val="0"/>
+              </a:spcAft>
+              <a:defRPr kumimoji="1">
+                <a:solidFill>
+                  <a:schemeClr val="tx1"/>
+                </a:solidFill>
+                <a:latin typeface="맑은 고딕" panose="020B0503020000020004" pitchFamily="50" charset="-127"/>
+                <a:ea typeface="굴림" panose="020B0600000101010101" pitchFamily="50" charset="-127"/>
+              </a:defRPr>
+            </a:lvl8pPr>
+            <a:lvl9pPr marL="3886200" indent="-228600" eaLnBrk="0" fontAlgn="base" hangingPunct="0">
+              <a:spcBef>
+                <a:spcPct val="0"/>
+              </a:spcBef>
+              <a:spcAft>
+                <a:spcPct val="0"/>
+              </a:spcAft>
+              <a:defRPr kumimoji="1">
+                <a:solidFill>
+                  <a:schemeClr val="tx1"/>
+                </a:solidFill>
+                <a:latin typeface="맑은 고딕" panose="020B0503020000020004" pitchFamily="50" charset="-127"/>
+                <a:ea typeface="굴림" panose="020B0600000101010101" pitchFamily="50" charset="-127"/>
+              </a:defRPr>
+            </a:lvl9pPr>
+          </a:lstStyle>
+          <a:p>
+            <a:pPr eaLnBrk="1" hangingPunct="1">
+              <a:buFontTx/>
+              <a:buChar char="-"/>
+            </a:pPr>
+            <a:r>
+              <a:rPr kumimoji="0" lang="ko-KR" altLang="en-US" b="1" dirty="0">
+                <a:latin typeface="나눔스퀘어OTF" panose="020B0600000101010101" pitchFamily="34" charset="-127"/>
+                <a:ea typeface="나눔스퀘어OTF" panose="020B0600000101010101" pitchFamily="34" charset="-127"/>
+              </a:rPr>
+              <a:t>테이블정의서</a:t>
+            </a:r>
+            <a:r>
+              <a:rPr kumimoji="0" lang="en-US" altLang="ko-KR" b="1" dirty="0">
+                <a:latin typeface="나눔스퀘어OTF" panose="020B0600000101010101" pitchFamily="34" charset="-127"/>
+                <a:ea typeface="나눔스퀘어OTF" panose="020B0600000101010101" pitchFamily="34" charset="-127"/>
+              </a:rPr>
+              <a:t>, </a:t>
+            </a:r>
+            <a:r>
+              <a:rPr kumimoji="0" lang="ko-KR" altLang="en-US" b="1" dirty="0">
+                <a:latin typeface="나눔스퀘어OTF" panose="020B0600000101010101" pitchFamily="34" charset="-127"/>
+                <a:ea typeface="나눔스퀘어OTF" panose="020B0600000101010101" pitchFamily="34" charset="-127"/>
+              </a:rPr>
+              <a:t>메타데이터를 기반으로 </a:t>
+            </a:r>
+            <a:r>
+              <a:rPr kumimoji="0" lang="en-US" altLang="ko-KR" b="1" dirty="0">
+                <a:latin typeface="나눔스퀘어OTF" panose="020B0600000101010101" pitchFamily="34" charset="-127"/>
+                <a:ea typeface="나눔스퀘어OTF" panose="020B0600000101010101" pitchFamily="34" charset="-127"/>
+              </a:rPr>
+              <a:t>CRM </a:t>
+            </a:r>
+            <a:r>
+              <a:rPr kumimoji="0" lang="ko-KR" altLang="en-US" b="1" dirty="0">
+                <a:latin typeface="나눔스퀘어OTF" panose="020B0600000101010101" pitchFamily="34" charset="-127"/>
+                <a:ea typeface="나눔스퀘어OTF" panose="020B0600000101010101" pitchFamily="34" charset="-127"/>
+              </a:rPr>
+              <a:t>논리</a:t>
+            </a:r>
+            <a:r>
+              <a:rPr kumimoji="0" lang="en-US" altLang="ko-KR" b="1" dirty="0">
+                <a:latin typeface="나눔스퀘어OTF" panose="020B0600000101010101" pitchFamily="34" charset="-127"/>
+                <a:ea typeface="나눔스퀘어OTF" panose="020B0600000101010101" pitchFamily="34" charset="-127"/>
+              </a:rPr>
+              <a:t>ERD, </a:t>
+            </a:r>
+            <a:r>
+              <a:rPr kumimoji="0" lang="ko-KR" altLang="en-US" b="1" dirty="0">
+                <a:latin typeface="나눔스퀘어OTF" panose="020B0600000101010101" pitchFamily="34" charset="-127"/>
+                <a:ea typeface="나눔스퀘어OTF" panose="020B0600000101010101" pitchFamily="34" charset="-127"/>
+              </a:rPr>
+              <a:t>물리</a:t>
+            </a:r>
+            <a:r>
+              <a:rPr kumimoji="0" lang="en-US" altLang="ko-KR" b="1" dirty="0">
+                <a:latin typeface="나눔스퀘어OTF" panose="020B0600000101010101" pitchFamily="34" charset="-127"/>
+                <a:ea typeface="나눔스퀘어OTF" panose="020B0600000101010101" pitchFamily="34" charset="-127"/>
+              </a:rPr>
+              <a:t>ERD</a:t>
+            </a:r>
+            <a:r>
+              <a:rPr kumimoji="0" lang="ko-KR" altLang="en-US" b="1" dirty="0">
+                <a:latin typeface="나눔스퀘어OTF" panose="020B0600000101010101" pitchFamily="34" charset="-127"/>
+                <a:ea typeface="나눔스퀘어OTF" panose="020B0600000101010101" pitchFamily="34" charset="-127"/>
+              </a:rPr>
+              <a:t>설계</a:t>
+            </a:r>
+          </a:p>
+        </p:txBody>
+      </p:sp>
+      <p:sp>
+        <p:nvSpPr>
+          <p:cNvPr id="18" name="Text Placeholder 2"/>
+          <p:cNvSpPr txBox="1">
+            <a:spLocks/>
+          </p:cNvSpPr>
+          <p:nvPr/>
+        </p:nvSpPr>
+        <p:spPr bwMode="auto">
+          <a:xfrm>
+            <a:off x="509588" y="1651000"/>
+            <a:ext cx="7739062" cy="304800"/>
+          </a:xfrm>
+          <a:prstGeom prst="rect">
+            <a:avLst/>
+          </a:prstGeom>
+          <a:noFill/>
+          <a:ln>
+            <a:noFill/>
+          </a:ln>
+          <a:extLst>
+            <a:ext uri="{909E8E84-426E-40DD-AFC4-6F175D3DCCD1}">
+              <a14:hiddenFill xmlns:a14="http://schemas.microsoft.com/office/drawing/2010/main">
+                <a:solidFill>
+                  <a:srgbClr val="FFFFFF"/>
+                </a:solidFill>
+              </a14:hiddenFill>
+            </a:ext>
+            <a:ext uri="{91240B29-F687-4F45-9708-019B960494DF}">
+              <a14:hiddenLine xmlns:a14="http://schemas.microsoft.com/office/drawing/2010/main" w="9525">
+                <a:solidFill>
+                  <a:srgbClr val="000000"/>
+                </a:solidFill>
+                <a:miter lim="800000"/>
+                <a:headEnd/>
+                <a:tailEnd/>
+              </a14:hiddenLine>
+            </a:ext>
+          </a:extLst>
+        </p:spPr>
+        <p:txBody>
+          <a:bodyPr anchor="ctr"/>
+          <a:lstStyle>
+            <a:lvl1pPr latinLnBrk="1">
+              <a:spcBef>
+                <a:spcPct val="20000"/>
+              </a:spcBef>
+              <a:buFont typeface="Arial" panose="020B0604020202020204" pitchFamily="34" charset="0"/>
+              <a:buChar char="•"/>
+              <a:defRPr sz="3200">
+                <a:solidFill>
+                  <a:schemeClr val="tx1"/>
+                </a:solidFill>
+                <a:latin typeface="맑은 고딕" panose="020B0503020000020004" pitchFamily="50" charset="-127"/>
+                <a:ea typeface="맑은 고딕" panose="020B0503020000020004" pitchFamily="50" charset="-127"/>
+              </a:defRPr>
+            </a:lvl1pPr>
+            <a:lvl2pPr marL="742950" indent="-285750" latinLnBrk="1">
+              <a:spcBef>
+                <a:spcPct val="20000"/>
+              </a:spcBef>
+              <a:buFont typeface="Arial" panose="020B0604020202020204" pitchFamily="34" charset="0"/>
+              <a:buChar char="–"/>
+              <a:defRPr sz="2800">
+                <a:solidFill>
+                  <a:schemeClr val="tx1"/>
+                </a:solidFill>
+                <a:latin typeface="맑은 고딕" panose="020B0503020000020004" pitchFamily="50" charset="-127"/>
+                <a:ea typeface="맑은 고딕" panose="020B0503020000020004" pitchFamily="50" charset="-127"/>
+              </a:defRPr>
+            </a:lvl2pPr>
+            <a:lvl3pPr marL="1143000" indent="-228600" latinLnBrk="1">
+              <a:spcBef>
+                <a:spcPct val="20000"/>
+              </a:spcBef>
+              <a:buFont typeface="Arial" panose="020B0604020202020204" pitchFamily="34" charset="0"/>
+              <a:buChar char="•"/>
+              <a:defRPr sz="2400">
+                <a:solidFill>
+                  <a:schemeClr val="tx1"/>
+                </a:solidFill>
+                <a:latin typeface="맑은 고딕" panose="020B0503020000020004" pitchFamily="50" charset="-127"/>
+                <a:ea typeface="맑은 고딕" panose="020B0503020000020004" pitchFamily="50" charset="-127"/>
+              </a:defRPr>
+            </a:lvl3pPr>
+            <a:lvl4pPr marL="1600200" indent="-228600" latinLnBrk="1">
+              <a:spcBef>
+                <a:spcPct val="20000"/>
+              </a:spcBef>
+              <a:buFont typeface="Arial" panose="020B0604020202020204" pitchFamily="34" charset="0"/>
+              <a:buChar char="–"/>
+              <a:defRPr sz="2000">
+                <a:solidFill>
+                  <a:schemeClr val="tx1"/>
+                </a:solidFill>
+                <a:latin typeface="맑은 고딕" panose="020B0503020000020004" pitchFamily="50" charset="-127"/>
+                <a:ea typeface="맑은 고딕" panose="020B0503020000020004" pitchFamily="50" charset="-127"/>
+              </a:defRPr>
+            </a:lvl4pPr>
+            <a:lvl5pPr marL="2057400" indent="-228600" latinLnBrk="1">
+              <a:spcBef>
+                <a:spcPct val="20000"/>
+              </a:spcBef>
+              <a:buFont typeface="Arial" panose="020B0604020202020204" pitchFamily="34" charset="0"/>
+              <a:buChar char="»"/>
+              <a:defRPr sz="2000">
+                <a:solidFill>
+                  <a:schemeClr val="tx1"/>
+                </a:solidFill>
+                <a:latin typeface="맑은 고딕" panose="020B0503020000020004" pitchFamily="50" charset="-127"/>
+                <a:ea typeface="맑은 고딕" panose="020B0503020000020004" pitchFamily="50" charset="-127"/>
+              </a:defRPr>
+            </a:lvl5pPr>
+            <a:lvl6pPr marL="2514600" indent="-228600" eaLnBrk="0" fontAlgn="base" hangingPunct="0">
+              <a:spcBef>
+                <a:spcPct val="20000"/>
+              </a:spcBef>
+              <a:spcAft>
+                <a:spcPct val="0"/>
+              </a:spcAft>
+              <a:buFont typeface="Arial" panose="020B0604020202020204" pitchFamily="34" charset="0"/>
+              <a:buChar char="»"/>
+              <a:defRPr sz="2000">
+                <a:solidFill>
+                  <a:schemeClr val="tx1"/>
+                </a:solidFill>
+                <a:latin typeface="맑은 고딕" panose="020B0503020000020004" pitchFamily="50" charset="-127"/>
+                <a:ea typeface="맑은 고딕" panose="020B0503020000020004" pitchFamily="50" charset="-127"/>
+              </a:defRPr>
+            </a:lvl6pPr>
+            <a:lvl7pPr marL="2971800" indent="-228600" eaLnBrk="0" fontAlgn="base" hangingPunct="0">
+              <a:spcBef>
+                <a:spcPct val="20000"/>
+              </a:spcBef>
+              <a:spcAft>
+                <a:spcPct val="0"/>
+              </a:spcAft>
+              <a:buFont typeface="Arial" panose="020B0604020202020204" pitchFamily="34" charset="0"/>
+              <a:buChar char="»"/>
+              <a:defRPr sz="2000">
+                <a:solidFill>
+                  <a:schemeClr val="tx1"/>
+                </a:solidFill>
+                <a:latin typeface="맑은 고딕" panose="020B0503020000020004" pitchFamily="50" charset="-127"/>
+                <a:ea typeface="맑은 고딕" panose="020B0503020000020004" pitchFamily="50" charset="-127"/>
+              </a:defRPr>
+            </a:lvl7pPr>
+            <a:lvl8pPr marL="3429000" indent="-228600" eaLnBrk="0" fontAlgn="base" hangingPunct="0">
+              <a:spcBef>
+                <a:spcPct val="20000"/>
+              </a:spcBef>
+              <a:spcAft>
+                <a:spcPct val="0"/>
+              </a:spcAft>
+              <a:buFont typeface="Arial" panose="020B0604020202020204" pitchFamily="34" charset="0"/>
+              <a:buChar char="»"/>
+              <a:defRPr sz="2000">
+                <a:solidFill>
+                  <a:schemeClr val="tx1"/>
+                </a:solidFill>
+                <a:latin typeface="맑은 고딕" panose="020B0503020000020004" pitchFamily="50" charset="-127"/>
+                <a:ea typeface="맑은 고딕" panose="020B0503020000020004" pitchFamily="50" charset="-127"/>
+              </a:defRPr>
+            </a:lvl8pPr>
+            <a:lvl9pPr marL="3886200" indent="-228600" eaLnBrk="0" fontAlgn="base" hangingPunct="0">
+              <a:spcBef>
+                <a:spcPct val="20000"/>
+              </a:spcBef>
+              <a:spcAft>
+                <a:spcPct val="0"/>
+              </a:spcAft>
+              <a:buFont typeface="Arial" panose="020B0604020202020204" pitchFamily="34" charset="0"/>
+              <a:buChar char="»"/>
+              <a:defRPr sz="2000">
+                <a:solidFill>
+                  <a:schemeClr val="tx1"/>
+                </a:solidFill>
+                <a:latin typeface="맑은 고딕" panose="020B0503020000020004" pitchFamily="50" charset="-127"/>
+                <a:ea typeface="맑은 고딕" panose="020B0503020000020004" pitchFamily="50" charset="-127"/>
+              </a:defRPr>
+            </a:lvl9pPr>
+          </a:lstStyle>
+          <a:p>
+            <a:pPr eaLnBrk="1" hangingPunct="1">
+              <a:spcBef>
+                <a:spcPct val="0"/>
+              </a:spcBef>
+              <a:buFontTx/>
+              <a:buNone/>
+            </a:pPr>
+            <a:r>
+              <a:rPr kumimoji="0" lang="ko-KR" altLang="en-US" sz="2400" dirty="0">
+                <a:solidFill>
+                  <a:schemeClr val="tx2"/>
+                </a:solidFill>
+                <a:latin typeface="나눔스퀘어OTF Bold" panose="020B0600000101010101" pitchFamily="34" charset="-127"/>
+                <a:ea typeface="나눔스퀘어OTF Bold" panose="020B0600000101010101" pitchFamily="34" charset="-127"/>
+              </a:rPr>
+              <a:t>분석</a:t>
+            </a:r>
+            <a:r>
+              <a:rPr kumimoji="0" lang="en-US" altLang="ko-KR" sz="2400" dirty="0">
+                <a:solidFill>
+                  <a:schemeClr val="tx2"/>
+                </a:solidFill>
+                <a:latin typeface="나눔스퀘어OTF Bold" panose="020B0600000101010101" pitchFamily="34" charset="-127"/>
+                <a:ea typeface="나눔스퀘어OTF Bold" panose="020B0600000101010101" pitchFamily="34" charset="-127"/>
+              </a:rPr>
+              <a:t>/</a:t>
+            </a:r>
+            <a:r>
+              <a:rPr kumimoji="0" lang="ko-KR" altLang="en-US" sz="2400" dirty="0">
+                <a:solidFill>
+                  <a:schemeClr val="tx2"/>
+                </a:solidFill>
+                <a:latin typeface="나눔스퀘어OTF Bold" panose="020B0600000101010101" pitchFamily="34" charset="-127"/>
+                <a:ea typeface="나눔스퀘어OTF Bold" panose="020B0600000101010101" pitchFamily="34" charset="-127"/>
+              </a:rPr>
+              <a:t>설계 </a:t>
+            </a:r>
+            <a:r>
+              <a:rPr kumimoji="0" lang="en-US" altLang="ko-KR" sz="2400" dirty="0">
+                <a:solidFill>
+                  <a:schemeClr val="tx2"/>
+                </a:solidFill>
+                <a:latin typeface="나눔스퀘어OTF Bold" panose="020B0600000101010101" pitchFamily="34" charset="-127"/>
+                <a:ea typeface="나눔스퀘어OTF Bold" panose="020B0600000101010101" pitchFamily="34" charset="-127"/>
+              </a:rPr>
+              <a:t>: </a:t>
+            </a:r>
+            <a:r>
+              <a:rPr kumimoji="0" lang="ko-KR" altLang="en-US" sz="2400" dirty="0">
+                <a:solidFill>
+                  <a:schemeClr val="tx2"/>
+                </a:solidFill>
+                <a:latin typeface="나눔스퀘어OTF Bold" panose="020B0600000101010101" pitchFamily="34" charset="-127"/>
+                <a:ea typeface="나눔스퀘어OTF Bold" panose="020B0600000101010101" pitchFamily="34" charset="-127"/>
+              </a:rPr>
+              <a:t>논리</a:t>
+            </a:r>
+            <a:r>
+              <a:rPr kumimoji="0" lang="en-US" altLang="ko-KR" sz="2400" dirty="0">
+                <a:solidFill>
+                  <a:schemeClr val="tx2"/>
+                </a:solidFill>
+                <a:latin typeface="나눔스퀘어OTF Bold" panose="020B0600000101010101" pitchFamily="34" charset="-127"/>
+                <a:ea typeface="나눔스퀘어OTF Bold" panose="020B0600000101010101" pitchFamily="34" charset="-127"/>
+              </a:rPr>
+              <a:t>/</a:t>
+            </a:r>
+            <a:r>
+              <a:rPr kumimoji="0" lang="ko-KR" altLang="en-US" sz="2400" dirty="0">
+                <a:solidFill>
+                  <a:schemeClr val="tx2"/>
+                </a:solidFill>
+                <a:latin typeface="나눔스퀘어OTF Bold" panose="020B0600000101010101" pitchFamily="34" charset="-127"/>
+                <a:ea typeface="나눔스퀘어OTF Bold" panose="020B0600000101010101" pitchFamily="34" charset="-127"/>
+              </a:rPr>
+              <a:t>물리</a:t>
+            </a:r>
+            <a:r>
+              <a:rPr kumimoji="0" lang="en-US" altLang="ko-KR" sz="2400" dirty="0">
+                <a:solidFill>
+                  <a:schemeClr val="tx2"/>
+                </a:solidFill>
+                <a:latin typeface="나눔스퀘어OTF Bold" panose="020B0600000101010101" pitchFamily="34" charset="-127"/>
+                <a:ea typeface="나눔스퀘어OTF Bold" panose="020B0600000101010101" pitchFamily="34" charset="-127"/>
+              </a:rPr>
+              <a:t>ERD </a:t>
+            </a:r>
+            <a:r>
+              <a:rPr kumimoji="0" lang="ko-KR" altLang="en-US" sz="2400" dirty="0">
+                <a:solidFill>
+                  <a:schemeClr val="tx2"/>
+                </a:solidFill>
+                <a:latin typeface="나눔스퀘어OTF Bold" panose="020B0600000101010101" pitchFamily="34" charset="-127"/>
+                <a:ea typeface="나눔스퀘어OTF Bold" panose="020B0600000101010101" pitchFamily="34" charset="-127"/>
+              </a:rPr>
+              <a:t>설계</a:t>
+            </a:r>
+          </a:p>
+        </p:txBody>
+      </p:sp>
+      <p:sp>
+        <p:nvSpPr>
+          <p:cNvPr id="34" name="직사각형 33"/>
+          <p:cNvSpPr/>
+          <p:nvPr/>
+        </p:nvSpPr>
+        <p:spPr>
+          <a:xfrm>
+            <a:off x="0" y="-4763"/>
+            <a:ext cx="12192000" cy="620713"/>
+          </a:xfrm>
+          <a:prstGeom prst="rect">
+            <a:avLst/>
+          </a:prstGeom>
+          <a:gradFill>
+            <a:gsLst>
+              <a:gs pos="0">
+                <a:schemeClr val="tx1">
+                  <a:lumMod val="65000"/>
+                  <a:lumOff val="35000"/>
+                </a:schemeClr>
+              </a:gs>
+              <a:gs pos="100000">
+                <a:schemeClr val="bg1">
+                  <a:lumMod val="95000"/>
+                </a:schemeClr>
+              </a:gs>
+              <a:gs pos="40000">
+                <a:schemeClr val="bg1">
+                  <a:lumMod val="75000"/>
+                </a:schemeClr>
+              </a:gs>
+            </a:gsLst>
+            <a:lin ang="0" scaled="1"/>
+          </a:gradFill>
+          <a:ln>
+            <a:noFill/>
+          </a:ln>
+        </p:spPr>
+        <p:style>
+          <a:lnRef idx="2">
+            <a:schemeClr val="accent1">
+              <a:shade val="50000"/>
+            </a:schemeClr>
+          </a:lnRef>
+          <a:fillRef idx="1">
+            <a:schemeClr val="accent1"/>
+          </a:fillRef>
+          <a:effectRef idx="0">
+            <a:schemeClr val="accent1"/>
+          </a:effectRef>
+          <a:fontRef idx="minor">
+            <a:schemeClr val="lt1"/>
+          </a:fontRef>
+        </p:style>
+        <p:txBody>
+          <a:bodyPr anchor="ctr"/>
+          <a:lstStyle/>
+          <a:p>
+            <a:pPr algn="ctr" eaLnBrk="1" fontAlgn="auto" latinLnBrk="1" hangingPunct="1">
+              <a:spcBef>
+                <a:spcPts val="0"/>
+              </a:spcBef>
+              <a:spcAft>
+                <a:spcPts val="0"/>
+              </a:spcAft>
+              <a:defRPr/>
+            </a:pPr>
+            <a:endParaRPr kumimoji="0" lang="ko-KR" altLang="en-US" dirty="0"/>
+          </a:p>
+        </p:txBody>
+      </p:sp>
+      <p:grpSp>
+        <p:nvGrpSpPr>
+          <p:cNvPr id="35" name="그룹 13"/>
+          <p:cNvGrpSpPr>
+            <a:grpSpLocks/>
+          </p:cNvGrpSpPr>
+          <p:nvPr/>
+        </p:nvGrpSpPr>
+        <p:grpSpPr bwMode="auto">
+          <a:xfrm rot="5400000">
+            <a:off x="8022431" y="-3548856"/>
+            <a:ext cx="369888" cy="7969250"/>
+            <a:chOff x="11783835" y="678528"/>
+            <a:chExt cx="370108" cy="5198744"/>
+          </a:xfrm>
+        </p:grpSpPr>
+        <p:sp>
+          <p:nvSpPr>
+            <p:cNvPr id="36" name="양쪽 모서리가 둥근 사각형 35"/>
+            <p:cNvSpPr/>
+            <p:nvPr/>
+          </p:nvSpPr>
+          <p:spPr>
+            <a:xfrm rot="16200000" flipH="1">
+              <a:off x="11537041" y="5260370"/>
+              <a:ext cx="863696" cy="370108"/>
+            </a:xfrm>
+            <a:prstGeom prst="round2SameRect">
+              <a:avLst>
+                <a:gd name="adj1" fmla="val 50000"/>
+                <a:gd name="adj2" fmla="val 0"/>
+              </a:avLst>
+            </a:prstGeom>
+            <a:solidFill>
+              <a:schemeClr val="bg1">
+                <a:lumMod val="85000"/>
+              </a:schemeClr>
+            </a:solidFill>
+            <a:ln>
+              <a:solidFill>
+                <a:schemeClr val="bg1"/>
+              </a:solidFill>
+            </a:ln>
+          </p:spPr>
+          <p:style>
+            <a:lnRef idx="2">
+              <a:schemeClr val="accent1">
+                <a:shade val="50000"/>
+              </a:schemeClr>
+            </a:lnRef>
+            <a:fillRef idx="1">
+              <a:schemeClr val="accent1"/>
+            </a:fillRef>
+            <a:effectRef idx="0">
+              <a:schemeClr val="accent1"/>
+            </a:effectRef>
+            <a:fontRef idx="minor">
+              <a:schemeClr val="lt1"/>
+            </a:fontRef>
+          </p:style>
+          <p:txBody>
+            <a:bodyPr anchor="ctr"/>
+            <a:lstStyle/>
+            <a:p>
+              <a:pPr algn="ctr" eaLnBrk="1" fontAlgn="auto" latinLnBrk="1" hangingPunct="1">
+                <a:spcBef>
+                  <a:spcPts val="0"/>
+                </a:spcBef>
+                <a:spcAft>
+                  <a:spcPts val="0"/>
+                </a:spcAft>
+                <a:defRPr/>
+              </a:pPr>
+              <a:r>
+                <a:rPr kumimoji="0" lang="ko-KR" altLang="en-US" sz="1500" dirty="0">
+                  <a:solidFill>
+                    <a:schemeClr val="tx1"/>
+                  </a:solidFill>
+                  <a:latin typeface="여기어때 잘난체 OTF" pitchFamily="34" charset="-127"/>
+                  <a:ea typeface="여기어때 잘난체 OTF" pitchFamily="34" charset="-127"/>
+                </a:rPr>
+                <a:t>개요</a:t>
+              </a:r>
+            </a:p>
+          </p:txBody>
+        </p:sp>
+        <p:sp>
+          <p:nvSpPr>
+            <p:cNvPr id="37" name="양쪽 모서리가 둥근 사각형 36"/>
+            <p:cNvSpPr/>
+            <p:nvPr/>
+          </p:nvSpPr>
+          <p:spPr>
+            <a:xfrm rot="16200000" flipH="1">
+              <a:off x="11536006" y="4541659"/>
+              <a:ext cx="865767" cy="370108"/>
+            </a:xfrm>
+            <a:prstGeom prst="round2SameRect">
+              <a:avLst>
+                <a:gd name="adj1" fmla="val 50000"/>
+                <a:gd name="adj2" fmla="val 0"/>
+              </a:avLst>
+            </a:prstGeom>
+            <a:solidFill>
+              <a:schemeClr val="bg1">
+                <a:lumMod val="85000"/>
+              </a:schemeClr>
+            </a:solidFill>
+            <a:ln>
+              <a:solidFill>
+                <a:schemeClr val="bg1"/>
+              </a:solidFill>
+            </a:ln>
+          </p:spPr>
+          <p:style>
+            <a:lnRef idx="2">
+              <a:schemeClr val="accent1">
+                <a:shade val="50000"/>
+              </a:schemeClr>
+            </a:lnRef>
+            <a:fillRef idx="1">
+              <a:schemeClr val="accent1"/>
+            </a:fillRef>
+            <a:effectRef idx="0">
+              <a:schemeClr val="accent1"/>
+            </a:effectRef>
+            <a:fontRef idx="minor">
+              <a:schemeClr val="lt1"/>
+            </a:fontRef>
+          </p:style>
+          <p:txBody>
+            <a:bodyPr anchor="ctr"/>
+            <a:lstStyle/>
+            <a:p>
+              <a:pPr algn="ctr" eaLnBrk="1" fontAlgn="auto" latinLnBrk="1" hangingPunct="1">
+                <a:spcBef>
+                  <a:spcPts val="0"/>
+                </a:spcBef>
+                <a:spcAft>
+                  <a:spcPts val="0"/>
+                </a:spcAft>
+                <a:defRPr/>
+              </a:pPr>
+              <a:r>
+                <a:rPr kumimoji="0" lang="ko-KR" altLang="en-US" sz="1500" dirty="0">
+                  <a:solidFill>
+                    <a:schemeClr val="tx1"/>
+                  </a:solidFill>
+                  <a:latin typeface="여기어때 잘난체 OTF" pitchFamily="34" charset="-127"/>
+                  <a:ea typeface="여기어때 잘난체 OTF" pitchFamily="34" charset="-127"/>
+                </a:rPr>
+                <a:t>참여인원</a:t>
+              </a:r>
+            </a:p>
+          </p:txBody>
+        </p:sp>
+        <p:sp>
+          <p:nvSpPr>
+            <p:cNvPr id="38" name="양쪽 모서리가 둥근 사각형 37"/>
+            <p:cNvSpPr/>
+            <p:nvPr/>
+          </p:nvSpPr>
+          <p:spPr>
+            <a:xfrm rot="16200000" flipH="1">
+              <a:off x="11537041" y="3822948"/>
+              <a:ext cx="863696" cy="370108"/>
+            </a:xfrm>
+            <a:prstGeom prst="round2SameRect">
+              <a:avLst>
+                <a:gd name="adj1" fmla="val 50000"/>
+                <a:gd name="adj2" fmla="val 0"/>
+              </a:avLst>
+            </a:prstGeom>
+            <a:solidFill>
+              <a:schemeClr val="bg1">
+                <a:lumMod val="85000"/>
+              </a:schemeClr>
+            </a:solidFill>
+            <a:ln>
+              <a:solidFill>
+                <a:schemeClr val="bg1"/>
+              </a:solidFill>
+            </a:ln>
+          </p:spPr>
+          <p:style>
+            <a:lnRef idx="2">
+              <a:schemeClr val="accent1">
+                <a:shade val="50000"/>
+              </a:schemeClr>
+            </a:lnRef>
+            <a:fillRef idx="1">
+              <a:schemeClr val="accent1"/>
+            </a:fillRef>
+            <a:effectRef idx="0">
+              <a:schemeClr val="accent1"/>
+            </a:effectRef>
+            <a:fontRef idx="minor">
+              <a:schemeClr val="lt1"/>
+            </a:fontRef>
+          </p:style>
+          <p:txBody>
+            <a:bodyPr anchor="ctr"/>
+            <a:lstStyle/>
+            <a:p>
+              <a:pPr algn="ctr" eaLnBrk="1" fontAlgn="auto" latinLnBrk="1" hangingPunct="1">
+                <a:spcBef>
+                  <a:spcPts val="0"/>
+                </a:spcBef>
+                <a:spcAft>
+                  <a:spcPts val="0"/>
+                </a:spcAft>
+                <a:defRPr/>
+              </a:pPr>
+              <a:r>
+                <a:rPr kumimoji="0" lang="ko-KR" altLang="en-US" sz="1500" dirty="0">
+                  <a:solidFill>
+                    <a:schemeClr val="tx1"/>
+                  </a:solidFill>
+                  <a:latin typeface="여기어때 잘난체 OTF" pitchFamily="34" charset="-127"/>
+                  <a:ea typeface="여기어때 잘난체 OTF" pitchFamily="34" charset="-127"/>
+                </a:rPr>
+                <a:t>일정</a:t>
+              </a:r>
+            </a:p>
+          </p:txBody>
+        </p:sp>
+        <p:sp>
+          <p:nvSpPr>
+            <p:cNvPr id="39" name="양쪽 모서리가 둥근 사각형 38"/>
+            <p:cNvSpPr/>
+            <p:nvPr/>
+          </p:nvSpPr>
+          <p:spPr>
+            <a:xfrm rot="16200000" flipH="1">
+              <a:off x="11537041" y="3120807"/>
+              <a:ext cx="863696" cy="370108"/>
+            </a:xfrm>
+            <a:prstGeom prst="round2SameRect">
+              <a:avLst>
+                <a:gd name="adj1" fmla="val 50000"/>
+                <a:gd name="adj2" fmla="val 0"/>
+              </a:avLst>
+            </a:prstGeom>
+            <a:solidFill>
+              <a:schemeClr val="bg1">
+                <a:lumMod val="85000"/>
+              </a:schemeClr>
+            </a:solidFill>
+            <a:ln>
+              <a:solidFill>
+                <a:schemeClr val="bg1"/>
+              </a:solidFill>
+            </a:ln>
+          </p:spPr>
+          <p:style>
+            <a:lnRef idx="2">
+              <a:schemeClr val="accent1">
+                <a:shade val="50000"/>
+              </a:schemeClr>
+            </a:lnRef>
+            <a:fillRef idx="1">
+              <a:schemeClr val="accent1"/>
+            </a:fillRef>
+            <a:effectRef idx="0">
+              <a:schemeClr val="accent1"/>
+            </a:effectRef>
+            <a:fontRef idx="minor">
+              <a:schemeClr val="lt1"/>
+            </a:fontRef>
+          </p:style>
+          <p:txBody>
+            <a:bodyPr anchor="ctr"/>
+            <a:lstStyle/>
+            <a:p>
+              <a:pPr algn="ctr" eaLnBrk="1" fontAlgn="auto" latinLnBrk="1" hangingPunct="1">
+                <a:spcBef>
+                  <a:spcPts val="0"/>
+                </a:spcBef>
+                <a:spcAft>
+                  <a:spcPts val="0"/>
+                </a:spcAft>
+                <a:defRPr/>
+              </a:pPr>
+              <a:r>
+                <a:rPr kumimoji="0" lang="ko-KR" altLang="en-US" sz="1500" dirty="0">
+                  <a:solidFill>
+                    <a:schemeClr val="tx1"/>
+                  </a:solidFill>
+                  <a:latin typeface="여기어때 잘난체 OTF" pitchFamily="34" charset="-127"/>
+                  <a:ea typeface="여기어때 잘난체 OTF" pitchFamily="34" charset="-127"/>
+                </a:rPr>
+                <a:t>구성</a:t>
+              </a:r>
+            </a:p>
+          </p:txBody>
+        </p:sp>
+        <p:sp>
+          <p:nvSpPr>
+            <p:cNvPr id="40" name="양쪽 모서리가 둥근 사각형 39"/>
+            <p:cNvSpPr/>
+            <p:nvPr/>
+          </p:nvSpPr>
+          <p:spPr>
+            <a:xfrm rot="16200000" flipH="1">
+              <a:off x="11535488" y="2433682"/>
+              <a:ext cx="866803" cy="370108"/>
+            </a:xfrm>
+            <a:prstGeom prst="round2SameRect">
+              <a:avLst>
+                <a:gd name="adj1" fmla="val 50000"/>
+                <a:gd name="adj2" fmla="val 0"/>
+              </a:avLst>
+            </a:prstGeom>
+            <a:gradFill>
+              <a:gsLst>
+                <a:gs pos="0">
+                  <a:schemeClr val="tx1"/>
+                </a:gs>
+                <a:gs pos="100000">
+                  <a:schemeClr val="tx1"/>
+                </a:gs>
+                <a:gs pos="51000">
+                  <a:schemeClr val="bg1">
+                    <a:lumMod val="50000"/>
+                  </a:schemeClr>
+                </a:gs>
+              </a:gsLst>
+              <a:lin ang="0" scaled="1"/>
+            </a:gradFill>
+            <a:ln>
+              <a:solidFill>
+                <a:schemeClr val="bg1"/>
+              </a:solidFill>
+            </a:ln>
+          </p:spPr>
+          <p:style>
+            <a:lnRef idx="2">
+              <a:schemeClr val="accent1">
+                <a:shade val="50000"/>
+              </a:schemeClr>
+            </a:lnRef>
+            <a:fillRef idx="1">
+              <a:schemeClr val="accent1"/>
+            </a:fillRef>
+            <a:effectRef idx="0">
+              <a:schemeClr val="accent1"/>
+            </a:effectRef>
+            <a:fontRef idx="minor">
+              <a:schemeClr val="lt1"/>
+            </a:fontRef>
+          </p:style>
+          <p:txBody>
+            <a:bodyPr anchor="ctr"/>
+            <a:lstStyle/>
+            <a:p>
+              <a:pPr algn="ctr" eaLnBrk="1" fontAlgn="auto" latinLnBrk="1" hangingPunct="1">
+                <a:spcBef>
+                  <a:spcPts val="0"/>
+                </a:spcBef>
+                <a:spcAft>
+                  <a:spcPts val="0"/>
+                </a:spcAft>
+                <a:defRPr/>
+              </a:pPr>
+              <a:r>
+                <a:rPr kumimoji="0" lang="ko-KR" altLang="en-US" sz="1500" dirty="0">
+                  <a:solidFill>
+                    <a:schemeClr val="bg1"/>
+                  </a:solidFill>
+                  <a:latin typeface="여기어때 잘난체 OTF" panose="020B0600000101010101" pitchFamily="34" charset="-127"/>
+                  <a:ea typeface="여기어때 잘난체 OTF" panose="020B0600000101010101" pitchFamily="34" charset="-127"/>
+                </a:rPr>
+                <a:t>제안</a:t>
+              </a:r>
+              <a:r>
+                <a:rPr kumimoji="0" lang="en-US" altLang="ko-KR" sz="1500" dirty="0">
+                  <a:solidFill>
+                    <a:schemeClr val="bg1"/>
+                  </a:solidFill>
+                  <a:latin typeface="여기어때 잘난체 OTF" panose="020B0600000101010101" pitchFamily="34" charset="-127"/>
+                  <a:ea typeface="여기어때 잘난체 OTF" panose="020B0600000101010101" pitchFamily="34" charset="-127"/>
+                </a:rPr>
+                <a:t>/</a:t>
+              </a:r>
+              <a:r>
+                <a:rPr kumimoji="0" lang="ko-KR" altLang="en-US" sz="1500" dirty="0">
+                  <a:solidFill>
+                    <a:schemeClr val="bg1"/>
+                  </a:solidFill>
+                  <a:latin typeface="여기어때 잘난체 OTF" panose="020B0600000101010101" pitchFamily="34" charset="-127"/>
+                  <a:ea typeface="여기어때 잘난체 OTF" panose="020B0600000101010101" pitchFamily="34" charset="-127"/>
+                </a:rPr>
+                <a:t>내용</a:t>
+              </a:r>
+            </a:p>
+          </p:txBody>
+        </p:sp>
+        <p:sp>
+          <p:nvSpPr>
+            <p:cNvPr id="41" name="양쪽 모서리가 둥근 사각형 40"/>
+            <p:cNvSpPr/>
+            <p:nvPr/>
+          </p:nvSpPr>
+          <p:spPr>
+            <a:xfrm rot="16200000" flipH="1">
+              <a:off x="11537041" y="1666816"/>
+              <a:ext cx="863696" cy="370108"/>
+            </a:xfrm>
+            <a:prstGeom prst="round2SameRect">
+              <a:avLst>
+                <a:gd name="adj1" fmla="val 50000"/>
+                <a:gd name="adj2" fmla="val 0"/>
+              </a:avLst>
+            </a:prstGeom>
+            <a:solidFill>
+              <a:schemeClr val="bg1">
+                <a:lumMod val="85000"/>
+              </a:schemeClr>
+            </a:solidFill>
+            <a:ln>
+              <a:solidFill>
+                <a:schemeClr val="bg1"/>
+              </a:solidFill>
+            </a:ln>
+          </p:spPr>
+          <p:style>
+            <a:lnRef idx="2">
+              <a:schemeClr val="accent1">
+                <a:shade val="50000"/>
+              </a:schemeClr>
+            </a:lnRef>
+            <a:fillRef idx="1">
+              <a:schemeClr val="accent1"/>
+            </a:fillRef>
+            <a:effectRef idx="0">
+              <a:schemeClr val="accent1"/>
+            </a:effectRef>
+            <a:fontRef idx="minor">
+              <a:schemeClr val="lt1"/>
+            </a:fontRef>
+          </p:style>
+          <p:txBody>
+            <a:bodyPr anchor="ctr"/>
+            <a:lstStyle/>
+            <a:p>
+              <a:pPr algn="ctr" eaLnBrk="1" fontAlgn="auto" latinLnBrk="1" hangingPunct="1">
+                <a:spcBef>
+                  <a:spcPts val="0"/>
+                </a:spcBef>
+                <a:spcAft>
+                  <a:spcPts val="0"/>
+                </a:spcAft>
+                <a:defRPr/>
+              </a:pPr>
+              <a:r>
+                <a:rPr kumimoji="0" lang="ko-KR" altLang="en-US" sz="1500" dirty="0" err="1">
+                  <a:solidFill>
+                    <a:schemeClr val="tx1">
+                      <a:lumMod val="85000"/>
+                      <a:lumOff val="15000"/>
+                    </a:schemeClr>
+                  </a:solidFill>
+                  <a:latin typeface="여기어때 잘난체 OTF" pitchFamily="34" charset="-127"/>
+                  <a:ea typeface="여기어때 잘난체 OTF" pitchFamily="34" charset="-127"/>
+                </a:rPr>
+                <a:t>구현화면</a:t>
+              </a:r>
+              <a:endParaRPr kumimoji="0" lang="ko-KR" altLang="en-US" sz="1500" dirty="0">
+                <a:solidFill>
+                  <a:schemeClr val="tx1">
+                    <a:lumMod val="85000"/>
+                    <a:lumOff val="15000"/>
+                  </a:schemeClr>
+                </a:solidFill>
+                <a:latin typeface="여기어때 잘난체 OTF" pitchFamily="34" charset="-127"/>
+                <a:ea typeface="여기어때 잘난체 OTF" pitchFamily="34" charset="-127"/>
+              </a:endParaRPr>
+            </a:p>
+          </p:txBody>
+        </p:sp>
+        <p:sp>
+          <p:nvSpPr>
+            <p:cNvPr id="42" name="양쪽 모서리가 둥근 사각형 41"/>
+            <p:cNvSpPr/>
+            <p:nvPr/>
+          </p:nvSpPr>
+          <p:spPr>
+            <a:xfrm rot="16200000" flipH="1">
+              <a:off x="11537041" y="925322"/>
+              <a:ext cx="863696" cy="370108"/>
+            </a:xfrm>
+            <a:prstGeom prst="round2SameRect">
+              <a:avLst>
+                <a:gd name="adj1" fmla="val 50000"/>
+                <a:gd name="adj2" fmla="val 0"/>
+              </a:avLst>
+            </a:prstGeom>
+            <a:solidFill>
+              <a:schemeClr val="bg1">
+                <a:lumMod val="85000"/>
+              </a:schemeClr>
+            </a:solidFill>
+            <a:ln>
+              <a:solidFill>
+                <a:schemeClr val="bg1"/>
+              </a:solidFill>
+            </a:ln>
+          </p:spPr>
+          <p:style>
+            <a:lnRef idx="2">
+              <a:schemeClr val="accent1">
+                <a:shade val="50000"/>
+              </a:schemeClr>
+            </a:lnRef>
+            <a:fillRef idx="1">
+              <a:schemeClr val="accent1"/>
+            </a:fillRef>
+            <a:effectRef idx="0">
+              <a:schemeClr val="accent1"/>
+            </a:effectRef>
+            <a:fontRef idx="minor">
+              <a:schemeClr val="lt1"/>
+            </a:fontRef>
+          </p:style>
+          <p:txBody>
+            <a:bodyPr anchor="ctr"/>
+            <a:lstStyle/>
+            <a:p>
+              <a:pPr algn="ctr" eaLnBrk="1" fontAlgn="auto" latinLnBrk="1" hangingPunct="1">
+                <a:spcBef>
+                  <a:spcPts val="0"/>
+                </a:spcBef>
+                <a:spcAft>
+                  <a:spcPts val="0"/>
+                </a:spcAft>
+                <a:defRPr/>
+              </a:pPr>
+              <a:r>
+                <a:rPr kumimoji="0" lang="ko-KR" altLang="en-US" sz="1500" dirty="0">
+                  <a:solidFill>
+                    <a:schemeClr val="tx1">
+                      <a:lumMod val="85000"/>
+                      <a:lumOff val="15000"/>
+                    </a:schemeClr>
+                  </a:solidFill>
+                  <a:latin typeface="여기어때 잘난체 OTF" pitchFamily="34" charset="-127"/>
+                  <a:ea typeface="여기어때 잘난체 OTF" pitchFamily="34" charset="-127"/>
+                </a:rPr>
+                <a:t>소감</a:t>
+              </a:r>
+            </a:p>
+          </p:txBody>
+        </p:sp>
+      </p:grpSp>
+    </p:spTree>
+    <p:extLst>
+      <p:ext uri="{BB962C8B-B14F-4D97-AF65-F5344CB8AC3E}">
         <p14:creationId xmlns:p14="http://schemas.microsoft.com/office/powerpoint/2010/main" val="854011632"/>
       </p:ext>
     </p:extLst>
@@ -10839,7 +12351,7 @@
 </p:sld>
 </file>
 
-<file path=ppt/slides/slide12.xml><?xml version="1.0" encoding="utf-8"?>
+<file path=ppt/slides/slide13.xml><?xml version="1.0" encoding="utf-8"?>
 <p:sld xmlns:a="http://schemas.openxmlformats.org/drawingml/2006/main" xmlns:r="http://schemas.openxmlformats.org/officeDocument/2006/relationships" xmlns:p="http://schemas.openxmlformats.org/presentationml/2006/main">
   <p:cSld>
     <p:spTree>
@@ -12124,7 +13636,7 @@
 </p:sld>
 </file>
 
-<file path=ppt/slides/slide13.xml><?xml version="1.0" encoding="utf-8"?>
+<file path=ppt/slides/slide14.xml><?xml version="1.0" encoding="utf-8"?>
 <p:sld xmlns:a="http://schemas.openxmlformats.org/drawingml/2006/main" xmlns:r="http://schemas.openxmlformats.org/officeDocument/2006/relationships" xmlns:p="http://schemas.openxmlformats.org/presentationml/2006/main">
   <p:cSld>
     <p:spTree>
@@ -13304,7 +14816,7 @@
 </p:sld>
 </file>
 
-<file path=ppt/slides/slide14.xml><?xml version="1.0" encoding="utf-8"?>
+<file path=ppt/slides/slide15.xml><?xml version="1.0" encoding="utf-8"?>
 <p:sld xmlns:a="http://schemas.openxmlformats.org/drawingml/2006/main" xmlns:r="http://schemas.openxmlformats.org/officeDocument/2006/relationships" xmlns:p="http://schemas.openxmlformats.org/presentationml/2006/main">
   <p:cSld>
     <p:spTree>
@@ -14491,7 +16003,7 @@
 </p:sld>
 </file>
 
-<file path=ppt/slides/slide15.xml><?xml version="1.0" encoding="utf-8"?>
+<file path=ppt/slides/slide16.xml><?xml version="1.0" encoding="utf-8"?>
 <p:sld xmlns:a="http://schemas.openxmlformats.org/drawingml/2006/main" xmlns:r="http://schemas.openxmlformats.org/officeDocument/2006/relationships" xmlns:p="http://schemas.openxmlformats.org/presentationml/2006/main">
   <p:cSld>
     <p:spTree>
@@ -16020,7 +17532,7 @@
 </p:sld>
 </file>
 
-<file path=ppt/slides/slide16.xml><?xml version="1.0" encoding="utf-8"?>
+<file path=ppt/slides/slide17.xml><?xml version="1.0" encoding="utf-8"?>
 <p:sld xmlns:a="http://schemas.openxmlformats.org/drawingml/2006/main" xmlns:r="http://schemas.openxmlformats.org/officeDocument/2006/relationships" xmlns:p="http://schemas.openxmlformats.org/presentationml/2006/main">
   <p:cSld>
     <p:spTree>
@@ -19370,7 +20882,7 @@
 </p:sld>
 </file>
 
-<file path=ppt/slides/slide17.xml><?xml version="1.0" encoding="utf-8"?>
+<file path=ppt/slides/slide18.xml><?xml version="1.0" encoding="utf-8"?>
 <p:sld xmlns:a="http://schemas.openxmlformats.org/drawingml/2006/main" xmlns:r="http://schemas.openxmlformats.org/officeDocument/2006/relationships" xmlns:p="http://schemas.openxmlformats.org/presentationml/2006/main">
   <p:cSld>
     <p:spTree>
@@ -30055,7 +31567,7 @@
                 <a:latin typeface="나눔스퀘어OTF Bold" panose="020B0600000101010101" pitchFamily="34" charset="-127"/>
                 <a:ea typeface="나눔스퀘어OTF Bold" panose="020B0600000101010101" pitchFamily="34" charset="-127"/>
               </a:rPr>
-              <a:t>2023-01-06 </a:t>
+              <a:t>2023-01-11 </a:t>
             </a:r>
             <a:r>
               <a:rPr kumimoji="0" lang="en-US" altLang="ko-KR" sz="2000" dirty="0">
@@ -30096,7 +31608,7 @@
           <p:nvPr>
             <p:extLst>
               <p:ext uri="{D42A27DB-BD31-4B8C-83A1-F6EECF244321}">
-                <p14:modId xmlns:p14="http://schemas.microsoft.com/office/powerpoint/2010/main" val="1602163091"/>
+                <p14:modId xmlns:p14="http://schemas.microsoft.com/office/powerpoint/2010/main" val="3487601790"/>
               </p:ext>
             </p:extLst>
           </p:nvPr>
@@ -30757,7 +32269,7 @@
                         <a:buNone/>
                       </a:pPr>
                       <a:r>
-                        <a:rPr lang="en-US" altLang="ko-KR" sz="1800" b="0" strike="noStrike" kern="1200" cap="none" dirty="0" smtClean="0">
+                        <a:rPr lang="ko-KR" altLang="en-US" sz="1800" b="0" strike="noStrike" kern="1200" cap="none" dirty="0" smtClean="0">
                           <a:solidFill>
                             <a:schemeClr val="bg1"/>
                           </a:solidFill>
@@ -31907,6 +33419,38 @@
                         <a:buNone/>
                       </a:pPr>
                       <a:r>
+                        <a:rPr lang="en-US" altLang="ko-KR" sz="1800" b="0" strike="noStrike" kern="1200" cap="none" dirty="0" err="1" smtClean="0">
+                          <a:solidFill>
+                            <a:schemeClr val="bg1"/>
+                          </a:solidFill>
+                          <a:latin typeface="나눔스퀘어OTF Bold" pitchFamily="34" charset="-127"/>
+                          <a:ea typeface="나눔스퀘어OTF Bold" pitchFamily="34" charset="-127"/>
+                        </a:rPr>
+                        <a:t>테스트</a:t>
+                      </a:r>
+                      <a:endParaRPr lang="en-US" altLang="ko-KR" sz="1800" b="0" strike="noStrike" kern="1200" cap="none" dirty="0" smtClean="0">
+                        <a:solidFill>
+                          <a:schemeClr val="bg1"/>
+                        </a:solidFill>
+                        <a:latin typeface="나눔스퀘어OTF Bold" pitchFamily="34" charset="-127"/>
+                        <a:ea typeface="나눔스퀘어OTF Bold" pitchFamily="34" charset="-127"/>
+                      </a:endParaRPr>
+                    </a:p>
+                    <a:p>
+                      <a:pPr marL="0" indent="0" algn="ctr" defTabSz="508000" eaLnBrk="0" fontAlgn="auto">
+                        <a:lnSpc>
+                          <a:spcPct val="100000"/>
+                        </a:lnSpc>
+                        <a:spcBef>
+                          <a:spcPts val="0"/>
+                        </a:spcBef>
+                        <a:spcAft>
+                          <a:spcPts val="0"/>
+                        </a:spcAft>
+                        <a:buFontTx/>
+                        <a:buNone/>
+                      </a:pPr>
+                      <a:r>
                         <a:rPr lang="en-US" altLang="ko-KR" sz="1800" b="0" strike="noStrike" kern="1200" cap="none" dirty="0" smtClean="0">
                           <a:solidFill>
                             <a:schemeClr val="bg1"/>
@@ -31914,7 +33458,17 @@
                           <a:latin typeface="나눔스퀘어OTF Bold" pitchFamily="34" charset="-127"/>
                           <a:ea typeface="나눔스퀘어OTF Bold" pitchFamily="34" charset="-127"/>
                         </a:rPr>
-                        <a:t>테스트</a:t>
+                        <a:t>/</a:t>
+                      </a:r>
+                      <a:r>
+                        <a:rPr lang="ko-KR" altLang="en-US" sz="1800" b="0" strike="noStrike" kern="1200" cap="none" dirty="0" err="1" smtClean="0">
+                          <a:solidFill>
+                            <a:schemeClr val="bg1"/>
+                          </a:solidFill>
+                          <a:latin typeface="나눔스퀘어OTF Bold" pitchFamily="34" charset="-127"/>
+                          <a:ea typeface="나눔스퀘어OTF Bold" pitchFamily="34" charset="-127"/>
+                        </a:rPr>
+                        <a:t>발표준비</a:t>
                       </a:r>
                       <a:endParaRPr lang="ko-KR" altLang="en-US" sz="1800" b="0" strike="noStrike" kern="1200" cap="none" dirty="0" smtClean="0">
                         <a:solidFill>
@@ -33058,7 +34612,7 @@
                         <a:buNone/>
                       </a:pPr>
                       <a:r>
-                        <a:rPr lang="en-US" altLang="ko-KR" sz="1800" b="0" strike="noStrike" kern="1200" cap="none" smtClean="0">
+                        <a:rPr lang="en-US" altLang="ko-KR" sz="1800" b="0" strike="noStrike" kern="1200" cap="none" dirty="0" smtClean="0">
                           <a:solidFill>
                             <a:schemeClr val="bg1"/>
                           </a:solidFill>
@@ -33068,7 +34622,7 @@
                         <a:t>6</a:t>
                       </a:r>
                       <a:r>
-                        <a:rPr lang="ko-KR" altLang="en-US" sz="1800" b="0" strike="noStrike" kern="1200" cap="none" smtClean="0">
+                        <a:rPr lang="ko-KR" altLang="en-US" sz="1800" b="0" strike="noStrike" kern="1200" cap="none" dirty="0" smtClean="0">
                           <a:solidFill>
                             <a:schemeClr val="bg1"/>
                           </a:solidFill>
@@ -33077,13 +34631,6 @@
                         </a:rPr>
                         <a:t>주차</a:t>
                       </a:r>
-                      <a:endParaRPr lang="ko-KR" altLang="en-US" sz="1800" b="0" strike="noStrike" kern="1200" cap="none" dirty="0" smtClean="0">
-                        <a:solidFill>
-                          <a:schemeClr val="bg1"/>
-                        </a:solidFill>
-                        <a:latin typeface="나눔스퀘어OTF Bold" pitchFamily="34" charset="-127"/>
-                        <a:ea typeface="나눔스퀘어OTF Bold" pitchFamily="34" charset="-127"/>
-                      </a:endParaRPr>
                     </a:p>
                   </a:txBody>
                   <a:tcPr marL="90162" marR="90162" marT="46976" marB="46976" anchor="ctr">
@@ -33163,8 +34710,8 @@
         </p:nvSpPr>
         <p:spPr>
           <a:xfrm>
-            <a:off x="2206775" y="2712715"/>
-            <a:ext cx="720080" cy="212229"/>
+            <a:off x="2193522" y="2712715"/>
+            <a:ext cx="830814" cy="212229"/>
           </a:xfrm>
           <a:prstGeom prst="rect">
             <a:avLst/>
@@ -33229,80 +34776,6 @@
       </p:sp>
       <p:sp>
         <p:nvSpPr>
-          <p:cNvPr id="53" name="도형 7"/>
-          <p:cNvSpPr>
-            <a:spLocks/>
-          </p:cNvSpPr>
-          <p:nvPr/>
-        </p:nvSpPr>
-        <p:spPr>
-          <a:xfrm>
-            <a:off x="3760788" y="3455664"/>
-            <a:ext cx="1554162" cy="212725"/>
-          </a:xfrm>
-          <a:prstGeom prst="rect">
-            <a:avLst/>
-          </a:prstGeom>
-          <a:gradFill>
-            <a:gsLst>
-              <a:gs pos="0">
-                <a:schemeClr val="tx1">
-                  <a:lumMod val="65000"/>
-                  <a:lumOff val="35000"/>
-                </a:schemeClr>
-              </a:gs>
-              <a:gs pos="100000">
-                <a:schemeClr val="bg1">
-                  <a:lumMod val="50000"/>
-                </a:schemeClr>
-              </a:gs>
-              <a:gs pos="40000">
-                <a:schemeClr val="bg1">
-                  <a:lumMod val="75000"/>
-                </a:schemeClr>
-              </a:gs>
-            </a:gsLst>
-            <a:lin ang="0" scaled="1"/>
-          </a:gradFill>
-          <a:ln>
-            <a:noFill/>
-          </a:ln>
-        </p:spPr>
-        <p:style>
-          <a:lnRef idx="2">
-            <a:schemeClr val="accent1">
-              <a:shade val="50000"/>
-            </a:schemeClr>
-          </a:lnRef>
-          <a:fillRef idx="1">
-            <a:schemeClr val="accent1"/>
-          </a:fillRef>
-          <a:effectRef idx="0">
-            <a:schemeClr val="accent1"/>
-          </a:effectRef>
-          <a:fontRef idx="minor">
-            <a:schemeClr val="lt1"/>
-          </a:fontRef>
-        </p:style>
-        <p:txBody>
-          <a:bodyPr anchor="ctr"/>
-          <a:lstStyle/>
-          <a:p>
-            <a:pPr algn="ctr" eaLnBrk="1" fontAlgn="auto" latinLnBrk="1" hangingPunct="1">
-              <a:spcBef>
-                <a:spcPts val="0"/>
-              </a:spcBef>
-              <a:spcAft>
-                <a:spcPts val="0"/>
-              </a:spcAft>
-              <a:defRPr/>
-            </a:pPr>
-            <a:endParaRPr kumimoji="0" lang="ko-KR" altLang="en-US" dirty="0"/>
-          </a:p>
-        </p:txBody>
-      </p:sp>
-      <p:sp>
-        <p:nvSpPr>
           <p:cNvPr id="54" name="도형 8"/>
           <p:cNvSpPr>
             <a:spLocks/>
@@ -33311,8 +34784,8 @@
         </p:nvSpPr>
         <p:spPr>
           <a:xfrm>
-            <a:off x="5332413" y="4144639"/>
-            <a:ext cx="4695825" cy="212725"/>
+            <a:off x="3744417" y="4144639"/>
+            <a:ext cx="6283822" cy="212725"/>
           </a:xfrm>
           <a:prstGeom prst="rect">
             <a:avLst/>
@@ -34010,6 +35483,80 @@
           </p:txBody>
         </p:sp>
       </p:grpSp>
+      <p:sp>
+        <p:nvSpPr>
+          <p:cNvPr id="18" name="도형 6"/>
+          <p:cNvSpPr>
+            <a:spLocks/>
+          </p:cNvSpPr>
+          <p:nvPr/>
+        </p:nvSpPr>
+        <p:spPr>
+          <a:xfrm>
+            <a:off x="3024336" y="3455664"/>
+            <a:ext cx="720080" cy="212229"/>
+          </a:xfrm>
+          <a:prstGeom prst="rect">
+            <a:avLst/>
+          </a:prstGeom>
+          <a:gradFill>
+            <a:gsLst>
+              <a:gs pos="0">
+                <a:schemeClr val="tx1">
+                  <a:lumMod val="65000"/>
+                  <a:lumOff val="35000"/>
+                </a:schemeClr>
+              </a:gs>
+              <a:gs pos="100000">
+                <a:schemeClr val="bg1">
+                  <a:lumMod val="50000"/>
+                </a:schemeClr>
+              </a:gs>
+              <a:gs pos="40000">
+                <a:schemeClr val="bg1">
+                  <a:lumMod val="75000"/>
+                </a:schemeClr>
+              </a:gs>
+            </a:gsLst>
+            <a:lin ang="0" scaled="1"/>
+          </a:gradFill>
+          <a:ln>
+            <a:noFill/>
+          </a:ln>
+        </p:spPr>
+        <p:style>
+          <a:lnRef idx="2">
+            <a:schemeClr val="accent1">
+              <a:shade val="50000"/>
+            </a:schemeClr>
+          </a:lnRef>
+          <a:fillRef idx="1">
+            <a:schemeClr val="accent1"/>
+          </a:fillRef>
+          <a:effectRef idx="0">
+            <a:schemeClr val="accent1"/>
+          </a:effectRef>
+          <a:fontRef idx="minor">
+            <a:schemeClr val="lt1"/>
+          </a:fontRef>
+        </p:style>
+        <p:txBody>
+          <a:bodyPr anchor="ctr"/>
+          <a:lstStyle/>
+          <a:p>
+            <a:pPr algn="ctr" eaLnBrk="1" fontAlgn="auto" latinLnBrk="1" hangingPunct="1">
+              <a:spcBef>
+                <a:spcPts val="0"/>
+              </a:spcBef>
+              <a:spcAft>
+                <a:spcPts val="0"/>
+              </a:spcAft>
+              <a:defRPr/>
+            </a:pPr>
+            <a:endParaRPr kumimoji="0" lang="ko-KR" altLang="en-US" dirty="0"/>
+          </a:p>
+        </p:txBody>
+      </p:sp>
     </p:spTree>
   </p:cSld>
   <p:clrMapOvr>
@@ -34320,24 +35867,14 @@
                 <a:defRPr/>
               </a:pPr>
               <a:r>
-                <a:rPr kumimoji="0" lang="ko-KR" altLang="en-US" sz="1600" dirty="0">
+                <a:rPr kumimoji="0" lang="ko-KR" altLang="en-US" sz="1600" dirty="0" smtClean="0">
                   <a:solidFill>
                     <a:schemeClr val="bg1"/>
                   </a:solidFill>
                   <a:latin typeface="나눔스퀘어OTF ExtraBold" pitchFamily="34" charset="-127"/>
                   <a:ea typeface="나눔스퀘어OTF ExtraBold" pitchFamily="34" charset="-127"/>
                 </a:rPr>
-                <a:t>제안 </a:t>
-              </a:r>
-              <a:r>
-                <a:rPr kumimoji="0" lang="ko-KR" altLang="en-US" sz="1600" dirty="0" err="1">
-                  <a:solidFill>
-                    <a:schemeClr val="bg1"/>
-                  </a:solidFill>
-                  <a:latin typeface="나눔스퀘어OTF ExtraBold" pitchFamily="34" charset="-127"/>
-                  <a:ea typeface="나눔스퀘어OTF ExtraBold" pitchFamily="34" charset="-127"/>
-                </a:rPr>
-                <a:t>구분명</a:t>
+                <a:t>개발 환경</a:t>
               </a:r>
               <a:endParaRPr kumimoji="0" lang="ko-KR" altLang="en-US" sz="1600" dirty="0">
                 <a:solidFill>
@@ -34360,7 +35897,7 @@
           <p:spPr bwMode="auto">
             <a:xfrm>
               <a:off x="958207" y="2595206"/>
-              <a:ext cx="4575152" cy="3508091"/>
+              <a:ext cx="4575152" cy="3015966"/>
             </a:xfrm>
             <a:prstGeom prst="rect">
               <a:avLst/>
@@ -34533,7 +36070,17 @@
                   <a:latin typeface="나눔스퀘어OTF" panose="020B0600000101010101" pitchFamily="34" charset="-127"/>
                   <a:ea typeface="나눔스퀘어OTF" panose="020B0600000101010101" pitchFamily="34" charset="-127"/>
                 </a:rPr>
-                <a:t>: Visual Studio 2019, SSMS</a:t>
+                <a:t>: Visual Studio 2019, </a:t>
+              </a:r>
+              <a:r>
+                <a:rPr kumimoji="0" lang="en-US" altLang="ko-KR" sz="1400" b="1" dirty="0" smtClean="0">
+                  <a:solidFill>
+                    <a:schemeClr val="tx2"/>
+                  </a:solidFill>
+                  <a:latin typeface="나눔스퀘어OTF" panose="020B0600000101010101" pitchFamily="34" charset="-127"/>
+                  <a:ea typeface="나눔스퀘어OTF" panose="020B0600000101010101" pitchFamily="34" charset="-127"/>
+                </a:rPr>
+                <a:t>SSMS 18</a:t>
               </a:r>
               <a:r>
                 <a:rPr kumimoji="0" lang="en-US" altLang="ko-KR" sz="1600" dirty="0" smtClean="0">
@@ -34595,49 +36142,7 @@
                   <a:latin typeface="나눔스퀘어OTF" panose="020B0600000101010101" pitchFamily="34" charset="-127"/>
                   <a:ea typeface="나눔스퀘어OTF" panose="020B0600000101010101" pitchFamily="34" charset="-127"/>
                 </a:rPr>
-                <a:t>: JAVA, SQL, HTML, CSS, JavaScript, JSP, XML</a:t>
-              </a:r>
-              <a:br>
-                <a:rPr kumimoji="0" lang="en-US" altLang="ko-KR" sz="1400" b="1" dirty="0" smtClean="0">
-                  <a:solidFill>
-                    <a:schemeClr val="tx2"/>
-                  </a:solidFill>
-                  <a:latin typeface="나눔스퀘어OTF" panose="020B0600000101010101" pitchFamily="34" charset="-127"/>
-                  <a:ea typeface="나눔스퀘어OTF" panose="020B0600000101010101" pitchFamily="34" charset="-127"/>
-                </a:rPr>
-              </a:br>
-              <a:endParaRPr kumimoji="0" lang="en-US" altLang="ko-KR" sz="1400" b="1" dirty="0" smtClean="0">
-                <a:solidFill>
-                  <a:schemeClr val="tx2"/>
-                </a:solidFill>
-                <a:latin typeface="나눔스퀘어OTF" panose="020B0600000101010101" pitchFamily="34" charset="-127"/>
-                <a:ea typeface="나눔스퀘어OTF" panose="020B0600000101010101" pitchFamily="34" charset="-127"/>
-              </a:endParaRPr>
-            </a:p>
-            <a:p>
-              <a:pPr eaLnBrk="1" latinLnBrk="1" hangingPunct="1">
-                <a:buFontTx/>
-                <a:buChar char="-"/>
-                <a:defRPr/>
-              </a:pPr>
-              <a:r>
-                <a:rPr kumimoji="0" lang="ko-KR" altLang="en-US" sz="1600" b="1" dirty="0" smtClean="0">
-                  <a:latin typeface="나눔스퀘어OTF" panose="020B0600000101010101" pitchFamily="34" charset="-127"/>
-                  <a:ea typeface="나눔스퀘어OTF" panose="020B0600000101010101" pitchFamily="34" charset="-127"/>
-                </a:rPr>
-                <a:t>기술</a:t>
-              </a:r>
-            </a:p>
-            <a:p>
-              <a:pPr marL="0" indent="0" eaLnBrk="1" latinLnBrk="1" hangingPunct="1">
-                <a:defRPr/>
-              </a:pPr>
-              <a:r>
-                <a:rPr kumimoji="0" lang="en-US" altLang="ko-KR" sz="1600" dirty="0" smtClean="0">
-                  <a:latin typeface="나눔스퀘어OTF" panose="020B0600000101010101" pitchFamily="34" charset="-127"/>
-                  <a:ea typeface="나눔스퀘어OTF" panose="020B0600000101010101" pitchFamily="34" charset="-127"/>
-                </a:rPr>
-                <a:t>       </a:t>
+                <a:t>: </a:t>
               </a:r>
               <a:r>
                 <a:rPr kumimoji="0" lang="en-US" altLang="ko-KR" sz="1400" b="1" dirty="0" smtClean="0">
@@ -34647,7 +36152,37 @@
                   <a:latin typeface="나눔스퀘어OTF" panose="020B0600000101010101" pitchFamily="34" charset="-127"/>
                   <a:ea typeface="나눔스퀘어OTF" panose="020B0600000101010101" pitchFamily="34" charset="-127"/>
                 </a:rPr>
-                <a:t>: jQuery, JSON, Ajax</a:t>
+                <a:t>C#, </a:t>
+              </a:r>
+              <a:r>
+                <a:rPr kumimoji="0" lang="en-US" altLang="ko-KR" sz="1400" b="1" dirty="0" smtClean="0">
+                  <a:solidFill>
+                    <a:schemeClr val="tx2"/>
+                  </a:solidFill>
+                  <a:latin typeface="나눔스퀘어OTF" panose="020B0600000101010101" pitchFamily="34" charset="-127"/>
+                  <a:ea typeface="나눔스퀘어OTF" panose="020B0600000101010101" pitchFamily="34" charset="-127"/>
+                </a:rPr>
+                <a:t>SQL, </a:t>
+              </a:r>
+              <a:r>
+                <a:rPr kumimoji="0" lang="en-US" altLang="ko-KR" sz="1400" b="1" dirty="0" smtClean="0">
+                  <a:solidFill>
+                    <a:schemeClr val="tx2"/>
+                  </a:solidFill>
+                  <a:latin typeface="나눔스퀘어OTF" panose="020B0600000101010101" pitchFamily="34" charset="-127"/>
+                  <a:ea typeface="나눔스퀘어OTF" panose="020B0600000101010101" pitchFamily="34" charset="-127"/>
+                </a:rPr>
+                <a:t>HTML</a:t>
+              </a:r>
+              <a:r>
+                <a:rPr kumimoji="0" lang="en-US" altLang="ko-KR" sz="1400" b="1" dirty="0" smtClean="0">
+                  <a:solidFill>
+                    <a:schemeClr val="tx2"/>
+                  </a:solidFill>
+                  <a:latin typeface="나눔스퀘어OTF" panose="020B0600000101010101" pitchFamily="34" charset="-127"/>
+                  <a:ea typeface="나눔스퀘어OTF" panose="020B0600000101010101" pitchFamily="34" charset="-127"/>
+                </a:rPr>
+                <a:t/>
               </a:r>
               <a:br>
                 <a:rPr kumimoji="0" lang="en-US" altLang="ko-KR" sz="1400" b="1" dirty="0" smtClean="0">
@@ -34705,6 +36240,41 @@
                   <a:ea typeface="나눔스퀘어OTF" panose="020B0600000101010101" pitchFamily="34" charset="-127"/>
                 </a:rPr>
                 <a:t>: </a:t>
+              </a:r>
+              <a:r>
+                <a:rPr kumimoji="0" lang="en-US" altLang="ko-KR" sz="1400" b="1" dirty="0">
+                  <a:solidFill>
+                    <a:schemeClr val="tx2"/>
+                  </a:solidFill>
+                  <a:latin typeface="나눔스퀘어OTF" panose="020B0600000101010101" pitchFamily="34" charset="-127"/>
+                  <a:ea typeface="나눔스퀘어OTF" panose="020B0600000101010101" pitchFamily="34" charset="-127"/>
+                </a:rPr>
+                <a:t>.NET Framework v4.7.2, </a:t>
+              </a:r>
+              <a:r>
+                <a:rPr kumimoji="0" lang="en-US" altLang="ko-KR" sz="1400" b="1" dirty="0" smtClean="0">
+                  <a:solidFill>
+                    <a:schemeClr val="tx2"/>
+                  </a:solidFill>
+                  <a:latin typeface="나눔스퀘어OTF" panose="020B0600000101010101" pitchFamily="34" charset="-127"/>
+                  <a:ea typeface="나눔스퀘어OTF" panose="020B0600000101010101" pitchFamily="34" charset="-127"/>
+                </a:rPr>
+                <a:t>ASP.NET,</a:t>
+              </a:r>
+            </a:p>
+            <a:p>
+              <a:pPr marL="0" indent="0" eaLnBrk="1" latinLnBrk="1" hangingPunct="1">
+                <a:defRPr/>
+              </a:pPr>
+              <a:r>
+                <a:rPr kumimoji="0" lang="en-US" altLang="ko-KR" sz="1400" b="1" dirty="0" smtClean="0">
+                  <a:solidFill>
+                    <a:schemeClr val="tx2"/>
+                  </a:solidFill>
+                  <a:latin typeface="나눔스퀘어OTF" panose="020B0600000101010101" pitchFamily="34" charset="-127"/>
+                  <a:ea typeface="나눔스퀘어OTF" panose="020B0600000101010101" pitchFamily="34" charset="-127"/>
+                </a:rPr>
+                <a:t>         </a:t>
               </a:r>
               <a:r>
                 <a:rPr kumimoji="0" lang="en-US" altLang="ko-KR" sz="1400" b="1" dirty="0" err="1" smtClean="0">
@@ -34789,7 +36359,7 @@
                 <a:t>        : </a:t>
               </a:r>
               <a:r>
-                <a:rPr kumimoji="0" lang="en-US" altLang="ko-KR" sz="1400" b="1" dirty="0" err="1" smtClean="0">
+                <a:rPr kumimoji="0" lang="en-US" altLang="ko-KR" sz="1400" b="1" dirty="0" smtClean="0">
                   <a:solidFill>
                     <a:schemeClr val="tx2"/>
                   </a:solidFill>
@@ -34797,6 +36367,16 @@
                   <a:ea typeface="나눔스퀘어OTF" panose="020B0600000101010101" pitchFamily="34" charset="-127"/>
                 </a:rPr>
                 <a:t>Git</a:t>
+              </a:r>
+              <a:r>
+                <a:rPr kumimoji="0" lang="en-US" altLang="ko-KR" sz="1400" b="1" dirty="0" smtClean="0">
+                  <a:solidFill>
+                    <a:schemeClr val="tx2"/>
+                  </a:solidFill>
+                  <a:latin typeface="나눔스퀘어OTF" panose="020B0600000101010101" pitchFamily="34" charset="-127"/>
+                  <a:ea typeface="나눔스퀘어OTF" panose="020B0600000101010101" pitchFamily="34" charset="-127"/>
+                </a:rPr>
+                <a:t>Hub, Azure</a:t>
               </a:r>
               <a:endParaRPr kumimoji="0" lang="en-US" altLang="ko-KR" sz="1400" b="1" dirty="0" smtClean="0">
                 <a:solidFill>
@@ -35482,7 +37062,13 @@
       </p:grpSp>
       <p:pic>
         <p:nvPicPr>
-          <p:cNvPr id="11271" name="그림 29"/>
+          <p:cNvPr id="21" name="그림 20">
+            <a:extLst>
+              <a:ext uri="{FF2B5EF4-FFF2-40B4-BE49-F238E27FC236}">
+                <a16:creationId xmlns:a16="http://schemas.microsoft.com/office/drawing/2014/main" id="{B2496A38-8E1D-4299-BFF9-374A968C4A13}"/>
+              </a:ext>
+            </a:extLst>
+          </p:cNvPr>
           <p:cNvPicPr>
             <a:picLocks noChangeAspect="1"/>
           </p:cNvPicPr>
@@ -35496,49 +37082,38 @@
               </a:ext>
             </a:extLst>
           </a:blip>
-          <a:srcRect/>
           <a:stretch>
             <a:fillRect/>
           </a:stretch>
         </p:blipFill>
-        <p:spPr bwMode="auto">
+        <p:spPr>
           <a:xfrm>
-            <a:off x="6757988" y="2917825"/>
-            <a:ext cx="1541462" cy="1341438"/>
+            <a:off x="7054790" y="2896308"/>
+            <a:ext cx="1271328" cy="1366313"/>
           </a:xfrm>
           <a:prstGeom prst="rect">
             <a:avLst/>
           </a:prstGeom>
-          <a:noFill/>
-          <a:ln>
-            <a:noFill/>
-          </a:ln>
-          <a:extLst>
-            <a:ext uri="{909E8E84-426E-40DD-AFC4-6F175D3DCCD1}">
-              <a14:hiddenFill xmlns:a14="http://schemas.microsoft.com/office/drawing/2010/main">
-                <a:solidFill>
-                  <a:srgbClr val="FFFFFF"/>
-                </a:solidFill>
-              </a14:hiddenFill>
-            </a:ext>
-            <a:ext uri="{91240B29-F687-4F45-9708-019B960494DF}">
-              <a14:hiddenLine xmlns:a14="http://schemas.microsoft.com/office/drawing/2010/main" w="9525">
-                <a:solidFill>
-                  <a:srgbClr val="000000"/>
-                </a:solidFill>
-                <a:miter lim="800000"/>
-                <a:headEnd/>
-                <a:tailEnd/>
-              </a14:hiddenLine>
-            </a:ext>
-          </a:extLst>
+          <a:effectLst>
+            <a:outerShdw blurRad="76200" dir="18900000" sy="23000" kx="-1200000" algn="bl" rotWithShape="0">
+              <a:prstClr val="black">
+                <a:alpha val="20000"/>
+              </a:prstClr>
+            </a:outerShdw>
+          </a:effectLst>
         </p:spPr>
       </p:pic>
       <p:pic>
         <p:nvPicPr>
-          <p:cNvPr id="11272" name="그림 30"/>
+          <p:cNvPr id="23" name="Picture 4">
+            <a:extLst>
+              <a:ext uri="{FF2B5EF4-FFF2-40B4-BE49-F238E27FC236}">
+                <a16:creationId xmlns:a16="http://schemas.microsoft.com/office/drawing/2014/main" id="{9F3A1B1E-5EF1-42C7-9638-3125FC5C600C}"/>
+              </a:ext>
+            </a:extLst>
+          </p:cNvPr>
           <p:cNvPicPr>
-            <a:picLocks noChangeAspect="1"/>
+            <a:picLocks noChangeAspect="1" noChangeArrowheads="1"/>
           </p:cNvPicPr>
           <p:nvPr/>
         </p:nvPicPr>
@@ -35557,40 +37132,38 @@
         </p:blipFill>
         <p:spPr bwMode="auto">
           <a:xfrm>
-            <a:off x="9355138" y="2724150"/>
-            <a:ext cx="1739900" cy="1739900"/>
+            <a:off x="9186490" y="2973836"/>
+            <a:ext cx="1494059" cy="1211255"/>
           </a:xfrm>
           <a:prstGeom prst="rect">
             <a:avLst/>
           </a:prstGeom>
-          <a:noFill/>
-          <a:ln>
-            <a:noFill/>
+          <a:solidFill>
+            <a:schemeClr val="bg1"/>
+          </a:solidFill>
+          <a:ln w="69850" cap="rnd">
+            <a:solidFill>
+              <a:schemeClr val="bg1"/>
+            </a:solidFill>
           </a:ln>
-          <a:extLst>
-            <a:ext uri="{909E8E84-426E-40DD-AFC4-6F175D3DCCD1}">
-              <a14:hiddenFill xmlns:a14="http://schemas.microsoft.com/office/drawing/2010/main">
-                <a:solidFill>
-                  <a:srgbClr val="FFFFFF"/>
-                </a:solidFill>
-              </a14:hiddenFill>
-            </a:ext>
-            <a:ext uri="{91240B29-F687-4F45-9708-019B960494DF}">
-              <a14:hiddenLine xmlns:a14="http://schemas.microsoft.com/office/drawing/2010/main" w="9525">
-                <a:solidFill>
-                  <a:srgbClr val="000000"/>
-                </a:solidFill>
-                <a:miter lim="800000"/>
-                <a:headEnd/>
-                <a:tailEnd/>
-              </a14:hiddenLine>
-            </a:ext>
-          </a:extLst>
+          <a:effectLst>
+            <a:outerShdw blurRad="76200" dir="18900000" sy="23000" kx="-1200000" algn="bl" rotWithShape="0">
+              <a:prstClr val="black">
+                <a:alpha val="20000"/>
+              </a:prstClr>
+            </a:outerShdw>
+          </a:effectLst>
         </p:spPr>
       </p:pic>
       <p:pic>
         <p:nvPicPr>
-          <p:cNvPr id="11274" name="그림 32"/>
+          <p:cNvPr id="30" name="그림 29">
+            <a:extLst>
+              <a:ext uri="{FF2B5EF4-FFF2-40B4-BE49-F238E27FC236}">
+                <a16:creationId xmlns:a16="http://schemas.microsoft.com/office/drawing/2014/main" id="{2C290705-EEBE-4655-BB8F-B7C430494E1D}"/>
+              </a:ext>
+            </a:extLst>
+          </p:cNvPr>
           <p:cNvPicPr>
             <a:picLocks noChangeAspect="1"/>
           </p:cNvPicPr>
@@ -35604,15 +37177,213 @@
               </a:ext>
             </a:extLst>
           </a:blip>
-          <a:srcRect/>
           <a:stretch>
             <a:fillRect/>
           </a:stretch>
         </p:blipFill>
+        <p:spPr>
+          <a:xfrm>
+            <a:off x="9186490" y="4434874"/>
+            <a:ext cx="1489130" cy="1489130"/>
+          </a:xfrm>
+          <a:prstGeom prst="rect">
+            <a:avLst/>
+          </a:prstGeom>
+          <a:effectLst>
+            <a:outerShdw blurRad="76200" dir="18900000" sy="23000" kx="-1200000" algn="bl" rotWithShape="0">
+              <a:prstClr val="black">
+                <a:alpha val="20000"/>
+              </a:prstClr>
+            </a:outerShdw>
+          </a:effectLst>
+        </p:spPr>
+      </p:pic>
+      <p:pic>
+        <p:nvPicPr>
+          <p:cNvPr id="2" name="그림 1"/>
+          <p:cNvPicPr>
+            <a:picLocks noChangeAspect="1"/>
+          </p:cNvPicPr>
+          <p:nvPr/>
+        </p:nvPicPr>
+        <p:blipFill>
+          <a:blip r:embed="rId7">
+            <a:extLst>
+              <a:ext uri="{28A0092B-C50C-407E-A947-70E740481C1C}">
+                <a14:useLocalDpi xmlns:a14="http://schemas.microsoft.com/office/drawing/2010/main" val="0"/>
+              </a:ext>
+            </a:extLst>
+          </a:blip>
+          <a:stretch>
+            <a:fillRect/>
+          </a:stretch>
+        </p:blipFill>
+        <p:spPr>
+          <a:xfrm>
+            <a:off x="7054790" y="4534436"/>
+            <a:ext cx="1343222" cy="1343222"/>
+          </a:xfrm>
+          <a:prstGeom prst="rect">
+            <a:avLst/>
+          </a:prstGeom>
+        </p:spPr>
+      </p:pic>
+    </p:spTree>
+  </p:cSld>
+  <p:clrMapOvr>
+    <a:masterClrMapping/>
+  </p:clrMapOvr>
+</p:sld>
+</file>
+
+<file path=ppt/slides/slide7.xml><?xml version="1.0" encoding="utf-8"?>
+<p:sld xmlns:a="http://schemas.openxmlformats.org/drawingml/2006/main" xmlns:r="http://schemas.openxmlformats.org/officeDocument/2006/relationships" xmlns:p="http://schemas.openxmlformats.org/presentationml/2006/main">
+  <p:cSld>
+    <p:spTree>
+      <p:nvGrpSpPr>
+        <p:cNvPr id="1" name=""/>
+        <p:cNvGrpSpPr/>
+        <p:nvPr/>
+      </p:nvGrpSpPr>
+      <p:grpSpPr>
+        <a:xfrm>
+          <a:off x="0" y="0"/>
+          <a:ext cx="0" cy="0"/>
+          <a:chOff x="0" y="0"/>
+          <a:chExt cx="0" cy="0"/>
+        </a:xfrm>
+      </p:grpSpPr>
+      <p:sp>
+        <p:nvSpPr>
+          <p:cNvPr id="13" name="직사각형 12"/>
+          <p:cNvSpPr/>
+          <p:nvPr/>
+        </p:nvSpPr>
+        <p:spPr>
+          <a:xfrm>
+            <a:off x="0" y="-4763"/>
+            <a:ext cx="12192000" cy="620713"/>
+          </a:xfrm>
+          <a:prstGeom prst="rect">
+            <a:avLst/>
+          </a:prstGeom>
+          <a:gradFill>
+            <a:gsLst>
+              <a:gs pos="0">
+                <a:schemeClr val="tx1">
+                  <a:lumMod val="65000"/>
+                  <a:lumOff val="35000"/>
+                </a:schemeClr>
+              </a:gs>
+              <a:gs pos="100000">
+                <a:schemeClr val="bg1">
+                  <a:lumMod val="95000"/>
+                </a:schemeClr>
+              </a:gs>
+              <a:gs pos="40000">
+                <a:schemeClr val="bg1">
+                  <a:lumMod val="75000"/>
+                </a:schemeClr>
+              </a:gs>
+            </a:gsLst>
+            <a:lin ang="0" scaled="1"/>
+          </a:gradFill>
+          <a:ln>
+            <a:noFill/>
+          </a:ln>
+        </p:spPr>
+        <p:style>
+          <a:lnRef idx="2">
+            <a:schemeClr val="accent1">
+              <a:shade val="50000"/>
+            </a:schemeClr>
+          </a:lnRef>
+          <a:fillRef idx="1">
+            <a:schemeClr val="accent1"/>
+          </a:fillRef>
+          <a:effectRef idx="0">
+            <a:schemeClr val="accent1"/>
+          </a:effectRef>
+          <a:fontRef idx="minor">
+            <a:schemeClr val="lt1"/>
+          </a:fontRef>
+        </p:style>
+        <p:txBody>
+          <a:bodyPr anchor="ctr"/>
+          <a:lstStyle/>
+          <a:p>
+            <a:pPr algn="ctr" eaLnBrk="1" fontAlgn="auto" latinLnBrk="1" hangingPunct="1">
+              <a:spcBef>
+                <a:spcPts val="0"/>
+              </a:spcBef>
+              <a:spcAft>
+                <a:spcPts val="0"/>
+              </a:spcAft>
+              <a:defRPr/>
+            </a:pPr>
+            <a:endParaRPr kumimoji="0" lang="ko-KR" altLang="en-US" dirty="0"/>
+          </a:p>
+        </p:txBody>
+      </p:sp>
+      <p:sp>
+        <p:nvSpPr>
+          <p:cNvPr id="16" name="TextBox 15"/>
+          <p:cNvSpPr txBox="1"/>
+          <p:nvPr/>
+        </p:nvSpPr>
         <p:spPr bwMode="auto">
           <a:xfrm>
-            <a:off x="9901238" y="4656138"/>
-            <a:ext cx="804862" cy="1169987"/>
+            <a:off x="488950" y="765175"/>
+            <a:ext cx="2814638" cy="646113"/>
+          </a:xfrm>
+          <a:prstGeom prst="rect">
+            <a:avLst/>
+          </a:prstGeom>
+          <a:noFill/>
+        </p:spPr>
+        <p:txBody>
+          <a:bodyPr wrap="none">
+            <a:spAutoFit/>
+          </a:bodyPr>
+          <a:lstStyle/>
+          <a:p>
+            <a:pPr eaLnBrk="1" fontAlgn="auto" latinLnBrk="1" hangingPunct="1">
+              <a:spcBef>
+                <a:spcPts val="0"/>
+              </a:spcBef>
+              <a:spcAft>
+                <a:spcPts val="0"/>
+              </a:spcAft>
+              <a:defRPr/>
+            </a:pPr>
+            <a:r>
+              <a:rPr kumimoji="0" lang="ko-KR" altLang="en-US" sz="3600" spc="-300" dirty="0">
+                <a:solidFill>
+                  <a:schemeClr val="tx1">
+                    <a:lumMod val="75000"/>
+                    <a:lumOff val="25000"/>
+                  </a:schemeClr>
+                </a:solidFill>
+                <a:latin typeface="여기어때 잘난체 OTF" pitchFamily="34" charset="-127"/>
+                <a:ea typeface="여기어때 잘난체 OTF" pitchFamily="34" charset="-127"/>
+              </a:rPr>
+              <a:t>프로젝트 내용</a:t>
+            </a:r>
+          </a:p>
+        </p:txBody>
+      </p:sp>
+      <p:sp>
+        <p:nvSpPr>
+          <p:cNvPr id="25604" name="Text Placeholder 2"/>
+          <p:cNvSpPr txBox="1">
+            <a:spLocks/>
+          </p:cNvSpPr>
+          <p:nvPr/>
+        </p:nvSpPr>
+        <p:spPr bwMode="auto">
+          <a:xfrm>
+            <a:off x="509588" y="1651000"/>
+            <a:ext cx="7739062" cy="304800"/>
           </a:xfrm>
           <a:prstGeom prst="rect">
             <a:avLst/>
@@ -35641,8 +37412,2165 @@
             </a:ext>
           </a:extLst>
         </p:spPr>
+        <p:txBody>
+          <a:bodyPr anchor="ctr"/>
+          <a:lstStyle>
+            <a:lvl1pPr latinLnBrk="1">
+              <a:spcBef>
+                <a:spcPct val="20000"/>
+              </a:spcBef>
+              <a:buFont typeface="Arial" panose="020B0604020202020204" pitchFamily="34" charset="0"/>
+              <a:buChar char="•"/>
+              <a:defRPr sz="3200">
+                <a:solidFill>
+                  <a:schemeClr val="tx1"/>
+                </a:solidFill>
+                <a:latin typeface="맑은 고딕" panose="020B0503020000020004" pitchFamily="50" charset="-127"/>
+                <a:ea typeface="맑은 고딕" panose="020B0503020000020004" pitchFamily="50" charset="-127"/>
+              </a:defRPr>
+            </a:lvl1pPr>
+            <a:lvl2pPr marL="742950" indent="-285750" latinLnBrk="1">
+              <a:spcBef>
+                <a:spcPct val="20000"/>
+              </a:spcBef>
+              <a:buFont typeface="Arial" panose="020B0604020202020204" pitchFamily="34" charset="0"/>
+              <a:buChar char="–"/>
+              <a:defRPr sz="2800">
+                <a:solidFill>
+                  <a:schemeClr val="tx1"/>
+                </a:solidFill>
+                <a:latin typeface="맑은 고딕" panose="020B0503020000020004" pitchFamily="50" charset="-127"/>
+                <a:ea typeface="맑은 고딕" panose="020B0503020000020004" pitchFamily="50" charset="-127"/>
+              </a:defRPr>
+            </a:lvl2pPr>
+            <a:lvl3pPr marL="1143000" indent="-228600" latinLnBrk="1">
+              <a:spcBef>
+                <a:spcPct val="20000"/>
+              </a:spcBef>
+              <a:buFont typeface="Arial" panose="020B0604020202020204" pitchFamily="34" charset="0"/>
+              <a:buChar char="•"/>
+              <a:defRPr sz="2400">
+                <a:solidFill>
+                  <a:schemeClr val="tx1"/>
+                </a:solidFill>
+                <a:latin typeface="맑은 고딕" panose="020B0503020000020004" pitchFamily="50" charset="-127"/>
+                <a:ea typeface="맑은 고딕" panose="020B0503020000020004" pitchFamily="50" charset="-127"/>
+              </a:defRPr>
+            </a:lvl3pPr>
+            <a:lvl4pPr marL="1600200" indent="-228600" latinLnBrk="1">
+              <a:spcBef>
+                <a:spcPct val="20000"/>
+              </a:spcBef>
+              <a:buFont typeface="Arial" panose="020B0604020202020204" pitchFamily="34" charset="0"/>
+              <a:buChar char="–"/>
+              <a:defRPr sz="2000">
+                <a:solidFill>
+                  <a:schemeClr val="tx1"/>
+                </a:solidFill>
+                <a:latin typeface="맑은 고딕" panose="020B0503020000020004" pitchFamily="50" charset="-127"/>
+                <a:ea typeface="맑은 고딕" panose="020B0503020000020004" pitchFamily="50" charset="-127"/>
+              </a:defRPr>
+            </a:lvl4pPr>
+            <a:lvl5pPr marL="2057400" indent="-228600" latinLnBrk="1">
+              <a:spcBef>
+                <a:spcPct val="20000"/>
+              </a:spcBef>
+              <a:buFont typeface="Arial" panose="020B0604020202020204" pitchFamily="34" charset="0"/>
+              <a:buChar char="»"/>
+              <a:defRPr sz="2000">
+                <a:solidFill>
+                  <a:schemeClr val="tx1"/>
+                </a:solidFill>
+                <a:latin typeface="맑은 고딕" panose="020B0503020000020004" pitchFamily="50" charset="-127"/>
+                <a:ea typeface="맑은 고딕" panose="020B0503020000020004" pitchFamily="50" charset="-127"/>
+              </a:defRPr>
+            </a:lvl5pPr>
+            <a:lvl6pPr marL="2514600" indent="-228600" eaLnBrk="0" fontAlgn="base" hangingPunct="0">
+              <a:spcBef>
+                <a:spcPct val="20000"/>
+              </a:spcBef>
+              <a:spcAft>
+                <a:spcPct val="0"/>
+              </a:spcAft>
+              <a:buFont typeface="Arial" panose="020B0604020202020204" pitchFamily="34" charset="0"/>
+              <a:buChar char="»"/>
+              <a:defRPr sz="2000">
+                <a:solidFill>
+                  <a:schemeClr val="tx1"/>
+                </a:solidFill>
+                <a:latin typeface="맑은 고딕" panose="020B0503020000020004" pitchFamily="50" charset="-127"/>
+                <a:ea typeface="맑은 고딕" panose="020B0503020000020004" pitchFamily="50" charset="-127"/>
+              </a:defRPr>
+            </a:lvl6pPr>
+            <a:lvl7pPr marL="2971800" indent="-228600" eaLnBrk="0" fontAlgn="base" hangingPunct="0">
+              <a:spcBef>
+                <a:spcPct val="20000"/>
+              </a:spcBef>
+              <a:spcAft>
+                <a:spcPct val="0"/>
+              </a:spcAft>
+              <a:buFont typeface="Arial" panose="020B0604020202020204" pitchFamily="34" charset="0"/>
+              <a:buChar char="»"/>
+              <a:defRPr sz="2000">
+                <a:solidFill>
+                  <a:schemeClr val="tx1"/>
+                </a:solidFill>
+                <a:latin typeface="맑은 고딕" panose="020B0503020000020004" pitchFamily="50" charset="-127"/>
+                <a:ea typeface="맑은 고딕" panose="020B0503020000020004" pitchFamily="50" charset="-127"/>
+              </a:defRPr>
+            </a:lvl7pPr>
+            <a:lvl8pPr marL="3429000" indent="-228600" eaLnBrk="0" fontAlgn="base" hangingPunct="0">
+              <a:spcBef>
+                <a:spcPct val="20000"/>
+              </a:spcBef>
+              <a:spcAft>
+                <a:spcPct val="0"/>
+              </a:spcAft>
+              <a:buFont typeface="Arial" panose="020B0604020202020204" pitchFamily="34" charset="0"/>
+              <a:buChar char="»"/>
+              <a:defRPr sz="2000">
+                <a:solidFill>
+                  <a:schemeClr val="tx1"/>
+                </a:solidFill>
+                <a:latin typeface="맑은 고딕" panose="020B0503020000020004" pitchFamily="50" charset="-127"/>
+                <a:ea typeface="맑은 고딕" panose="020B0503020000020004" pitchFamily="50" charset="-127"/>
+              </a:defRPr>
+            </a:lvl8pPr>
+            <a:lvl9pPr marL="3886200" indent="-228600" eaLnBrk="0" fontAlgn="base" hangingPunct="0">
+              <a:spcBef>
+                <a:spcPct val="20000"/>
+              </a:spcBef>
+              <a:spcAft>
+                <a:spcPct val="0"/>
+              </a:spcAft>
+              <a:buFont typeface="Arial" panose="020B0604020202020204" pitchFamily="34" charset="0"/>
+              <a:buChar char="»"/>
+              <a:defRPr sz="2000">
+                <a:solidFill>
+                  <a:schemeClr val="tx1"/>
+                </a:solidFill>
+                <a:latin typeface="맑은 고딕" panose="020B0503020000020004" pitchFamily="50" charset="-127"/>
+                <a:ea typeface="맑은 고딕" panose="020B0503020000020004" pitchFamily="50" charset="-127"/>
+              </a:defRPr>
+            </a:lvl9pPr>
+          </a:lstStyle>
+          <a:p>
+            <a:pPr eaLnBrk="1" hangingPunct="1">
+              <a:spcBef>
+                <a:spcPct val="0"/>
+              </a:spcBef>
+              <a:buFontTx/>
+              <a:buNone/>
+            </a:pPr>
+            <a:r>
+              <a:rPr kumimoji="0" lang="ko-KR" altLang="en-US" sz="2400" dirty="0">
+                <a:solidFill>
+                  <a:schemeClr val="tx2"/>
+                </a:solidFill>
+                <a:latin typeface="나눔스퀘어OTF Bold" panose="020B0600000101010101" pitchFamily="34" charset="-127"/>
+                <a:ea typeface="나눔스퀘어OTF Bold" panose="020B0600000101010101" pitchFamily="34" charset="-127"/>
+              </a:rPr>
+              <a:t>분석</a:t>
+            </a:r>
+            <a:r>
+              <a:rPr kumimoji="0" lang="en-US" altLang="ko-KR" sz="2400" dirty="0">
+                <a:solidFill>
+                  <a:schemeClr val="tx2"/>
+                </a:solidFill>
+                <a:latin typeface="나눔스퀘어OTF Bold" panose="020B0600000101010101" pitchFamily="34" charset="-127"/>
+                <a:ea typeface="나눔스퀘어OTF Bold" panose="020B0600000101010101" pitchFamily="34" charset="-127"/>
+              </a:rPr>
+              <a:t>/</a:t>
+            </a:r>
+            <a:r>
+              <a:rPr kumimoji="0" lang="ko-KR" altLang="en-US" sz="2400" dirty="0">
+                <a:solidFill>
+                  <a:schemeClr val="tx2"/>
+                </a:solidFill>
+                <a:latin typeface="나눔스퀘어OTF Bold" panose="020B0600000101010101" pitchFamily="34" charset="-127"/>
+                <a:ea typeface="나눔스퀘어OTF Bold" panose="020B0600000101010101" pitchFamily="34" charset="-127"/>
+              </a:rPr>
+              <a:t>설계 </a:t>
+            </a:r>
+            <a:r>
+              <a:rPr kumimoji="0" lang="en-US" altLang="ko-KR" sz="2400" dirty="0">
+                <a:solidFill>
+                  <a:schemeClr val="tx2"/>
+                </a:solidFill>
+                <a:latin typeface="나눔스퀘어OTF Bold" panose="020B0600000101010101" pitchFamily="34" charset="-127"/>
+                <a:ea typeface="나눔스퀘어OTF Bold" panose="020B0600000101010101" pitchFamily="34" charset="-127"/>
+              </a:rPr>
+              <a:t>: </a:t>
+            </a:r>
+            <a:r>
+              <a:rPr kumimoji="0" lang="ko-KR" altLang="en-US" sz="2400" dirty="0">
+                <a:solidFill>
+                  <a:schemeClr val="tx2"/>
+                </a:solidFill>
+                <a:latin typeface="나눔스퀘어OTF Bold" panose="020B0600000101010101" pitchFamily="34" charset="-127"/>
+                <a:ea typeface="나눔스퀘어OTF Bold" panose="020B0600000101010101" pitchFamily="34" charset="-127"/>
+              </a:rPr>
+              <a:t>시스템 구성도</a:t>
+            </a:r>
+          </a:p>
+        </p:txBody>
+      </p:sp>
+      <p:pic>
+        <p:nvPicPr>
+          <p:cNvPr id="3" name="그림 2">
+            <a:extLst>
+              <a:ext uri="{FF2B5EF4-FFF2-40B4-BE49-F238E27FC236}">
+                <a16:creationId xmlns:a16="http://schemas.microsoft.com/office/drawing/2014/main" id="{D415E4E9-743C-4D8F-A0A5-CD491574D3D2}"/>
+              </a:ext>
+            </a:extLst>
+          </p:cNvPr>
+          <p:cNvPicPr>
+            <a:picLocks noChangeAspect="1"/>
+          </p:cNvPicPr>
+          <p:nvPr/>
+        </p:nvPicPr>
+        <p:blipFill>
+          <a:blip r:embed="rId3" cstate="print">
+            <a:extLst>
+              <a:ext uri="{28A0092B-C50C-407E-A947-70E740481C1C}">
+                <a14:useLocalDpi xmlns:a14="http://schemas.microsoft.com/office/drawing/2010/main" val="0"/>
+              </a:ext>
+            </a:extLst>
+          </a:blip>
+          <a:stretch>
+            <a:fillRect/>
+          </a:stretch>
+        </p:blipFill>
+        <p:spPr>
+          <a:xfrm>
+            <a:off x="911817" y="2113542"/>
+            <a:ext cx="10050740" cy="4451956"/>
+          </a:xfrm>
+          <a:prstGeom prst="rect">
+            <a:avLst/>
+          </a:prstGeom>
+        </p:spPr>
       </p:pic>
+      <p:sp>
+        <p:nvSpPr>
+          <p:cNvPr id="14" name="양쪽 모서리가 둥근 사각형 26">
+            <a:extLst>
+              <a:ext uri="{FF2B5EF4-FFF2-40B4-BE49-F238E27FC236}">
+                <a16:creationId xmlns:a16="http://schemas.microsoft.com/office/drawing/2014/main" id="{C0968837-0C61-4FB8-BDF7-7770EA7E7F62}"/>
+              </a:ext>
+            </a:extLst>
+          </p:cNvPr>
+          <p:cNvSpPr/>
+          <p:nvPr/>
+        </p:nvSpPr>
+        <p:spPr bwMode="auto">
+          <a:xfrm flipH="1">
+            <a:off x="8547598" y="246061"/>
+            <a:ext cx="1328738" cy="369888"/>
+          </a:xfrm>
+          <a:prstGeom prst="round2SameRect">
+            <a:avLst>
+              <a:gd name="adj1" fmla="val 50000"/>
+              <a:gd name="adj2" fmla="val 0"/>
+            </a:avLst>
+          </a:prstGeom>
+          <a:gradFill>
+            <a:gsLst>
+              <a:gs pos="0">
+                <a:schemeClr val="tx1"/>
+              </a:gs>
+              <a:gs pos="100000">
+                <a:schemeClr val="tx1"/>
+              </a:gs>
+              <a:gs pos="51000">
+                <a:schemeClr val="bg1">
+                  <a:lumMod val="50000"/>
+                </a:schemeClr>
+              </a:gs>
+            </a:gsLst>
+            <a:lin ang="0" scaled="1"/>
+          </a:gradFill>
+          <a:ln>
+            <a:solidFill>
+              <a:schemeClr val="bg1"/>
+            </a:solidFill>
+          </a:ln>
+        </p:spPr>
+        <p:style>
+          <a:lnRef idx="2">
+            <a:schemeClr val="accent1">
+              <a:shade val="50000"/>
+            </a:schemeClr>
+          </a:lnRef>
+          <a:fillRef idx="1">
+            <a:schemeClr val="accent1"/>
+          </a:fillRef>
+          <a:effectRef idx="0">
+            <a:schemeClr val="accent1"/>
+          </a:effectRef>
+          <a:fontRef idx="minor">
+            <a:schemeClr val="lt1"/>
+          </a:fontRef>
+        </p:style>
+        <p:txBody>
+          <a:bodyPr anchor="ctr"/>
+          <a:lstStyle>
+            <a:defPPr>
+              <a:defRPr lang="ko-KR"/>
+            </a:defPPr>
+            <a:lvl1pPr algn="l" rtl="0" eaLnBrk="0" fontAlgn="base" hangingPunct="0">
+              <a:spcBef>
+                <a:spcPct val="0"/>
+              </a:spcBef>
+              <a:spcAft>
+                <a:spcPct val="0"/>
+              </a:spcAft>
+              <a:defRPr kumimoji="1" kern="1200">
+                <a:solidFill>
+                  <a:schemeClr val="lt1"/>
+                </a:solidFill>
+                <a:latin typeface="+mn-lt"/>
+                <a:ea typeface="+mn-ea"/>
+                <a:cs typeface="+mn-cs"/>
+              </a:defRPr>
+            </a:lvl1pPr>
+            <a:lvl2pPr marL="457200" algn="l" rtl="0" eaLnBrk="0" fontAlgn="base" hangingPunct="0">
+              <a:spcBef>
+                <a:spcPct val="0"/>
+              </a:spcBef>
+              <a:spcAft>
+                <a:spcPct val="0"/>
+              </a:spcAft>
+              <a:defRPr kumimoji="1" kern="1200">
+                <a:solidFill>
+                  <a:schemeClr val="lt1"/>
+                </a:solidFill>
+                <a:latin typeface="+mn-lt"/>
+                <a:ea typeface="+mn-ea"/>
+                <a:cs typeface="+mn-cs"/>
+              </a:defRPr>
+            </a:lvl2pPr>
+            <a:lvl3pPr marL="914400" algn="l" rtl="0" eaLnBrk="0" fontAlgn="base" hangingPunct="0">
+              <a:spcBef>
+                <a:spcPct val="0"/>
+              </a:spcBef>
+              <a:spcAft>
+                <a:spcPct val="0"/>
+              </a:spcAft>
+              <a:defRPr kumimoji="1" kern="1200">
+                <a:solidFill>
+                  <a:schemeClr val="lt1"/>
+                </a:solidFill>
+                <a:latin typeface="+mn-lt"/>
+                <a:ea typeface="+mn-ea"/>
+                <a:cs typeface="+mn-cs"/>
+              </a:defRPr>
+            </a:lvl3pPr>
+            <a:lvl4pPr marL="1371600" algn="l" rtl="0" eaLnBrk="0" fontAlgn="base" hangingPunct="0">
+              <a:spcBef>
+                <a:spcPct val="0"/>
+              </a:spcBef>
+              <a:spcAft>
+                <a:spcPct val="0"/>
+              </a:spcAft>
+              <a:defRPr kumimoji="1" kern="1200">
+                <a:solidFill>
+                  <a:schemeClr val="lt1"/>
+                </a:solidFill>
+                <a:latin typeface="+mn-lt"/>
+                <a:ea typeface="+mn-ea"/>
+                <a:cs typeface="+mn-cs"/>
+              </a:defRPr>
+            </a:lvl4pPr>
+            <a:lvl5pPr marL="1828800" algn="l" rtl="0" eaLnBrk="0" fontAlgn="base" hangingPunct="0">
+              <a:spcBef>
+                <a:spcPct val="0"/>
+              </a:spcBef>
+              <a:spcAft>
+                <a:spcPct val="0"/>
+              </a:spcAft>
+              <a:defRPr kumimoji="1" kern="1200">
+                <a:solidFill>
+                  <a:schemeClr val="lt1"/>
+                </a:solidFill>
+                <a:latin typeface="+mn-lt"/>
+                <a:ea typeface="+mn-ea"/>
+                <a:cs typeface="+mn-cs"/>
+              </a:defRPr>
+            </a:lvl5pPr>
+            <a:lvl6pPr marL="2286000" algn="l" defTabSz="914400" rtl="0" eaLnBrk="1" latinLnBrk="1" hangingPunct="1">
+              <a:defRPr kumimoji="1" kern="1200">
+                <a:solidFill>
+                  <a:schemeClr val="lt1"/>
+                </a:solidFill>
+                <a:latin typeface="+mn-lt"/>
+                <a:ea typeface="+mn-ea"/>
+                <a:cs typeface="+mn-cs"/>
+              </a:defRPr>
+            </a:lvl6pPr>
+            <a:lvl7pPr marL="2743200" algn="l" defTabSz="914400" rtl="0" eaLnBrk="1" latinLnBrk="1" hangingPunct="1">
+              <a:defRPr kumimoji="1" kern="1200">
+                <a:solidFill>
+                  <a:schemeClr val="lt1"/>
+                </a:solidFill>
+                <a:latin typeface="+mn-lt"/>
+                <a:ea typeface="+mn-ea"/>
+                <a:cs typeface="+mn-cs"/>
+              </a:defRPr>
+            </a:lvl7pPr>
+            <a:lvl8pPr marL="3200400" algn="l" defTabSz="914400" rtl="0" eaLnBrk="1" latinLnBrk="1" hangingPunct="1">
+              <a:defRPr kumimoji="1" kern="1200">
+                <a:solidFill>
+                  <a:schemeClr val="lt1"/>
+                </a:solidFill>
+                <a:latin typeface="+mn-lt"/>
+                <a:ea typeface="+mn-ea"/>
+                <a:cs typeface="+mn-cs"/>
+              </a:defRPr>
+            </a:lvl8pPr>
+            <a:lvl9pPr marL="3657600" algn="l" defTabSz="914400" rtl="0" eaLnBrk="1" latinLnBrk="1" hangingPunct="1">
+              <a:defRPr kumimoji="1" kern="1200">
+                <a:solidFill>
+                  <a:schemeClr val="lt1"/>
+                </a:solidFill>
+                <a:latin typeface="+mn-lt"/>
+                <a:ea typeface="+mn-ea"/>
+                <a:cs typeface="+mn-cs"/>
+              </a:defRPr>
+            </a:lvl9pPr>
+          </a:lstStyle>
+          <a:p>
+            <a:pPr algn="ctr" eaLnBrk="1" fontAlgn="auto" latinLnBrk="1" hangingPunct="1">
+              <a:spcBef>
+                <a:spcPts val="0"/>
+              </a:spcBef>
+              <a:spcAft>
+                <a:spcPts val="0"/>
+              </a:spcAft>
+              <a:defRPr/>
+            </a:pPr>
+            <a:r>
+              <a:rPr kumimoji="0" lang="ko-KR" altLang="en-US" sz="1500" dirty="0">
+                <a:solidFill>
+                  <a:schemeClr val="bg1"/>
+                </a:solidFill>
+                <a:latin typeface="여기어때 잘난체 OTF" panose="020B0600000101010101" pitchFamily="34" charset="-127"/>
+                <a:ea typeface="여기어때 잘난체 OTF" panose="020B0600000101010101" pitchFamily="34" charset="-127"/>
+              </a:rPr>
+              <a:t>제안</a:t>
+            </a:r>
+            <a:r>
+              <a:rPr kumimoji="0" lang="en-US" altLang="ko-KR" sz="1500" dirty="0">
+                <a:solidFill>
+                  <a:schemeClr val="bg1"/>
+                </a:solidFill>
+                <a:latin typeface="여기어때 잘난체 OTF" panose="020B0600000101010101" pitchFamily="34" charset="-127"/>
+                <a:ea typeface="여기어때 잘난체 OTF" panose="020B0600000101010101" pitchFamily="34" charset="-127"/>
+              </a:rPr>
+              <a:t>/</a:t>
+            </a:r>
+            <a:r>
+              <a:rPr kumimoji="0" lang="ko-KR" altLang="en-US" sz="1500" dirty="0">
+                <a:solidFill>
+                  <a:schemeClr val="bg1"/>
+                </a:solidFill>
+                <a:latin typeface="여기어때 잘난체 OTF" panose="020B0600000101010101" pitchFamily="34" charset="-127"/>
+                <a:ea typeface="여기어때 잘난체 OTF" panose="020B0600000101010101" pitchFamily="34" charset="-127"/>
+              </a:rPr>
+              <a:t>내용</a:t>
+            </a:r>
+          </a:p>
+        </p:txBody>
+      </p:sp>
+      <p:sp>
+        <p:nvSpPr>
+          <p:cNvPr id="15" name="양쪽 모서리가 둥근 사각형 27">
+            <a:extLst>
+              <a:ext uri="{FF2B5EF4-FFF2-40B4-BE49-F238E27FC236}">
+                <a16:creationId xmlns:a16="http://schemas.microsoft.com/office/drawing/2014/main" id="{73AEA8B0-A8FB-4953-B6FB-DDE766B736D0}"/>
+              </a:ext>
+            </a:extLst>
+          </p:cNvPr>
+          <p:cNvSpPr/>
+          <p:nvPr/>
+        </p:nvSpPr>
+        <p:spPr bwMode="auto">
+          <a:xfrm flipH="1">
+            <a:off x="9725522" y="246061"/>
+            <a:ext cx="1323975" cy="369888"/>
+          </a:xfrm>
+          <a:prstGeom prst="round2SameRect">
+            <a:avLst>
+              <a:gd name="adj1" fmla="val 50000"/>
+              <a:gd name="adj2" fmla="val 0"/>
+            </a:avLst>
+          </a:prstGeom>
+          <a:solidFill>
+            <a:schemeClr val="bg1">
+              <a:lumMod val="85000"/>
+            </a:schemeClr>
+          </a:solidFill>
+          <a:ln>
+            <a:solidFill>
+              <a:schemeClr val="bg1"/>
+            </a:solidFill>
+          </a:ln>
+        </p:spPr>
+        <p:style>
+          <a:lnRef idx="2">
+            <a:schemeClr val="accent1">
+              <a:shade val="50000"/>
+            </a:schemeClr>
+          </a:lnRef>
+          <a:fillRef idx="1">
+            <a:schemeClr val="accent1"/>
+          </a:fillRef>
+          <a:effectRef idx="0">
+            <a:schemeClr val="accent1"/>
+          </a:effectRef>
+          <a:fontRef idx="minor">
+            <a:schemeClr val="lt1"/>
+          </a:fontRef>
+        </p:style>
+        <p:txBody>
+          <a:bodyPr anchor="ctr"/>
+          <a:lstStyle>
+            <a:defPPr>
+              <a:defRPr lang="ko-KR"/>
+            </a:defPPr>
+            <a:lvl1pPr algn="l" rtl="0" eaLnBrk="0" fontAlgn="base" hangingPunct="0">
+              <a:spcBef>
+                <a:spcPct val="0"/>
+              </a:spcBef>
+              <a:spcAft>
+                <a:spcPct val="0"/>
+              </a:spcAft>
+              <a:defRPr kumimoji="1" kern="1200">
+                <a:solidFill>
+                  <a:schemeClr val="lt1"/>
+                </a:solidFill>
+                <a:latin typeface="+mn-lt"/>
+                <a:ea typeface="+mn-ea"/>
+                <a:cs typeface="+mn-cs"/>
+              </a:defRPr>
+            </a:lvl1pPr>
+            <a:lvl2pPr marL="457200" algn="l" rtl="0" eaLnBrk="0" fontAlgn="base" hangingPunct="0">
+              <a:spcBef>
+                <a:spcPct val="0"/>
+              </a:spcBef>
+              <a:spcAft>
+                <a:spcPct val="0"/>
+              </a:spcAft>
+              <a:defRPr kumimoji="1" kern="1200">
+                <a:solidFill>
+                  <a:schemeClr val="lt1"/>
+                </a:solidFill>
+                <a:latin typeface="+mn-lt"/>
+                <a:ea typeface="+mn-ea"/>
+                <a:cs typeface="+mn-cs"/>
+              </a:defRPr>
+            </a:lvl2pPr>
+            <a:lvl3pPr marL="914400" algn="l" rtl="0" eaLnBrk="0" fontAlgn="base" hangingPunct="0">
+              <a:spcBef>
+                <a:spcPct val="0"/>
+              </a:spcBef>
+              <a:spcAft>
+                <a:spcPct val="0"/>
+              </a:spcAft>
+              <a:defRPr kumimoji="1" kern="1200">
+                <a:solidFill>
+                  <a:schemeClr val="lt1"/>
+                </a:solidFill>
+                <a:latin typeface="+mn-lt"/>
+                <a:ea typeface="+mn-ea"/>
+                <a:cs typeface="+mn-cs"/>
+              </a:defRPr>
+            </a:lvl3pPr>
+            <a:lvl4pPr marL="1371600" algn="l" rtl="0" eaLnBrk="0" fontAlgn="base" hangingPunct="0">
+              <a:spcBef>
+                <a:spcPct val="0"/>
+              </a:spcBef>
+              <a:spcAft>
+                <a:spcPct val="0"/>
+              </a:spcAft>
+              <a:defRPr kumimoji="1" kern="1200">
+                <a:solidFill>
+                  <a:schemeClr val="lt1"/>
+                </a:solidFill>
+                <a:latin typeface="+mn-lt"/>
+                <a:ea typeface="+mn-ea"/>
+                <a:cs typeface="+mn-cs"/>
+              </a:defRPr>
+            </a:lvl4pPr>
+            <a:lvl5pPr marL="1828800" algn="l" rtl="0" eaLnBrk="0" fontAlgn="base" hangingPunct="0">
+              <a:spcBef>
+                <a:spcPct val="0"/>
+              </a:spcBef>
+              <a:spcAft>
+                <a:spcPct val="0"/>
+              </a:spcAft>
+              <a:defRPr kumimoji="1" kern="1200">
+                <a:solidFill>
+                  <a:schemeClr val="lt1"/>
+                </a:solidFill>
+                <a:latin typeface="+mn-lt"/>
+                <a:ea typeface="+mn-ea"/>
+                <a:cs typeface="+mn-cs"/>
+              </a:defRPr>
+            </a:lvl5pPr>
+            <a:lvl6pPr marL="2286000" algn="l" defTabSz="914400" rtl="0" eaLnBrk="1" latinLnBrk="1" hangingPunct="1">
+              <a:defRPr kumimoji="1" kern="1200">
+                <a:solidFill>
+                  <a:schemeClr val="lt1"/>
+                </a:solidFill>
+                <a:latin typeface="+mn-lt"/>
+                <a:ea typeface="+mn-ea"/>
+                <a:cs typeface="+mn-cs"/>
+              </a:defRPr>
+            </a:lvl6pPr>
+            <a:lvl7pPr marL="2743200" algn="l" defTabSz="914400" rtl="0" eaLnBrk="1" latinLnBrk="1" hangingPunct="1">
+              <a:defRPr kumimoji="1" kern="1200">
+                <a:solidFill>
+                  <a:schemeClr val="lt1"/>
+                </a:solidFill>
+                <a:latin typeface="+mn-lt"/>
+                <a:ea typeface="+mn-ea"/>
+                <a:cs typeface="+mn-cs"/>
+              </a:defRPr>
+            </a:lvl7pPr>
+            <a:lvl8pPr marL="3200400" algn="l" defTabSz="914400" rtl="0" eaLnBrk="1" latinLnBrk="1" hangingPunct="1">
+              <a:defRPr kumimoji="1" kern="1200">
+                <a:solidFill>
+                  <a:schemeClr val="lt1"/>
+                </a:solidFill>
+                <a:latin typeface="+mn-lt"/>
+                <a:ea typeface="+mn-ea"/>
+                <a:cs typeface="+mn-cs"/>
+              </a:defRPr>
+            </a:lvl8pPr>
+            <a:lvl9pPr marL="3657600" algn="l" defTabSz="914400" rtl="0" eaLnBrk="1" latinLnBrk="1" hangingPunct="1">
+              <a:defRPr kumimoji="1" kern="1200">
+                <a:solidFill>
+                  <a:schemeClr val="lt1"/>
+                </a:solidFill>
+                <a:latin typeface="+mn-lt"/>
+                <a:ea typeface="+mn-ea"/>
+                <a:cs typeface="+mn-cs"/>
+              </a:defRPr>
+            </a:lvl9pPr>
+          </a:lstStyle>
+          <a:p>
+            <a:pPr algn="ctr" eaLnBrk="1" fontAlgn="auto" latinLnBrk="1" hangingPunct="1">
+              <a:spcBef>
+                <a:spcPts val="0"/>
+              </a:spcBef>
+              <a:spcAft>
+                <a:spcPts val="0"/>
+              </a:spcAft>
+              <a:defRPr/>
+            </a:pPr>
+            <a:r>
+              <a:rPr kumimoji="0" lang="ko-KR" altLang="en-US" sz="1500" dirty="0" err="1">
+                <a:solidFill>
+                  <a:schemeClr val="tx1">
+                    <a:lumMod val="85000"/>
+                    <a:lumOff val="15000"/>
+                  </a:schemeClr>
+                </a:solidFill>
+                <a:latin typeface="여기어때 잘난체 OTF" pitchFamily="34" charset="-127"/>
+                <a:ea typeface="여기어때 잘난체 OTF" pitchFamily="34" charset="-127"/>
+              </a:rPr>
+              <a:t>구현화면</a:t>
+            </a:r>
+            <a:endParaRPr kumimoji="0" lang="ko-KR" altLang="en-US" sz="1500" dirty="0">
+              <a:solidFill>
+                <a:schemeClr val="tx1">
+                  <a:lumMod val="85000"/>
+                  <a:lumOff val="15000"/>
+                </a:schemeClr>
+              </a:solidFill>
+              <a:latin typeface="여기어때 잘난체 OTF" pitchFamily="34" charset="-127"/>
+              <a:ea typeface="여기어때 잘난체 OTF" pitchFamily="34" charset="-127"/>
+            </a:endParaRPr>
+          </a:p>
+        </p:txBody>
+      </p:sp>
+      <p:grpSp>
+        <p:nvGrpSpPr>
+          <p:cNvPr id="17" name="그룹 16">
+            <a:extLst>
+              <a:ext uri="{FF2B5EF4-FFF2-40B4-BE49-F238E27FC236}">
+                <a16:creationId xmlns:a16="http://schemas.microsoft.com/office/drawing/2014/main" id="{81894F45-5F75-43F3-85D7-5A3D56CC2351}"/>
+              </a:ext>
+            </a:extLst>
+          </p:cNvPr>
+          <p:cNvGrpSpPr>
+            <a:grpSpLocks/>
+          </p:cNvGrpSpPr>
+          <p:nvPr/>
+        </p:nvGrpSpPr>
+        <p:grpSpPr bwMode="auto">
+          <a:xfrm rot="5400000">
+            <a:off x="8016578" y="-3553618"/>
+            <a:ext cx="369889" cy="7969247"/>
+            <a:chOff x="11783835" y="678528"/>
+            <a:chExt cx="370109" cy="5198744"/>
+          </a:xfrm>
+        </p:grpSpPr>
+        <p:sp>
+          <p:nvSpPr>
+            <p:cNvPr id="22" name="양쪽 모서리가 둥근 사각형 21">
+              <a:extLst>
+                <a:ext uri="{FF2B5EF4-FFF2-40B4-BE49-F238E27FC236}">
+                  <a16:creationId xmlns:a16="http://schemas.microsoft.com/office/drawing/2014/main" id="{6CE5C39C-234F-4352-8CF3-D9BF9CA4AF51}"/>
+                </a:ext>
+              </a:extLst>
+            </p:cNvPr>
+            <p:cNvSpPr/>
+            <p:nvPr/>
+          </p:nvSpPr>
+          <p:spPr>
+            <a:xfrm rot="16200000" flipH="1">
+              <a:off x="11537041" y="5260370"/>
+              <a:ext cx="863696" cy="370108"/>
+            </a:xfrm>
+            <a:prstGeom prst="round2SameRect">
+              <a:avLst>
+                <a:gd name="adj1" fmla="val 50000"/>
+                <a:gd name="adj2" fmla="val 0"/>
+              </a:avLst>
+            </a:prstGeom>
+            <a:solidFill>
+              <a:schemeClr val="bg1">
+                <a:lumMod val="85000"/>
+              </a:schemeClr>
+            </a:solidFill>
+            <a:ln>
+              <a:solidFill>
+                <a:schemeClr val="bg1"/>
+              </a:solidFill>
+            </a:ln>
+          </p:spPr>
+          <p:style>
+            <a:lnRef idx="2">
+              <a:schemeClr val="accent1">
+                <a:shade val="50000"/>
+              </a:schemeClr>
+            </a:lnRef>
+            <a:fillRef idx="1">
+              <a:schemeClr val="accent1"/>
+            </a:fillRef>
+            <a:effectRef idx="0">
+              <a:schemeClr val="accent1"/>
+            </a:effectRef>
+            <a:fontRef idx="minor">
+              <a:schemeClr val="lt1"/>
+            </a:fontRef>
+          </p:style>
+          <p:txBody>
+            <a:bodyPr anchor="ctr"/>
+            <a:lstStyle>
+              <a:defPPr>
+                <a:defRPr lang="ko-KR"/>
+              </a:defPPr>
+              <a:lvl1pPr algn="l" rtl="0" eaLnBrk="0" fontAlgn="base" hangingPunct="0">
+                <a:spcBef>
+                  <a:spcPct val="0"/>
+                </a:spcBef>
+                <a:spcAft>
+                  <a:spcPct val="0"/>
+                </a:spcAft>
+                <a:defRPr kumimoji="1" kern="1200">
+                  <a:solidFill>
+                    <a:schemeClr val="lt1"/>
+                  </a:solidFill>
+                  <a:latin typeface="+mn-lt"/>
+                  <a:ea typeface="+mn-ea"/>
+                  <a:cs typeface="+mn-cs"/>
+                </a:defRPr>
+              </a:lvl1pPr>
+              <a:lvl2pPr marL="457200" algn="l" rtl="0" eaLnBrk="0" fontAlgn="base" hangingPunct="0">
+                <a:spcBef>
+                  <a:spcPct val="0"/>
+                </a:spcBef>
+                <a:spcAft>
+                  <a:spcPct val="0"/>
+                </a:spcAft>
+                <a:defRPr kumimoji="1" kern="1200">
+                  <a:solidFill>
+                    <a:schemeClr val="lt1"/>
+                  </a:solidFill>
+                  <a:latin typeface="+mn-lt"/>
+                  <a:ea typeface="+mn-ea"/>
+                  <a:cs typeface="+mn-cs"/>
+                </a:defRPr>
+              </a:lvl2pPr>
+              <a:lvl3pPr marL="914400" algn="l" rtl="0" eaLnBrk="0" fontAlgn="base" hangingPunct="0">
+                <a:spcBef>
+                  <a:spcPct val="0"/>
+                </a:spcBef>
+                <a:spcAft>
+                  <a:spcPct val="0"/>
+                </a:spcAft>
+                <a:defRPr kumimoji="1" kern="1200">
+                  <a:solidFill>
+                    <a:schemeClr val="lt1"/>
+                  </a:solidFill>
+                  <a:latin typeface="+mn-lt"/>
+                  <a:ea typeface="+mn-ea"/>
+                  <a:cs typeface="+mn-cs"/>
+                </a:defRPr>
+              </a:lvl3pPr>
+              <a:lvl4pPr marL="1371600" algn="l" rtl="0" eaLnBrk="0" fontAlgn="base" hangingPunct="0">
+                <a:spcBef>
+                  <a:spcPct val="0"/>
+                </a:spcBef>
+                <a:spcAft>
+                  <a:spcPct val="0"/>
+                </a:spcAft>
+                <a:defRPr kumimoji="1" kern="1200">
+                  <a:solidFill>
+                    <a:schemeClr val="lt1"/>
+                  </a:solidFill>
+                  <a:latin typeface="+mn-lt"/>
+                  <a:ea typeface="+mn-ea"/>
+                  <a:cs typeface="+mn-cs"/>
+                </a:defRPr>
+              </a:lvl4pPr>
+              <a:lvl5pPr marL="1828800" algn="l" rtl="0" eaLnBrk="0" fontAlgn="base" hangingPunct="0">
+                <a:spcBef>
+                  <a:spcPct val="0"/>
+                </a:spcBef>
+                <a:spcAft>
+                  <a:spcPct val="0"/>
+                </a:spcAft>
+                <a:defRPr kumimoji="1" kern="1200">
+                  <a:solidFill>
+                    <a:schemeClr val="lt1"/>
+                  </a:solidFill>
+                  <a:latin typeface="+mn-lt"/>
+                  <a:ea typeface="+mn-ea"/>
+                  <a:cs typeface="+mn-cs"/>
+                </a:defRPr>
+              </a:lvl5pPr>
+              <a:lvl6pPr marL="2286000" algn="l" defTabSz="914400" rtl="0" eaLnBrk="1" latinLnBrk="1" hangingPunct="1">
+                <a:defRPr kumimoji="1" kern="1200">
+                  <a:solidFill>
+                    <a:schemeClr val="lt1"/>
+                  </a:solidFill>
+                  <a:latin typeface="+mn-lt"/>
+                  <a:ea typeface="+mn-ea"/>
+                  <a:cs typeface="+mn-cs"/>
+                </a:defRPr>
+              </a:lvl6pPr>
+              <a:lvl7pPr marL="2743200" algn="l" defTabSz="914400" rtl="0" eaLnBrk="1" latinLnBrk="1" hangingPunct="1">
+                <a:defRPr kumimoji="1" kern="1200">
+                  <a:solidFill>
+                    <a:schemeClr val="lt1"/>
+                  </a:solidFill>
+                  <a:latin typeface="+mn-lt"/>
+                  <a:ea typeface="+mn-ea"/>
+                  <a:cs typeface="+mn-cs"/>
+                </a:defRPr>
+              </a:lvl7pPr>
+              <a:lvl8pPr marL="3200400" algn="l" defTabSz="914400" rtl="0" eaLnBrk="1" latinLnBrk="1" hangingPunct="1">
+                <a:defRPr kumimoji="1" kern="1200">
+                  <a:solidFill>
+                    <a:schemeClr val="lt1"/>
+                  </a:solidFill>
+                  <a:latin typeface="+mn-lt"/>
+                  <a:ea typeface="+mn-ea"/>
+                  <a:cs typeface="+mn-cs"/>
+                </a:defRPr>
+              </a:lvl8pPr>
+              <a:lvl9pPr marL="3657600" algn="l" defTabSz="914400" rtl="0" eaLnBrk="1" latinLnBrk="1" hangingPunct="1">
+                <a:defRPr kumimoji="1" kern="1200">
+                  <a:solidFill>
+                    <a:schemeClr val="lt1"/>
+                  </a:solidFill>
+                  <a:latin typeface="+mn-lt"/>
+                  <a:ea typeface="+mn-ea"/>
+                  <a:cs typeface="+mn-cs"/>
+                </a:defRPr>
+              </a:lvl9pPr>
+            </a:lstStyle>
+            <a:p>
+              <a:pPr algn="ctr" eaLnBrk="1" fontAlgn="auto" latinLnBrk="1" hangingPunct="1">
+                <a:spcBef>
+                  <a:spcPts val="0"/>
+                </a:spcBef>
+                <a:spcAft>
+                  <a:spcPts val="0"/>
+                </a:spcAft>
+                <a:defRPr/>
+              </a:pPr>
+              <a:r>
+                <a:rPr kumimoji="0" lang="ko-KR" altLang="en-US" sz="1500" dirty="0">
+                  <a:solidFill>
+                    <a:schemeClr val="tx1"/>
+                  </a:solidFill>
+                  <a:latin typeface="여기어때 잘난체 OTF" pitchFamily="34" charset="-127"/>
+                  <a:ea typeface="여기어때 잘난체 OTF" pitchFamily="34" charset="-127"/>
+                </a:rPr>
+                <a:t>개요</a:t>
+              </a:r>
+            </a:p>
+          </p:txBody>
+        </p:sp>
+        <p:sp>
+          <p:nvSpPr>
+            <p:cNvPr id="24" name="양쪽 모서리가 둥근 사각형 23">
+              <a:extLst>
+                <a:ext uri="{FF2B5EF4-FFF2-40B4-BE49-F238E27FC236}">
+                  <a16:creationId xmlns:a16="http://schemas.microsoft.com/office/drawing/2014/main" id="{4FDDC869-E316-4B8F-9758-F19340647689}"/>
+                </a:ext>
+              </a:extLst>
+            </p:cNvPr>
+            <p:cNvSpPr/>
+            <p:nvPr/>
+          </p:nvSpPr>
+          <p:spPr>
+            <a:xfrm rot="16200000" flipH="1">
+              <a:off x="11536006" y="4541659"/>
+              <a:ext cx="865767" cy="370108"/>
+            </a:xfrm>
+            <a:prstGeom prst="round2SameRect">
+              <a:avLst>
+                <a:gd name="adj1" fmla="val 50000"/>
+                <a:gd name="adj2" fmla="val 0"/>
+              </a:avLst>
+            </a:prstGeom>
+            <a:solidFill>
+              <a:schemeClr val="bg1">
+                <a:lumMod val="85000"/>
+              </a:schemeClr>
+            </a:solidFill>
+            <a:ln>
+              <a:solidFill>
+                <a:schemeClr val="bg1"/>
+              </a:solidFill>
+            </a:ln>
+          </p:spPr>
+          <p:style>
+            <a:lnRef idx="2">
+              <a:schemeClr val="accent1">
+                <a:shade val="50000"/>
+              </a:schemeClr>
+            </a:lnRef>
+            <a:fillRef idx="1">
+              <a:schemeClr val="accent1"/>
+            </a:fillRef>
+            <a:effectRef idx="0">
+              <a:schemeClr val="accent1"/>
+            </a:effectRef>
+            <a:fontRef idx="minor">
+              <a:schemeClr val="lt1"/>
+            </a:fontRef>
+          </p:style>
+          <p:txBody>
+            <a:bodyPr anchor="ctr"/>
+            <a:lstStyle>
+              <a:defPPr>
+                <a:defRPr lang="ko-KR"/>
+              </a:defPPr>
+              <a:lvl1pPr algn="l" rtl="0" eaLnBrk="0" fontAlgn="base" hangingPunct="0">
+                <a:spcBef>
+                  <a:spcPct val="0"/>
+                </a:spcBef>
+                <a:spcAft>
+                  <a:spcPct val="0"/>
+                </a:spcAft>
+                <a:defRPr kumimoji="1" kern="1200">
+                  <a:solidFill>
+                    <a:schemeClr val="lt1"/>
+                  </a:solidFill>
+                  <a:latin typeface="+mn-lt"/>
+                  <a:ea typeface="+mn-ea"/>
+                  <a:cs typeface="+mn-cs"/>
+                </a:defRPr>
+              </a:lvl1pPr>
+              <a:lvl2pPr marL="457200" algn="l" rtl="0" eaLnBrk="0" fontAlgn="base" hangingPunct="0">
+                <a:spcBef>
+                  <a:spcPct val="0"/>
+                </a:spcBef>
+                <a:spcAft>
+                  <a:spcPct val="0"/>
+                </a:spcAft>
+                <a:defRPr kumimoji="1" kern="1200">
+                  <a:solidFill>
+                    <a:schemeClr val="lt1"/>
+                  </a:solidFill>
+                  <a:latin typeface="+mn-lt"/>
+                  <a:ea typeface="+mn-ea"/>
+                  <a:cs typeface="+mn-cs"/>
+                </a:defRPr>
+              </a:lvl2pPr>
+              <a:lvl3pPr marL="914400" algn="l" rtl="0" eaLnBrk="0" fontAlgn="base" hangingPunct="0">
+                <a:spcBef>
+                  <a:spcPct val="0"/>
+                </a:spcBef>
+                <a:spcAft>
+                  <a:spcPct val="0"/>
+                </a:spcAft>
+                <a:defRPr kumimoji="1" kern="1200">
+                  <a:solidFill>
+                    <a:schemeClr val="lt1"/>
+                  </a:solidFill>
+                  <a:latin typeface="+mn-lt"/>
+                  <a:ea typeface="+mn-ea"/>
+                  <a:cs typeface="+mn-cs"/>
+                </a:defRPr>
+              </a:lvl3pPr>
+              <a:lvl4pPr marL="1371600" algn="l" rtl="0" eaLnBrk="0" fontAlgn="base" hangingPunct="0">
+                <a:spcBef>
+                  <a:spcPct val="0"/>
+                </a:spcBef>
+                <a:spcAft>
+                  <a:spcPct val="0"/>
+                </a:spcAft>
+                <a:defRPr kumimoji="1" kern="1200">
+                  <a:solidFill>
+                    <a:schemeClr val="lt1"/>
+                  </a:solidFill>
+                  <a:latin typeface="+mn-lt"/>
+                  <a:ea typeface="+mn-ea"/>
+                  <a:cs typeface="+mn-cs"/>
+                </a:defRPr>
+              </a:lvl4pPr>
+              <a:lvl5pPr marL="1828800" algn="l" rtl="0" eaLnBrk="0" fontAlgn="base" hangingPunct="0">
+                <a:spcBef>
+                  <a:spcPct val="0"/>
+                </a:spcBef>
+                <a:spcAft>
+                  <a:spcPct val="0"/>
+                </a:spcAft>
+                <a:defRPr kumimoji="1" kern="1200">
+                  <a:solidFill>
+                    <a:schemeClr val="lt1"/>
+                  </a:solidFill>
+                  <a:latin typeface="+mn-lt"/>
+                  <a:ea typeface="+mn-ea"/>
+                  <a:cs typeface="+mn-cs"/>
+                </a:defRPr>
+              </a:lvl5pPr>
+              <a:lvl6pPr marL="2286000" algn="l" defTabSz="914400" rtl="0" eaLnBrk="1" latinLnBrk="1" hangingPunct="1">
+                <a:defRPr kumimoji="1" kern="1200">
+                  <a:solidFill>
+                    <a:schemeClr val="lt1"/>
+                  </a:solidFill>
+                  <a:latin typeface="+mn-lt"/>
+                  <a:ea typeface="+mn-ea"/>
+                  <a:cs typeface="+mn-cs"/>
+                </a:defRPr>
+              </a:lvl6pPr>
+              <a:lvl7pPr marL="2743200" algn="l" defTabSz="914400" rtl="0" eaLnBrk="1" latinLnBrk="1" hangingPunct="1">
+                <a:defRPr kumimoji="1" kern="1200">
+                  <a:solidFill>
+                    <a:schemeClr val="lt1"/>
+                  </a:solidFill>
+                  <a:latin typeface="+mn-lt"/>
+                  <a:ea typeface="+mn-ea"/>
+                  <a:cs typeface="+mn-cs"/>
+                </a:defRPr>
+              </a:lvl7pPr>
+              <a:lvl8pPr marL="3200400" algn="l" defTabSz="914400" rtl="0" eaLnBrk="1" latinLnBrk="1" hangingPunct="1">
+                <a:defRPr kumimoji="1" kern="1200">
+                  <a:solidFill>
+                    <a:schemeClr val="lt1"/>
+                  </a:solidFill>
+                  <a:latin typeface="+mn-lt"/>
+                  <a:ea typeface="+mn-ea"/>
+                  <a:cs typeface="+mn-cs"/>
+                </a:defRPr>
+              </a:lvl8pPr>
+              <a:lvl9pPr marL="3657600" algn="l" defTabSz="914400" rtl="0" eaLnBrk="1" latinLnBrk="1" hangingPunct="1">
+                <a:defRPr kumimoji="1" kern="1200">
+                  <a:solidFill>
+                    <a:schemeClr val="lt1"/>
+                  </a:solidFill>
+                  <a:latin typeface="+mn-lt"/>
+                  <a:ea typeface="+mn-ea"/>
+                  <a:cs typeface="+mn-cs"/>
+                </a:defRPr>
+              </a:lvl9pPr>
+            </a:lstStyle>
+            <a:p>
+              <a:pPr algn="ctr" eaLnBrk="1" fontAlgn="auto" latinLnBrk="1" hangingPunct="1">
+                <a:spcBef>
+                  <a:spcPts val="0"/>
+                </a:spcBef>
+                <a:spcAft>
+                  <a:spcPts val="0"/>
+                </a:spcAft>
+                <a:defRPr/>
+              </a:pPr>
+              <a:r>
+                <a:rPr kumimoji="0" lang="ko-KR" altLang="en-US" sz="1500" dirty="0">
+                  <a:solidFill>
+                    <a:schemeClr val="tx1"/>
+                  </a:solidFill>
+                  <a:latin typeface="여기어때 잘난체 OTF" pitchFamily="34" charset="-127"/>
+                  <a:ea typeface="여기어때 잘난체 OTF" pitchFamily="34" charset="-127"/>
+                </a:rPr>
+                <a:t>참여인원</a:t>
+              </a:r>
+            </a:p>
+          </p:txBody>
+        </p:sp>
+        <p:sp>
+          <p:nvSpPr>
+            <p:cNvPr id="25" name="양쪽 모서리가 둥근 사각형 24">
+              <a:extLst>
+                <a:ext uri="{FF2B5EF4-FFF2-40B4-BE49-F238E27FC236}">
+                  <a16:creationId xmlns:a16="http://schemas.microsoft.com/office/drawing/2014/main" id="{36FF6795-0DD7-4000-94CA-B1CE2FCB597F}"/>
+                </a:ext>
+              </a:extLst>
+            </p:cNvPr>
+            <p:cNvSpPr/>
+            <p:nvPr/>
+          </p:nvSpPr>
+          <p:spPr>
+            <a:xfrm rot="16200000" flipH="1">
+              <a:off x="11537041" y="3822948"/>
+              <a:ext cx="863696" cy="370108"/>
+            </a:xfrm>
+            <a:prstGeom prst="round2SameRect">
+              <a:avLst>
+                <a:gd name="adj1" fmla="val 50000"/>
+                <a:gd name="adj2" fmla="val 0"/>
+              </a:avLst>
+            </a:prstGeom>
+            <a:solidFill>
+              <a:schemeClr val="bg1">
+                <a:lumMod val="85000"/>
+              </a:schemeClr>
+            </a:solidFill>
+            <a:ln>
+              <a:solidFill>
+                <a:schemeClr val="bg1"/>
+              </a:solidFill>
+            </a:ln>
+          </p:spPr>
+          <p:style>
+            <a:lnRef idx="2">
+              <a:schemeClr val="accent1">
+                <a:shade val="50000"/>
+              </a:schemeClr>
+            </a:lnRef>
+            <a:fillRef idx="1">
+              <a:schemeClr val="accent1"/>
+            </a:fillRef>
+            <a:effectRef idx="0">
+              <a:schemeClr val="accent1"/>
+            </a:effectRef>
+            <a:fontRef idx="minor">
+              <a:schemeClr val="lt1"/>
+            </a:fontRef>
+          </p:style>
+          <p:txBody>
+            <a:bodyPr anchor="ctr"/>
+            <a:lstStyle>
+              <a:defPPr>
+                <a:defRPr lang="ko-KR"/>
+              </a:defPPr>
+              <a:lvl1pPr algn="l" rtl="0" eaLnBrk="0" fontAlgn="base" hangingPunct="0">
+                <a:spcBef>
+                  <a:spcPct val="0"/>
+                </a:spcBef>
+                <a:spcAft>
+                  <a:spcPct val="0"/>
+                </a:spcAft>
+                <a:defRPr kumimoji="1" kern="1200">
+                  <a:solidFill>
+                    <a:schemeClr val="lt1"/>
+                  </a:solidFill>
+                  <a:latin typeface="+mn-lt"/>
+                  <a:ea typeface="+mn-ea"/>
+                  <a:cs typeface="+mn-cs"/>
+                </a:defRPr>
+              </a:lvl1pPr>
+              <a:lvl2pPr marL="457200" algn="l" rtl="0" eaLnBrk="0" fontAlgn="base" hangingPunct="0">
+                <a:spcBef>
+                  <a:spcPct val="0"/>
+                </a:spcBef>
+                <a:spcAft>
+                  <a:spcPct val="0"/>
+                </a:spcAft>
+                <a:defRPr kumimoji="1" kern="1200">
+                  <a:solidFill>
+                    <a:schemeClr val="lt1"/>
+                  </a:solidFill>
+                  <a:latin typeface="+mn-lt"/>
+                  <a:ea typeface="+mn-ea"/>
+                  <a:cs typeface="+mn-cs"/>
+                </a:defRPr>
+              </a:lvl2pPr>
+              <a:lvl3pPr marL="914400" algn="l" rtl="0" eaLnBrk="0" fontAlgn="base" hangingPunct="0">
+                <a:spcBef>
+                  <a:spcPct val="0"/>
+                </a:spcBef>
+                <a:spcAft>
+                  <a:spcPct val="0"/>
+                </a:spcAft>
+                <a:defRPr kumimoji="1" kern="1200">
+                  <a:solidFill>
+                    <a:schemeClr val="lt1"/>
+                  </a:solidFill>
+                  <a:latin typeface="+mn-lt"/>
+                  <a:ea typeface="+mn-ea"/>
+                  <a:cs typeface="+mn-cs"/>
+                </a:defRPr>
+              </a:lvl3pPr>
+              <a:lvl4pPr marL="1371600" algn="l" rtl="0" eaLnBrk="0" fontAlgn="base" hangingPunct="0">
+                <a:spcBef>
+                  <a:spcPct val="0"/>
+                </a:spcBef>
+                <a:spcAft>
+                  <a:spcPct val="0"/>
+                </a:spcAft>
+                <a:defRPr kumimoji="1" kern="1200">
+                  <a:solidFill>
+                    <a:schemeClr val="lt1"/>
+                  </a:solidFill>
+                  <a:latin typeface="+mn-lt"/>
+                  <a:ea typeface="+mn-ea"/>
+                  <a:cs typeface="+mn-cs"/>
+                </a:defRPr>
+              </a:lvl4pPr>
+              <a:lvl5pPr marL="1828800" algn="l" rtl="0" eaLnBrk="0" fontAlgn="base" hangingPunct="0">
+                <a:spcBef>
+                  <a:spcPct val="0"/>
+                </a:spcBef>
+                <a:spcAft>
+                  <a:spcPct val="0"/>
+                </a:spcAft>
+                <a:defRPr kumimoji="1" kern="1200">
+                  <a:solidFill>
+                    <a:schemeClr val="lt1"/>
+                  </a:solidFill>
+                  <a:latin typeface="+mn-lt"/>
+                  <a:ea typeface="+mn-ea"/>
+                  <a:cs typeface="+mn-cs"/>
+                </a:defRPr>
+              </a:lvl5pPr>
+              <a:lvl6pPr marL="2286000" algn="l" defTabSz="914400" rtl="0" eaLnBrk="1" latinLnBrk="1" hangingPunct="1">
+                <a:defRPr kumimoji="1" kern="1200">
+                  <a:solidFill>
+                    <a:schemeClr val="lt1"/>
+                  </a:solidFill>
+                  <a:latin typeface="+mn-lt"/>
+                  <a:ea typeface="+mn-ea"/>
+                  <a:cs typeface="+mn-cs"/>
+                </a:defRPr>
+              </a:lvl6pPr>
+              <a:lvl7pPr marL="2743200" algn="l" defTabSz="914400" rtl="0" eaLnBrk="1" latinLnBrk="1" hangingPunct="1">
+                <a:defRPr kumimoji="1" kern="1200">
+                  <a:solidFill>
+                    <a:schemeClr val="lt1"/>
+                  </a:solidFill>
+                  <a:latin typeface="+mn-lt"/>
+                  <a:ea typeface="+mn-ea"/>
+                  <a:cs typeface="+mn-cs"/>
+                </a:defRPr>
+              </a:lvl7pPr>
+              <a:lvl8pPr marL="3200400" algn="l" defTabSz="914400" rtl="0" eaLnBrk="1" latinLnBrk="1" hangingPunct="1">
+                <a:defRPr kumimoji="1" kern="1200">
+                  <a:solidFill>
+                    <a:schemeClr val="lt1"/>
+                  </a:solidFill>
+                  <a:latin typeface="+mn-lt"/>
+                  <a:ea typeface="+mn-ea"/>
+                  <a:cs typeface="+mn-cs"/>
+                </a:defRPr>
+              </a:lvl8pPr>
+              <a:lvl9pPr marL="3657600" algn="l" defTabSz="914400" rtl="0" eaLnBrk="1" latinLnBrk="1" hangingPunct="1">
+                <a:defRPr kumimoji="1" kern="1200">
+                  <a:solidFill>
+                    <a:schemeClr val="lt1"/>
+                  </a:solidFill>
+                  <a:latin typeface="+mn-lt"/>
+                  <a:ea typeface="+mn-ea"/>
+                  <a:cs typeface="+mn-cs"/>
+                </a:defRPr>
+              </a:lvl9pPr>
+            </a:lstStyle>
+            <a:p>
+              <a:pPr algn="ctr" eaLnBrk="1" fontAlgn="auto" latinLnBrk="1" hangingPunct="1">
+                <a:spcBef>
+                  <a:spcPts val="0"/>
+                </a:spcBef>
+                <a:spcAft>
+                  <a:spcPts val="0"/>
+                </a:spcAft>
+                <a:defRPr/>
+              </a:pPr>
+              <a:r>
+                <a:rPr kumimoji="0" lang="ko-KR" altLang="en-US" sz="1500" dirty="0">
+                  <a:solidFill>
+                    <a:schemeClr val="tx1"/>
+                  </a:solidFill>
+                  <a:latin typeface="여기어때 잘난체 OTF" pitchFamily="34" charset="-127"/>
+                  <a:ea typeface="여기어때 잘난체 OTF" pitchFamily="34" charset="-127"/>
+                </a:rPr>
+                <a:t>일정</a:t>
+              </a:r>
+            </a:p>
+          </p:txBody>
+        </p:sp>
+        <p:sp>
+          <p:nvSpPr>
+            <p:cNvPr id="26" name="양쪽 모서리가 둥근 사각형 25">
+              <a:extLst>
+                <a:ext uri="{FF2B5EF4-FFF2-40B4-BE49-F238E27FC236}">
+                  <a16:creationId xmlns:a16="http://schemas.microsoft.com/office/drawing/2014/main" id="{99ED71D4-7BA1-4736-9D7C-203802741C31}"/>
+                </a:ext>
+              </a:extLst>
+            </p:cNvPr>
+            <p:cNvSpPr/>
+            <p:nvPr/>
+          </p:nvSpPr>
+          <p:spPr>
+            <a:xfrm rot="16200000" flipH="1">
+              <a:off x="11537041" y="3120807"/>
+              <a:ext cx="863696" cy="370108"/>
+            </a:xfrm>
+            <a:prstGeom prst="round2SameRect">
+              <a:avLst>
+                <a:gd name="adj1" fmla="val 50000"/>
+                <a:gd name="adj2" fmla="val 0"/>
+              </a:avLst>
+            </a:prstGeom>
+            <a:solidFill>
+              <a:schemeClr val="bg1">
+                <a:lumMod val="85000"/>
+              </a:schemeClr>
+            </a:solidFill>
+            <a:ln>
+              <a:solidFill>
+                <a:schemeClr val="bg1"/>
+              </a:solidFill>
+            </a:ln>
+          </p:spPr>
+          <p:style>
+            <a:lnRef idx="2">
+              <a:schemeClr val="accent1">
+                <a:shade val="50000"/>
+              </a:schemeClr>
+            </a:lnRef>
+            <a:fillRef idx="1">
+              <a:schemeClr val="accent1"/>
+            </a:fillRef>
+            <a:effectRef idx="0">
+              <a:schemeClr val="accent1"/>
+            </a:effectRef>
+            <a:fontRef idx="minor">
+              <a:schemeClr val="lt1"/>
+            </a:fontRef>
+          </p:style>
+          <p:txBody>
+            <a:bodyPr anchor="ctr"/>
+            <a:lstStyle>
+              <a:defPPr>
+                <a:defRPr lang="ko-KR"/>
+              </a:defPPr>
+              <a:lvl1pPr algn="l" rtl="0" eaLnBrk="0" fontAlgn="base" hangingPunct="0">
+                <a:spcBef>
+                  <a:spcPct val="0"/>
+                </a:spcBef>
+                <a:spcAft>
+                  <a:spcPct val="0"/>
+                </a:spcAft>
+                <a:defRPr kumimoji="1" kern="1200">
+                  <a:solidFill>
+                    <a:schemeClr val="lt1"/>
+                  </a:solidFill>
+                  <a:latin typeface="+mn-lt"/>
+                  <a:ea typeface="+mn-ea"/>
+                  <a:cs typeface="+mn-cs"/>
+                </a:defRPr>
+              </a:lvl1pPr>
+              <a:lvl2pPr marL="457200" algn="l" rtl="0" eaLnBrk="0" fontAlgn="base" hangingPunct="0">
+                <a:spcBef>
+                  <a:spcPct val="0"/>
+                </a:spcBef>
+                <a:spcAft>
+                  <a:spcPct val="0"/>
+                </a:spcAft>
+                <a:defRPr kumimoji="1" kern="1200">
+                  <a:solidFill>
+                    <a:schemeClr val="lt1"/>
+                  </a:solidFill>
+                  <a:latin typeface="+mn-lt"/>
+                  <a:ea typeface="+mn-ea"/>
+                  <a:cs typeface="+mn-cs"/>
+                </a:defRPr>
+              </a:lvl2pPr>
+              <a:lvl3pPr marL="914400" algn="l" rtl="0" eaLnBrk="0" fontAlgn="base" hangingPunct="0">
+                <a:spcBef>
+                  <a:spcPct val="0"/>
+                </a:spcBef>
+                <a:spcAft>
+                  <a:spcPct val="0"/>
+                </a:spcAft>
+                <a:defRPr kumimoji="1" kern="1200">
+                  <a:solidFill>
+                    <a:schemeClr val="lt1"/>
+                  </a:solidFill>
+                  <a:latin typeface="+mn-lt"/>
+                  <a:ea typeface="+mn-ea"/>
+                  <a:cs typeface="+mn-cs"/>
+                </a:defRPr>
+              </a:lvl3pPr>
+              <a:lvl4pPr marL="1371600" algn="l" rtl="0" eaLnBrk="0" fontAlgn="base" hangingPunct="0">
+                <a:spcBef>
+                  <a:spcPct val="0"/>
+                </a:spcBef>
+                <a:spcAft>
+                  <a:spcPct val="0"/>
+                </a:spcAft>
+                <a:defRPr kumimoji="1" kern="1200">
+                  <a:solidFill>
+                    <a:schemeClr val="lt1"/>
+                  </a:solidFill>
+                  <a:latin typeface="+mn-lt"/>
+                  <a:ea typeface="+mn-ea"/>
+                  <a:cs typeface="+mn-cs"/>
+                </a:defRPr>
+              </a:lvl4pPr>
+              <a:lvl5pPr marL="1828800" algn="l" rtl="0" eaLnBrk="0" fontAlgn="base" hangingPunct="0">
+                <a:spcBef>
+                  <a:spcPct val="0"/>
+                </a:spcBef>
+                <a:spcAft>
+                  <a:spcPct val="0"/>
+                </a:spcAft>
+                <a:defRPr kumimoji="1" kern="1200">
+                  <a:solidFill>
+                    <a:schemeClr val="lt1"/>
+                  </a:solidFill>
+                  <a:latin typeface="+mn-lt"/>
+                  <a:ea typeface="+mn-ea"/>
+                  <a:cs typeface="+mn-cs"/>
+                </a:defRPr>
+              </a:lvl5pPr>
+              <a:lvl6pPr marL="2286000" algn="l" defTabSz="914400" rtl="0" eaLnBrk="1" latinLnBrk="1" hangingPunct="1">
+                <a:defRPr kumimoji="1" kern="1200">
+                  <a:solidFill>
+                    <a:schemeClr val="lt1"/>
+                  </a:solidFill>
+                  <a:latin typeface="+mn-lt"/>
+                  <a:ea typeface="+mn-ea"/>
+                  <a:cs typeface="+mn-cs"/>
+                </a:defRPr>
+              </a:lvl6pPr>
+              <a:lvl7pPr marL="2743200" algn="l" defTabSz="914400" rtl="0" eaLnBrk="1" latinLnBrk="1" hangingPunct="1">
+                <a:defRPr kumimoji="1" kern="1200">
+                  <a:solidFill>
+                    <a:schemeClr val="lt1"/>
+                  </a:solidFill>
+                  <a:latin typeface="+mn-lt"/>
+                  <a:ea typeface="+mn-ea"/>
+                  <a:cs typeface="+mn-cs"/>
+                </a:defRPr>
+              </a:lvl7pPr>
+              <a:lvl8pPr marL="3200400" algn="l" defTabSz="914400" rtl="0" eaLnBrk="1" latinLnBrk="1" hangingPunct="1">
+                <a:defRPr kumimoji="1" kern="1200">
+                  <a:solidFill>
+                    <a:schemeClr val="lt1"/>
+                  </a:solidFill>
+                  <a:latin typeface="+mn-lt"/>
+                  <a:ea typeface="+mn-ea"/>
+                  <a:cs typeface="+mn-cs"/>
+                </a:defRPr>
+              </a:lvl8pPr>
+              <a:lvl9pPr marL="3657600" algn="l" defTabSz="914400" rtl="0" eaLnBrk="1" latinLnBrk="1" hangingPunct="1">
+                <a:defRPr kumimoji="1" kern="1200">
+                  <a:solidFill>
+                    <a:schemeClr val="lt1"/>
+                  </a:solidFill>
+                  <a:latin typeface="+mn-lt"/>
+                  <a:ea typeface="+mn-ea"/>
+                  <a:cs typeface="+mn-cs"/>
+                </a:defRPr>
+              </a:lvl9pPr>
+            </a:lstStyle>
+            <a:p>
+              <a:pPr algn="ctr" eaLnBrk="1" fontAlgn="auto" latinLnBrk="1" hangingPunct="1">
+                <a:spcBef>
+                  <a:spcPts val="0"/>
+                </a:spcBef>
+                <a:spcAft>
+                  <a:spcPts val="0"/>
+                </a:spcAft>
+                <a:defRPr/>
+              </a:pPr>
+              <a:r>
+                <a:rPr kumimoji="0" lang="ko-KR" altLang="en-US" sz="1500" dirty="0">
+                  <a:solidFill>
+                    <a:schemeClr val="tx1"/>
+                  </a:solidFill>
+                  <a:latin typeface="여기어때 잘난체 OTF" pitchFamily="34" charset="-127"/>
+                  <a:ea typeface="여기어때 잘난체 OTF" pitchFamily="34" charset="-127"/>
+                </a:rPr>
+                <a:t>구성</a:t>
+              </a:r>
+            </a:p>
+          </p:txBody>
+        </p:sp>
+        <p:sp>
+          <p:nvSpPr>
+            <p:cNvPr id="27" name="양쪽 모서리가 둥근 사각형 26">
+              <a:extLst>
+                <a:ext uri="{FF2B5EF4-FFF2-40B4-BE49-F238E27FC236}">
+                  <a16:creationId xmlns:a16="http://schemas.microsoft.com/office/drawing/2014/main" id="{2F1401DA-9700-4953-99FB-32745C083993}"/>
+                </a:ext>
+              </a:extLst>
+            </p:cNvPr>
+            <p:cNvSpPr/>
+            <p:nvPr/>
+          </p:nvSpPr>
+          <p:spPr>
+            <a:xfrm rot="16200000" flipH="1">
+              <a:off x="11535488" y="2433682"/>
+              <a:ext cx="866803" cy="370108"/>
+            </a:xfrm>
+            <a:prstGeom prst="round2SameRect">
+              <a:avLst>
+                <a:gd name="adj1" fmla="val 50000"/>
+                <a:gd name="adj2" fmla="val 0"/>
+              </a:avLst>
+            </a:prstGeom>
+            <a:gradFill>
+              <a:gsLst>
+                <a:gs pos="0">
+                  <a:schemeClr val="tx1"/>
+                </a:gs>
+                <a:gs pos="100000">
+                  <a:schemeClr val="tx1"/>
+                </a:gs>
+                <a:gs pos="51000">
+                  <a:schemeClr val="bg1">
+                    <a:lumMod val="50000"/>
+                  </a:schemeClr>
+                </a:gs>
+              </a:gsLst>
+              <a:lin ang="0" scaled="1"/>
+            </a:gradFill>
+            <a:ln>
+              <a:solidFill>
+                <a:schemeClr val="bg1"/>
+              </a:solidFill>
+            </a:ln>
+          </p:spPr>
+          <p:style>
+            <a:lnRef idx="2">
+              <a:schemeClr val="accent1">
+                <a:shade val="50000"/>
+              </a:schemeClr>
+            </a:lnRef>
+            <a:fillRef idx="1">
+              <a:schemeClr val="accent1"/>
+            </a:fillRef>
+            <a:effectRef idx="0">
+              <a:schemeClr val="accent1"/>
+            </a:effectRef>
+            <a:fontRef idx="minor">
+              <a:schemeClr val="lt1"/>
+            </a:fontRef>
+          </p:style>
+          <p:txBody>
+            <a:bodyPr anchor="ctr"/>
+            <a:lstStyle>
+              <a:defPPr>
+                <a:defRPr lang="ko-KR"/>
+              </a:defPPr>
+              <a:lvl1pPr algn="l" rtl="0" eaLnBrk="0" fontAlgn="base" hangingPunct="0">
+                <a:spcBef>
+                  <a:spcPct val="0"/>
+                </a:spcBef>
+                <a:spcAft>
+                  <a:spcPct val="0"/>
+                </a:spcAft>
+                <a:defRPr kumimoji="1" kern="1200">
+                  <a:solidFill>
+                    <a:schemeClr val="lt1"/>
+                  </a:solidFill>
+                  <a:latin typeface="+mn-lt"/>
+                  <a:ea typeface="+mn-ea"/>
+                  <a:cs typeface="+mn-cs"/>
+                </a:defRPr>
+              </a:lvl1pPr>
+              <a:lvl2pPr marL="457200" algn="l" rtl="0" eaLnBrk="0" fontAlgn="base" hangingPunct="0">
+                <a:spcBef>
+                  <a:spcPct val="0"/>
+                </a:spcBef>
+                <a:spcAft>
+                  <a:spcPct val="0"/>
+                </a:spcAft>
+                <a:defRPr kumimoji="1" kern="1200">
+                  <a:solidFill>
+                    <a:schemeClr val="lt1"/>
+                  </a:solidFill>
+                  <a:latin typeface="+mn-lt"/>
+                  <a:ea typeface="+mn-ea"/>
+                  <a:cs typeface="+mn-cs"/>
+                </a:defRPr>
+              </a:lvl2pPr>
+              <a:lvl3pPr marL="914400" algn="l" rtl="0" eaLnBrk="0" fontAlgn="base" hangingPunct="0">
+                <a:spcBef>
+                  <a:spcPct val="0"/>
+                </a:spcBef>
+                <a:spcAft>
+                  <a:spcPct val="0"/>
+                </a:spcAft>
+                <a:defRPr kumimoji="1" kern="1200">
+                  <a:solidFill>
+                    <a:schemeClr val="lt1"/>
+                  </a:solidFill>
+                  <a:latin typeface="+mn-lt"/>
+                  <a:ea typeface="+mn-ea"/>
+                  <a:cs typeface="+mn-cs"/>
+                </a:defRPr>
+              </a:lvl3pPr>
+              <a:lvl4pPr marL="1371600" algn="l" rtl="0" eaLnBrk="0" fontAlgn="base" hangingPunct="0">
+                <a:spcBef>
+                  <a:spcPct val="0"/>
+                </a:spcBef>
+                <a:spcAft>
+                  <a:spcPct val="0"/>
+                </a:spcAft>
+                <a:defRPr kumimoji="1" kern="1200">
+                  <a:solidFill>
+                    <a:schemeClr val="lt1"/>
+                  </a:solidFill>
+                  <a:latin typeface="+mn-lt"/>
+                  <a:ea typeface="+mn-ea"/>
+                  <a:cs typeface="+mn-cs"/>
+                </a:defRPr>
+              </a:lvl4pPr>
+              <a:lvl5pPr marL="1828800" algn="l" rtl="0" eaLnBrk="0" fontAlgn="base" hangingPunct="0">
+                <a:spcBef>
+                  <a:spcPct val="0"/>
+                </a:spcBef>
+                <a:spcAft>
+                  <a:spcPct val="0"/>
+                </a:spcAft>
+                <a:defRPr kumimoji="1" kern="1200">
+                  <a:solidFill>
+                    <a:schemeClr val="lt1"/>
+                  </a:solidFill>
+                  <a:latin typeface="+mn-lt"/>
+                  <a:ea typeface="+mn-ea"/>
+                  <a:cs typeface="+mn-cs"/>
+                </a:defRPr>
+              </a:lvl5pPr>
+              <a:lvl6pPr marL="2286000" algn="l" defTabSz="914400" rtl="0" eaLnBrk="1" latinLnBrk="1" hangingPunct="1">
+                <a:defRPr kumimoji="1" kern="1200">
+                  <a:solidFill>
+                    <a:schemeClr val="lt1"/>
+                  </a:solidFill>
+                  <a:latin typeface="+mn-lt"/>
+                  <a:ea typeface="+mn-ea"/>
+                  <a:cs typeface="+mn-cs"/>
+                </a:defRPr>
+              </a:lvl6pPr>
+              <a:lvl7pPr marL="2743200" algn="l" defTabSz="914400" rtl="0" eaLnBrk="1" latinLnBrk="1" hangingPunct="1">
+                <a:defRPr kumimoji="1" kern="1200">
+                  <a:solidFill>
+                    <a:schemeClr val="lt1"/>
+                  </a:solidFill>
+                  <a:latin typeface="+mn-lt"/>
+                  <a:ea typeface="+mn-ea"/>
+                  <a:cs typeface="+mn-cs"/>
+                </a:defRPr>
+              </a:lvl7pPr>
+              <a:lvl8pPr marL="3200400" algn="l" defTabSz="914400" rtl="0" eaLnBrk="1" latinLnBrk="1" hangingPunct="1">
+                <a:defRPr kumimoji="1" kern="1200">
+                  <a:solidFill>
+                    <a:schemeClr val="lt1"/>
+                  </a:solidFill>
+                  <a:latin typeface="+mn-lt"/>
+                  <a:ea typeface="+mn-ea"/>
+                  <a:cs typeface="+mn-cs"/>
+                </a:defRPr>
+              </a:lvl8pPr>
+              <a:lvl9pPr marL="3657600" algn="l" defTabSz="914400" rtl="0" eaLnBrk="1" latinLnBrk="1" hangingPunct="1">
+                <a:defRPr kumimoji="1" kern="1200">
+                  <a:solidFill>
+                    <a:schemeClr val="lt1"/>
+                  </a:solidFill>
+                  <a:latin typeface="+mn-lt"/>
+                  <a:ea typeface="+mn-ea"/>
+                  <a:cs typeface="+mn-cs"/>
+                </a:defRPr>
+              </a:lvl9pPr>
+            </a:lstStyle>
+            <a:p>
+              <a:pPr algn="ctr" eaLnBrk="1" fontAlgn="auto" latinLnBrk="1" hangingPunct="1">
+                <a:spcBef>
+                  <a:spcPts val="0"/>
+                </a:spcBef>
+                <a:spcAft>
+                  <a:spcPts val="0"/>
+                </a:spcAft>
+                <a:defRPr/>
+              </a:pPr>
+              <a:r>
+                <a:rPr kumimoji="0" lang="ko-KR" altLang="en-US" sz="1500" dirty="0">
+                  <a:solidFill>
+                    <a:schemeClr val="bg1"/>
+                  </a:solidFill>
+                  <a:latin typeface="여기어때 잘난체 OTF" panose="020B0600000101010101" pitchFamily="34" charset="-127"/>
+                  <a:ea typeface="여기어때 잘난체 OTF" panose="020B0600000101010101" pitchFamily="34" charset="-127"/>
+                </a:rPr>
+                <a:t>제안</a:t>
+              </a:r>
+              <a:r>
+                <a:rPr kumimoji="0" lang="en-US" altLang="ko-KR" sz="1500" dirty="0">
+                  <a:solidFill>
+                    <a:schemeClr val="bg1"/>
+                  </a:solidFill>
+                  <a:latin typeface="여기어때 잘난체 OTF" panose="020B0600000101010101" pitchFamily="34" charset="-127"/>
+                  <a:ea typeface="여기어때 잘난체 OTF" panose="020B0600000101010101" pitchFamily="34" charset="-127"/>
+                </a:rPr>
+                <a:t>/</a:t>
+              </a:r>
+              <a:r>
+                <a:rPr kumimoji="0" lang="ko-KR" altLang="en-US" sz="1500" dirty="0">
+                  <a:solidFill>
+                    <a:schemeClr val="bg1"/>
+                  </a:solidFill>
+                  <a:latin typeface="여기어때 잘난체 OTF" panose="020B0600000101010101" pitchFamily="34" charset="-127"/>
+                  <a:ea typeface="여기어때 잘난체 OTF" panose="020B0600000101010101" pitchFamily="34" charset="-127"/>
+                </a:rPr>
+                <a:t>내용</a:t>
+              </a:r>
+            </a:p>
+          </p:txBody>
+        </p:sp>
+        <p:sp>
+          <p:nvSpPr>
+            <p:cNvPr id="28" name="양쪽 모서리가 둥근 사각형 27">
+              <a:extLst>
+                <a:ext uri="{FF2B5EF4-FFF2-40B4-BE49-F238E27FC236}">
+                  <a16:creationId xmlns:a16="http://schemas.microsoft.com/office/drawing/2014/main" id="{DC533879-D92A-4062-A0E8-B946747C11E5}"/>
+                </a:ext>
+              </a:extLst>
+            </p:cNvPr>
+            <p:cNvSpPr/>
+            <p:nvPr/>
+          </p:nvSpPr>
+          <p:spPr>
+            <a:xfrm rot="16200000" flipH="1">
+              <a:off x="11537041" y="1666816"/>
+              <a:ext cx="863696" cy="370108"/>
+            </a:xfrm>
+            <a:prstGeom prst="round2SameRect">
+              <a:avLst>
+                <a:gd name="adj1" fmla="val 50000"/>
+                <a:gd name="adj2" fmla="val 0"/>
+              </a:avLst>
+            </a:prstGeom>
+            <a:solidFill>
+              <a:schemeClr val="bg1">
+                <a:lumMod val="85000"/>
+              </a:schemeClr>
+            </a:solidFill>
+            <a:ln>
+              <a:solidFill>
+                <a:schemeClr val="bg1"/>
+              </a:solidFill>
+            </a:ln>
+          </p:spPr>
+          <p:style>
+            <a:lnRef idx="2">
+              <a:schemeClr val="accent1">
+                <a:shade val="50000"/>
+              </a:schemeClr>
+            </a:lnRef>
+            <a:fillRef idx="1">
+              <a:schemeClr val="accent1"/>
+            </a:fillRef>
+            <a:effectRef idx="0">
+              <a:schemeClr val="accent1"/>
+            </a:effectRef>
+            <a:fontRef idx="minor">
+              <a:schemeClr val="lt1"/>
+            </a:fontRef>
+          </p:style>
+          <p:txBody>
+            <a:bodyPr anchor="ctr"/>
+            <a:lstStyle>
+              <a:defPPr>
+                <a:defRPr lang="ko-KR"/>
+              </a:defPPr>
+              <a:lvl1pPr algn="l" rtl="0" eaLnBrk="0" fontAlgn="base" hangingPunct="0">
+                <a:spcBef>
+                  <a:spcPct val="0"/>
+                </a:spcBef>
+                <a:spcAft>
+                  <a:spcPct val="0"/>
+                </a:spcAft>
+                <a:defRPr kumimoji="1" kern="1200">
+                  <a:solidFill>
+                    <a:schemeClr val="lt1"/>
+                  </a:solidFill>
+                  <a:latin typeface="+mn-lt"/>
+                  <a:ea typeface="+mn-ea"/>
+                  <a:cs typeface="+mn-cs"/>
+                </a:defRPr>
+              </a:lvl1pPr>
+              <a:lvl2pPr marL="457200" algn="l" rtl="0" eaLnBrk="0" fontAlgn="base" hangingPunct="0">
+                <a:spcBef>
+                  <a:spcPct val="0"/>
+                </a:spcBef>
+                <a:spcAft>
+                  <a:spcPct val="0"/>
+                </a:spcAft>
+                <a:defRPr kumimoji="1" kern="1200">
+                  <a:solidFill>
+                    <a:schemeClr val="lt1"/>
+                  </a:solidFill>
+                  <a:latin typeface="+mn-lt"/>
+                  <a:ea typeface="+mn-ea"/>
+                  <a:cs typeface="+mn-cs"/>
+                </a:defRPr>
+              </a:lvl2pPr>
+              <a:lvl3pPr marL="914400" algn="l" rtl="0" eaLnBrk="0" fontAlgn="base" hangingPunct="0">
+                <a:spcBef>
+                  <a:spcPct val="0"/>
+                </a:spcBef>
+                <a:spcAft>
+                  <a:spcPct val="0"/>
+                </a:spcAft>
+                <a:defRPr kumimoji="1" kern="1200">
+                  <a:solidFill>
+                    <a:schemeClr val="lt1"/>
+                  </a:solidFill>
+                  <a:latin typeface="+mn-lt"/>
+                  <a:ea typeface="+mn-ea"/>
+                  <a:cs typeface="+mn-cs"/>
+                </a:defRPr>
+              </a:lvl3pPr>
+              <a:lvl4pPr marL="1371600" algn="l" rtl="0" eaLnBrk="0" fontAlgn="base" hangingPunct="0">
+                <a:spcBef>
+                  <a:spcPct val="0"/>
+                </a:spcBef>
+                <a:spcAft>
+                  <a:spcPct val="0"/>
+                </a:spcAft>
+                <a:defRPr kumimoji="1" kern="1200">
+                  <a:solidFill>
+                    <a:schemeClr val="lt1"/>
+                  </a:solidFill>
+                  <a:latin typeface="+mn-lt"/>
+                  <a:ea typeface="+mn-ea"/>
+                  <a:cs typeface="+mn-cs"/>
+                </a:defRPr>
+              </a:lvl4pPr>
+              <a:lvl5pPr marL="1828800" algn="l" rtl="0" eaLnBrk="0" fontAlgn="base" hangingPunct="0">
+                <a:spcBef>
+                  <a:spcPct val="0"/>
+                </a:spcBef>
+                <a:spcAft>
+                  <a:spcPct val="0"/>
+                </a:spcAft>
+                <a:defRPr kumimoji="1" kern="1200">
+                  <a:solidFill>
+                    <a:schemeClr val="lt1"/>
+                  </a:solidFill>
+                  <a:latin typeface="+mn-lt"/>
+                  <a:ea typeface="+mn-ea"/>
+                  <a:cs typeface="+mn-cs"/>
+                </a:defRPr>
+              </a:lvl5pPr>
+              <a:lvl6pPr marL="2286000" algn="l" defTabSz="914400" rtl="0" eaLnBrk="1" latinLnBrk="1" hangingPunct="1">
+                <a:defRPr kumimoji="1" kern="1200">
+                  <a:solidFill>
+                    <a:schemeClr val="lt1"/>
+                  </a:solidFill>
+                  <a:latin typeface="+mn-lt"/>
+                  <a:ea typeface="+mn-ea"/>
+                  <a:cs typeface="+mn-cs"/>
+                </a:defRPr>
+              </a:lvl6pPr>
+              <a:lvl7pPr marL="2743200" algn="l" defTabSz="914400" rtl="0" eaLnBrk="1" latinLnBrk="1" hangingPunct="1">
+                <a:defRPr kumimoji="1" kern="1200">
+                  <a:solidFill>
+                    <a:schemeClr val="lt1"/>
+                  </a:solidFill>
+                  <a:latin typeface="+mn-lt"/>
+                  <a:ea typeface="+mn-ea"/>
+                  <a:cs typeface="+mn-cs"/>
+                </a:defRPr>
+              </a:lvl7pPr>
+              <a:lvl8pPr marL="3200400" algn="l" defTabSz="914400" rtl="0" eaLnBrk="1" latinLnBrk="1" hangingPunct="1">
+                <a:defRPr kumimoji="1" kern="1200">
+                  <a:solidFill>
+                    <a:schemeClr val="lt1"/>
+                  </a:solidFill>
+                  <a:latin typeface="+mn-lt"/>
+                  <a:ea typeface="+mn-ea"/>
+                  <a:cs typeface="+mn-cs"/>
+                </a:defRPr>
+              </a:lvl8pPr>
+              <a:lvl9pPr marL="3657600" algn="l" defTabSz="914400" rtl="0" eaLnBrk="1" latinLnBrk="1" hangingPunct="1">
+                <a:defRPr kumimoji="1" kern="1200">
+                  <a:solidFill>
+                    <a:schemeClr val="lt1"/>
+                  </a:solidFill>
+                  <a:latin typeface="+mn-lt"/>
+                  <a:ea typeface="+mn-ea"/>
+                  <a:cs typeface="+mn-cs"/>
+                </a:defRPr>
+              </a:lvl9pPr>
+            </a:lstStyle>
+            <a:p>
+              <a:pPr algn="ctr" eaLnBrk="1" fontAlgn="auto" latinLnBrk="1" hangingPunct="1">
+                <a:spcBef>
+                  <a:spcPts val="0"/>
+                </a:spcBef>
+                <a:spcAft>
+                  <a:spcPts val="0"/>
+                </a:spcAft>
+                <a:defRPr/>
+              </a:pPr>
+              <a:r>
+                <a:rPr kumimoji="0" lang="ko-KR" altLang="en-US" sz="1500" dirty="0" err="1">
+                  <a:solidFill>
+                    <a:schemeClr val="tx1">
+                      <a:lumMod val="85000"/>
+                      <a:lumOff val="15000"/>
+                    </a:schemeClr>
+                  </a:solidFill>
+                  <a:latin typeface="여기어때 잘난체 OTF" pitchFamily="34" charset="-127"/>
+                  <a:ea typeface="여기어때 잘난체 OTF" pitchFamily="34" charset="-127"/>
+                </a:rPr>
+                <a:t>구현화면</a:t>
+              </a:r>
+              <a:endParaRPr kumimoji="0" lang="ko-KR" altLang="en-US" sz="1500" dirty="0">
+                <a:solidFill>
+                  <a:schemeClr val="tx1">
+                    <a:lumMod val="85000"/>
+                    <a:lumOff val="15000"/>
+                  </a:schemeClr>
+                </a:solidFill>
+                <a:latin typeface="여기어때 잘난체 OTF" pitchFamily="34" charset="-127"/>
+                <a:ea typeface="여기어때 잘난체 OTF" pitchFamily="34" charset="-127"/>
+              </a:endParaRPr>
+            </a:p>
+          </p:txBody>
+        </p:sp>
+        <p:sp>
+          <p:nvSpPr>
+            <p:cNvPr id="29" name="양쪽 모서리가 둥근 사각형 28">
+              <a:extLst>
+                <a:ext uri="{FF2B5EF4-FFF2-40B4-BE49-F238E27FC236}">
+                  <a16:creationId xmlns:a16="http://schemas.microsoft.com/office/drawing/2014/main" id="{07D79157-803D-4B0C-8BA5-79A8839B7302}"/>
+                </a:ext>
+              </a:extLst>
+            </p:cNvPr>
+            <p:cNvSpPr/>
+            <p:nvPr/>
+          </p:nvSpPr>
+          <p:spPr>
+            <a:xfrm rot="16200000" flipH="1">
+              <a:off x="11537041" y="925322"/>
+              <a:ext cx="863696" cy="370108"/>
+            </a:xfrm>
+            <a:prstGeom prst="round2SameRect">
+              <a:avLst>
+                <a:gd name="adj1" fmla="val 50000"/>
+                <a:gd name="adj2" fmla="val 0"/>
+              </a:avLst>
+            </a:prstGeom>
+            <a:solidFill>
+              <a:schemeClr val="bg1">
+                <a:lumMod val="85000"/>
+              </a:schemeClr>
+            </a:solidFill>
+            <a:ln>
+              <a:solidFill>
+                <a:schemeClr val="bg1"/>
+              </a:solidFill>
+            </a:ln>
+          </p:spPr>
+          <p:style>
+            <a:lnRef idx="2">
+              <a:schemeClr val="accent1">
+                <a:shade val="50000"/>
+              </a:schemeClr>
+            </a:lnRef>
+            <a:fillRef idx="1">
+              <a:schemeClr val="accent1"/>
+            </a:fillRef>
+            <a:effectRef idx="0">
+              <a:schemeClr val="accent1"/>
+            </a:effectRef>
+            <a:fontRef idx="minor">
+              <a:schemeClr val="lt1"/>
+            </a:fontRef>
+          </p:style>
+          <p:txBody>
+            <a:bodyPr anchor="ctr"/>
+            <a:lstStyle>
+              <a:defPPr>
+                <a:defRPr lang="ko-KR"/>
+              </a:defPPr>
+              <a:lvl1pPr algn="l" rtl="0" eaLnBrk="0" fontAlgn="base" hangingPunct="0">
+                <a:spcBef>
+                  <a:spcPct val="0"/>
+                </a:spcBef>
+                <a:spcAft>
+                  <a:spcPct val="0"/>
+                </a:spcAft>
+                <a:defRPr kumimoji="1" kern="1200">
+                  <a:solidFill>
+                    <a:schemeClr val="lt1"/>
+                  </a:solidFill>
+                  <a:latin typeface="+mn-lt"/>
+                  <a:ea typeface="+mn-ea"/>
+                  <a:cs typeface="+mn-cs"/>
+                </a:defRPr>
+              </a:lvl1pPr>
+              <a:lvl2pPr marL="457200" algn="l" rtl="0" eaLnBrk="0" fontAlgn="base" hangingPunct="0">
+                <a:spcBef>
+                  <a:spcPct val="0"/>
+                </a:spcBef>
+                <a:spcAft>
+                  <a:spcPct val="0"/>
+                </a:spcAft>
+                <a:defRPr kumimoji="1" kern="1200">
+                  <a:solidFill>
+                    <a:schemeClr val="lt1"/>
+                  </a:solidFill>
+                  <a:latin typeface="+mn-lt"/>
+                  <a:ea typeface="+mn-ea"/>
+                  <a:cs typeface="+mn-cs"/>
+                </a:defRPr>
+              </a:lvl2pPr>
+              <a:lvl3pPr marL="914400" algn="l" rtl="0" eaLnBrk="0" fontAlgn="base" hangingPunct="0">
+                <a:spcBef>
+                  <a:spcPct val="0"/>
+                </a:spcBef>
+                <a:spcAft>
+                  <a:spcPct val="0"/>
+                </a:spcAft>
+                <a:defRPr kumimoji="1" kern="1200">
+                  <a:solidFill>
+                    <a:schemeClr val="lt1"/>
+                  </a:solidFill>
+                  <a:latin typeface="+mn-lt"/>
+                  <a:ea typeface="+mn-ea"/>
+                  <a:cs typeface="+mn-cs"/>
+                </a:defRPr>
+              </a:lvl3pPr>
+              <a:lvl4pPr marL="1371600" algn="l" rtl="0" eaLnBrk="0" fontAlgn="base" hangingPunct="0">
+                <a:spcBef>
+                  <a:spcPct val="0"/>
+                </a:spcBef>
+                <a:spcAft>
+                  <a:spcPct val="0"/>
+                </a:spcAft>
+                <a:defRPr kumimoji="1" kern="1200">
+                  <a:solidFill>
+                    <a:schemeClr val="lt1"/>
+                  </a:solidFill>
+                  <a:latin typeface="+mn-lt"/>
+                  <a:ea typeface="+mn-ea"/>
+                  <a:cs typeface="+mn-cs"/>
+                </a:defRPr>
+              </a:lvl4pPr>
+              <a:lvl5pPr marL="1828800" algn="l" rtl="0" eaLnBrk="0" fontAlgn="base" hangingPunct="0">
+                <a:spcBef>
+                  <a:spcPct val="0"/>
+                </a:spcBef>
+                <a:spcAft>
+                  <a:spcPct val="0"/>
+                </a:spcAft>
+                <a:defRPr kumimoji="1" kern="1200">
+                  <a:solidFill>
+                    <a:schemeClr val="lt1"/>
+                  </a:solidFill>
+                  <a:latin typeface="+mn-lt"/>
+                  <a:ea typeface="+mn-ea"/>
+                  <a:cs typeface="+mn-cs"/>
+                </a:defRPr>
+              </a:lvl5pPr>
+              <a:lvl6pPr marL="2286000" algn="l" defTabSz="914400" rtl="0" eaLnBrk="1" latinLnBrk="1" hangingPunct="1">
+                <a:defRPr kumimoji="1" kern="1200">
+                  <a:solidFill>
+                    <a:schemeClr val="lt1"/>
+                  </a:solidFill>
+                  <a:latin typeface="+mn-lt"/>
+                  <a:ea typeface="+mn-ea"/>
+                  <a:cs typeface="+mn-cs"/>
+                </a:defRPr>
+              </a:lvl6pPr>
+              <a:lvl7pPr marL="2743200" algn="l" defTabSz="914400" rtl="0" eaLnBrk="1" latinLnBrk="1" hangingPunct="1">
+                <a:defRPr kumimoji="1" kern="1200">
+                  <a:solidFill>
+                    <a:schemeClr val="lt1"/>
+                  </a:solidFill>
+                  <a:latin typeface="+mn-lt"/>
+                  <a:ea typeface="+mn-ea"/>
+                  <a:cs typeface="+mn-cs"/>
+                </a:defRPr>
+              </a:lvl7pPr>
+              <a:lvl8pPr marL="3200400" algn="l" defTabSz="914400" rtl="0" eaLnBrk="1" latinLnBrk="1" hangingPunct="1">
+                <a:defRPr kumimoji="1" kern="1200">
+                  <a:solidFill>
+                    <a:schemeClr val="lt1"/>
+                  </a:solidFill>
+                  <a:latin typeface="+mn-lt"/>
+                  <a:ea typeface="+mn-ea"/>
+                  <a:cs typeface="+mn-cs"/>
+                </a:defRPr>
+              </a:lvl8pPr>
+              <a:lvl9pPr marL="3657600" algn="l" defTabSz="914400" rtl="0" eaLnBrk="1" latinLnBrk="1" hangingPunct="1">
+                <a:defRPr kumimoji="1" kern="1200">
+                  <a:solidFill>
+                    <a:schemeClr val="lt1"/>
+                  </a:solidFill>
+                  <a:latin typeface="+mn-lt"/>
+                  <a:ea typeface="+mn-ea"/>
+                  <a:cs typeface="+mn-cs"/>
+                </a:defRPr>
+              </a:lvl9pPr>
+            </a:lstStyle>
+            <a:p>
+              <a:pPr algn="ctr" eaLnBrk="1" fontAlgn="auto" latinLnBrk="1" hangingPunct="1">
+                <a:spcBef>
+                  <a:spcPts val="0"/>
+                </a:spcBef>
+                <a:spcAft>
+                  <a:spcPts val="0"/>
+                </a:spcAft>
+                <a:defRPr/>
+              </a:pPr>
+              <a:r>
+                <a:rPr kumimoji="0" lang="ko-KR" altLang="en-US" sz="1500" dirty="0">
+                  <a:solidFill>
+                    <a:schemeClr val="tx1">
+                      <a:lumMod val="85000"/>
+                      <a:lumOff val="15000"/>
+                    </a:schemeClr>
+                  </a:solidFill>
+                  <a:latin typeface="여기어때 잘난체 OTF" pitchFamily="34" charset="-127"/>
+                  <a:ea typeface="여기어때 잘난체 OTF" pitchFamily="34" charset="-127"/>
+                </a:rPr>
+                <a:t>소감</a:t>
+              </a:r>
+            </a:p>
+          </p:txBody>
+        </p:sp>
+      </p:grpSp>
     </p:spTree>
+    <p:extLst>
+      <p:ext uri="{BB962C8B-B14F-4D97-AF65-F5344CB8AC3E}">
+        <p14:creationId xmlns:p14="http://schemas.microsoft.com/office/powerpoint/2010/main" val="1395048633"/>
+      </p:ext>
+    </p:extLst>
   </p:cSld>
   <p:clrMapOvr>
     <a:masterClrMapping/>
@@ -35650,7 +39578,7 @@
 </p:sld>
 </file>
 
-<file path=ppt/slides/slide7.xml><?xml version="1.0" encoding="utf-8"?>
+<file path=ppt/slides/slide8.xml><?xml version="1.0" encoding="utf-8"?>
 <p:sld xmlns:a="http://schemas.openxmlformats.org/drawingml/2006/main" xmlns:r="http://schemas.openxmlformats.org/officeDocument/2006/relationships" xmlns:p="http://schemas.openxmlformats.org/presentationml/2006/main">
   <p:cSld>
     <p:spTree>
@@ -36968,7 +40896,7 @@
 </p:sld>
 </file>
 
-<file path=ppt/slides/slide8.xml><?xml version="1.0" encoding="utf-8"?>
+<file path=ppt/slides/slide9.xml><?xml version="1.0" encoding="utf-8"?>
 <p:sld xmlns:a="http://schemas.openxmlformats.org/drawingml/2006/main" xmlns:r="http://schemas.openxmlformats.org/officeDocument/2006/relationships" xmlns:p="http://schemas.openxmlformats.org/presentationml/2006/main">
   <p:cSld>
     <p:spTree>
@@ -38238,1257 +42166,6 @@
     <p:extLst>
       <p:ext uri="{BB962C8B-B14F-4D97-AF65-F5344CB8AC3E}">
         <p14:creationId xmlns:p14="http://schemas.microsoft.com/office/powerpoint/2010/main" val="629315474"/>
-      </p:ext>
-    </p:extLst>
-  </p:cSld>
-  <p:clrMapOvr>
-    <a:masterClrMapping/>
-  </p:clrMapOvr>
-</p:sld>
-</file>
-
-<file path=ppt/slides/slide9.xml><?xml version="1.0" encoding="utf-8"?>
-<p:sld xmlns:a="http://schemas.openxmlformats.org/drawingml/2006/main" xmlns:r="http://schemas.openxmlformats.org/officeDocument/2006/relationships" xmlns:p="http://schemas.openxmlformats.org/presentationml/2006/main">
-  <p:cSld>
-    <p:spTree>
-      <p:nvGrpSpPr>
-        <p:cNvPr id="1" name=""/>
-        <p:cNvGrpSpPr/>
-        <p:nvPr/>
-      </p:nvGrpSpPr>
-      <p:grpSpPr>
-        <a:xfrm>
-          <a:off x="0" y="0"/>
-          <a:ext cx="0" cy="0"/>
-          <a:chOff x="0" y="0"/>
-          <a:chExt cx="0" cy="0"/>
-        </a:xfrm>
-      </p:grpSpPr>
-      <p:sp>
-        <p:nvSpPr>
-          <p:cNvPr id="16" name="TextBox 15"/>
-          <p:cNvSpPr txBox="1"/>
-          <p:nvPr/>
-        </p:nvSpPr>
-        <p:spPr bwMode="auto">
-          <a:xfrm>
-            <a:off x="488950" y="765175"/>
-            <a:ext cx="2814638" cy="646113"/>
-          </a:xfrm>
-          <a:prstGeom prst="rect">
-            <a:avLst/>
-          </a:prstGeom>
-          <a:noFill/>
-        </p:spPr>
-        <p:txBody>
-          <a:bodyPr wrap="none">
-            <a:spAutoFit/>
-          </a:bodyPr>
-          <a:lstStyle/>
-          <a:p>
-            <a:pPr eaLnBrk="1" fontAlgn="auto" latinLnBrk="1" hangingPunct="1">
-              <a:spcBef>
-                <a:spcPts val="0"/>
-              </a:spcBef>
-              <a:spcAft>
-                <a:spcPts val="0"/>
-              </a:spcAft>
-              <a:defRPr/>
-            </a:pPr>
-            <a:r>
-              <a:rPr kumimoji="0" lang="ko-KR" altLang="en-US" sz="3600" spc="-300" dirty="0">
-                <a:solidFill>
-                  <a:schemeClr val="tx1">
-                    <a:lumMod val="75000"/>
-                    <a:lumOff val="25000"/>
-                  </a:schemeClr>
-                </a:solidFill>
-                <a:latin typeface="여기어때 잘난체 OTF" pitchFamily="34" charset="-127"/>
-                <a:ea typeface="여기어때 잘난체 OTF" pitchFamily="34" charset="-127"/>
-              </a:rPr>
-              <a:t>프로젝트 내용</a:t>
-            </a:r>
-          </a:p>
-        </p:txBody>
-      </p:sp>
-      <p:sp>
-        <p:nvSpPr>
-          <p:cNvPr id="44" name="Text Box 44"/>
-          <p:cNvSpPr txBox="1">
-            <a:spLocks noChangeArrowheads="1"/>
-          </p:cNvSpPr>
-          <p:nvPr/>
-        </p:nvSpPr>
-        <p:spPr bwMode="auto">
-          <a:xfrm>
-            <a:off x="425824" y="2132548"/>
-            <a:ext cx="8452644" cy="4623437"/>
-          </a:xfrm>
-          <a:prstGeom prst="rect">
-            <a:avLst/>
-          </a:prstGeom>
-          <a:solidFill>
-            <a:schemeClr val="bg1"/>
-          </a:solidFill>
-          <a:ln w="12700" cap="flat" cmpd="sng" algn="ctr">
-            <a:gradFill>
-              <a:gsLst>
-                <a:gs pos="0">
-                  <a:sysClr val="window" lastClr="FFFFFF">
-                    <a:lumMod val="85000"/>
-                  </a:sysClr>
-                </a:gs>
-                <a:gs pos="50000">
-                  <a:sysClr val="window" lastClr="FFFFFF"/>
-                </a:gs>
-                <a:gs pos="100000">
-                  <a:sysClr val="window" lastClr="FFFFFF">
-                    <a:lumMod val="85000"/>
-                  </a:sysClr>
-                </a:gs>
-              </a:gsLst>
-              <a:lin ang="5400000" scaled="0"/>
-            </a:gradFill>
-            <a:prstDash val="solid"/>
-            <a:miter lim="800000"/>
-            <a:headEnd/>
-            <a:tailEnd/>
-          </a:ln>
-          <a:effectLst>
-            <a:outerShdw blurRad="50800" dist="38100" dir="2700000" algn="tl" rotWithShape="0">
-              <a:prstClr val="black">
-                <a:alpha val="40000"/>
-              </a:prstClr>
-            </a:outerShdw>
-          </a:effectLst>
-        </p:spPr>
-        <p:txBody>
-          <a:bodyPr lIns="70650" tIns="70650" rIns="70650" bIns="44853"/>
-          <a:lstStyle/>
-          <a:p>
-            <a:pPr marL="84095" indent="-84095" defTabSz="897033" eaLnBrk="1" fontAlgn="auto" latinLnBrk="1" hangingPunct="1">
-              <a:spcBef>
-                <a:spcPts val="0"/>
-              </a:spcBef>
-              <a:spcAft>
-                <a:spcPts val="294"/>
-              </a:spcAft>
-              <a:buClr>
-                <a:srgbClr val="A1A1A1"/>
-              </a:buClr>
-              <a:buSzPct val="100000"/>
-              <a:buFont typeface="Arial" pitchFamily="34" charset="0"/>
-              <a:buChar char="•"/>
-              <a:defRPr/>
-            </a:pPr>
-            <a:endParaRPr kumimoji="0" lang="ko-KR" altLang="en-US" sz="883" kern="0" dirty="0">
-              <a:solidFill>
-                <a:srgbClr val="FF0000"/>
-              </a:solidFill>
-              <a:latin typeface="나눔고딕" panose="020D0304000000000000" pitchFamily="50" charset="-127"/>
-              <a:ea typeface="나눔스퀘어"/>
-              <a:sym typeface="Wingdings" pitchFamily="2" charset="2"/>
-            </a:endParaRPr>
-          </a:p>
-        </p:txBody>
-      </p:sp>
-      <p:sp>
-        <p:nvSpPr>
-          <p:cNvPr id="54" name="직사각형 10"/>
-          <p:cNvSpPr>
-            <a:spLocks noChangeArrowheads="1"/>
-          </p:cNvSpPr>
-          <p:nvPr/>
-        </p:nvSpPr>
-        <p:spPr bwMode="auto">
-          <a:xfrm>
-            <a:off x="8974683" y="2166723"/>
-            <a:ext cx="3097187" cy="1754326"/>
-          </a:xfrm>
-          <a:prstGeom prst="rect">
-            <a:avLst/>
-          </a:prstGeom>
-          <a:noFill/>
-          <a:ln>
-            <a:noFill/>
-          </a:ln>
-          <a:extLst>
-            <a:ext uri="{909E8E84-426E-40DD-AFC4-6F175D3DCCD1}">
-              <a14:hiddenFill xmlns:a14="http://schemas.microsoft.com/office/drawing/2010/main">
-                <a:solidFill>
-                  <a:srgbClr val="FFFFFF"/>
-                </a:solidFill>
-              </a14:hiddenFill>
-            </a:ext>
-            <a:ext uri="{91240B29-F687-4F45-9708-019B960494DF}">
-              <a14:hiddenLine xmlns:a14="http://schemas.microsoft.com/office/drawing/2010/main" w="9525">
-                <a:solidFill>
-                  <a:srgbClr val="000000"/>
-                </a:solidFill>
-                <a:miter lim="800000"/>
-                <a:headEnd/>
-                <a:tailEnd/>
-              </a14:hiddenLine>
-            </a:ext>
-          </a:extLst>
-        </p:spPr>
-        <p:txBody>
-          <a:bodyPr wrap="square">
-            <a:spAutoFit/>
-          </a:bodyPr>
-          <a:lstStyle>
-            <a:lvl1pPr marL="285750" indent="-285750" eaLnBrk="0" hangingPunct="0">
-              <a:defRPr kumimoji="1">
-                <a:solidFill>
-                  <a:schemeClr val="tx1"/>
-                </a:solidFill>
-                <a:latin typeface="맑은 고딕" panose="020B0503020000020004" pitchFamily="50" charset="-127"/>
-                <a:ea typeface="굴림" panose="020B0600000101010101" pitchFamily="50" charset="-127"/>
-              </a:defRPr>
-            </a:lvl1pPr>
-            <a:lvl2pPr marL="742950" indent="-285750" eaLnBrk="0" hangingPunct="0">
-              <a:defRPr kumimoji="1">
-                <a:solidFill>
-                  <a:schemeClr val="tx1"/>
-                </a:solidFill>
-                <a:latin typeface="맑은 고딕" panose="020B0503020000020004" pitchFamily="50" charset="-127"/>
-                <a:ea typeface="굴림" panose="020B0600000101010101" pitchFamily="50" charset="-127"/>
-              </a:defRPr>
-            </a:lvl2pPr>
-            <a:lvl3pPr marL="1143000" indent="-228600" eaLnBrk="0" hangingPunct="0">
-              <a:defRPr kumimoji="1">
-                <a:solidFill>
-                  <a:schemeClr val="tx1"/>
-                </a:solidFill>
-                <a:latin typeface="맑은 고딕" panose="020B0503020000020004" pitchFamily="50" charset="-127"/>
-                <a:ea typeface="굴림" panose="020B0600000101010101" pitchFamily="50" charset="-127"/>
-              </a:defRPr>
-            </a:lvl3pPr>
-            <a:lvl4pPr marL="1600200" indent="-228600" eaLnBrk="0" hangingPunct="0">
-              <a:defRPr kumimoji="1">
-                <a:solidFill>
-                  <a:schemeClr val="tx1"/>
-                </a:solidFill>
-                <a:latin typeface="맑은 고딕" panose="020B0503020000020004" pitchFamily="50" charset="-127"/>
-                <a:ea typeface="굴림" panose="020B0600000101010101" pitchFamily="50" charset="-127"/>
-              </a:defRPr>
-            </a:lvl4pPr>
-            <a:lvl5pPr marL="2057400" indent="-228600" eaLnBrk="0" hangingPunct="0">
-              <a:defRPr kumimoji="1">
-                <a:solidFill>
-                  <a:schemeClr val="tx1"/>
-                </a:solidFill>
-                <a:latin typeface="맑은 고딕" panose="020B0503020000020004" pitchFamily="50" charset="-127"/>
-                <a:ea typeface="굴림" panose="020B0600000101010101" pitchFamily="50" charset="-127"/>
-              </a:defRPr>
-            </a:lvl5pPr>
-            <a:lvl6pPr marL="2514600" indent="-228600" eaLnBrk="0" fontAlgn="base" hangingPunct="0">
-              <a:spcBef>
-                <a:spcPct val="0"/>
-              </a:spcBef>
-              <a:spcAft>
-                <a:spcPct val="0"/>
-              </a:spcAft>
-              <a:defRPr kumimoji="1">
-                <a:solidFill>
-                  <a:schemeClr val="tx1"/>
-                </a:solidFill>
-                <a:latin typeface="맑은 고딕" panose="020B0503020000020004" pitchFamily="50" charset="-127"/>
-                <a:ea typeface="굴림" panose="020B0600000101010101" pitchFamily="50" charset="-127"/>
-              </a:defRPr>
-            </a:lvl6pPr>
-            <a:lvl7pPr marL="2971800" indent="-228600" eaLnBrk="0" fontAlgn="base" hangingPunct="0">
-              <a:spcBef>
-                <a:spcPct val="0"/>
-              </a:spcBef>
-              <a:spcAft>
-                <a:spcPct val="0"/>
-              </a:spcAft>
-              <a:defRPr kumimoji="1">
-                <a:solidFill>
-                  <a:schemeClr val="tx1"/>
-                </a:solidFill>
-                <a:latin typeface="맑은 고딕" panose="020B0503020000020004" pitchFamily="50" charset="-127"/>
-                <a:ea typeface="굴림" panose="020B0600000101010101" pitchFamily="50" charset="-127"/>
-              </a:defRPr>
-            </a:lvl7pPr>
-            <a:lvl8pPr marL="3429000" indent="-228600" eaLnBrk="0" fontAlgn="base" hangingPunct="0">
-              <a:spcBef>
-                <a:spcPct val="0"/>
-              </a:spcBef>
-              <a:spcAft>
-                <a:spcPct val="0"/>
-              </a:spcAft>
-              <a:defRPr kumimoji="1">
-                <a:solidFill>
-                  <a:schemeClr val="tx1"/>
-                </a:solidFill>
-                <a:latin typeface="맑은 고딕" panose="020B0503020000020004" pitchFamily="50" charset="-127"/>
-                <a:ea typeface="굴림" panose="020B0600000101010101" pitchFamily="50" charset="-127"/>
-              </a:defRPr>
-            </a:lvl8pPr>
-            <a:lvl9pPr marL="3886200" indent="-228600" eaLnBrk="0" fontAlgn="base" hangingPunct="0">
-              <a:spcBef>
-                <a:spcPct val="0"/>
-              </a:spcBef>
-              <a:spcAft>
-                <a:spcPct val="0"/>
-              </a:spcAft>
-              <a:defRPr kumimoji="1">
-                <a:solidFill>
-                  <a:schemeClr val="tx1"/>
-                </a:solidFill>
-                <a:latin typeface="맑은 고딕" panose="020B0503020000020004" pitchFamily="50" charset="-127"/>
-                <a:ea typeface="굴림" panose="020B0600000101010101" pitchFamily="50" charset="-127"/>
-              </a:defRPr>
-            </a:lvl9pPr>
-          </a:lstStyle>
-          <a:p>
-            <a:pPr eaLnBrk="1" hangingPunct="1">
-              <a:buFontTx/>
-              <a:buChar char="-"/>
-            </a:pPr>
-            <a:r>
-              <a:rPr kumimoji="0" lang="ko-KR" altLang="en-US" b="1" dirty="0">
-                <a:latin typeface="나눔스퀘어OTF" panose="020B0600000101010101" pitchFamily="34" charset="-127"/>
-                <a:ea typeface="나눔스퀘어OTF" panose="020B0600000101010101" pitchFamily="34" charset="-127"/>
-              </a:rPr>
-              <a:t>기능정의서를 기반으로 나온 명사들의 메타 명을 정의</a:t>
-            </a:r>
-          </a:p>
-          <a:p>
-            <a:pPr eaLnBrk="1" hangingPunct="1">
-              <a:buFontTx/>
-              <a:buChar char="-"/>
-            </a:pPr>
-            <a:endParaRPr kumimoji="0" lang="ko-KR" altLang="en-US" b="1" dirty="0">
-              <a:latin typeface="나눔스퀘어OTF" panose="020B0600000101010101" pitchFamily="34" charset="-127"/>
-              <a:ea typeface="나눔스퀘어OTF" panose="020B0600000101010101" pitchFamily="34" charset="-127"/>
-            </a:endParaRPr>
-          </a:p>
-          <a:p>
-            <a:pPr eaLnBrk="1" hangingPunct="1">
-              <a:buFontTx/>
-              <a:buChar char="-"/>
-            </a:pPr>
-            <a:r>
-              <a:rPr kumimoji="0" lang="ko-KR" altLang="en-US" b="1" dirty="0">
-                <a:latin typeface="나눔스퀘어OTF" panose="020B0600000101010101" pitchFamily="34" charset="-127"/>
-                <a:ea typeface="나눔스퀘어OTF" panose="020B0600000101010101" pitchFamily="34" charset="-127"/>
-              </a:rPr>
-              <a:t>회의를 통하여 </a:t>
-            </a:r>
-            <a:r>
-              <a:rPr kumimoji="0" lang="ko-KR" altLang="en-US" b="1" dirty="0" err="1">
-                <a:latin typeface="나눔스퀘어OTF" panose="020B0600000101010101" pitchFamily="34" charset="-127"/>
-                <a:ea typeface="나눔스퀘어OTF" panose="020B0600000101010101" pitchFamily="34" charset="-127"/>
-              </a:rPr>
-              <a:t>팀원간</a:t>
-            </a:r>
-            <a:r>
-              <a:rPr kumimoji="0" lang="ko-KR" altLang="en-US" b="1" dirty="0">
-                <a:latin typeface="나눔스퀘어OTF" panose="020B0600000101010101" pitchFamily="34" charset="-127"/>
-                <a:ea typeface="나눔스퀘어OTF" panose="020B0600000101010101" pitchFamily="34" charset="-127"/>
-              </a:rPr>
-              <a:t> 중복된 </a:t>
-            </a:r>
-            <a:r>
-              <a:rPr kumimoji="0" lang="ko-KR" altLang="en-US" b="1" dirty="0" err="1">
-                <a:latin typeface="나눔스퀘어OTF" panose="020B0600000101010101" pitchFamily="34" charset="-127"/>
-                <a:ea typeface="나눔스퀘어OTF" panose="020B0600000101010101" pitchFamily="34" charset="-127"/>
-              </a:rPr>
-              <a:t>메타명</a:t>
-            </a:r>
-            <a:r>
-              <a:rPr kumimoji="0" lang="ko-KR" altLang="en-US" b="1" dirty="0">
-                <a:latin typeface="나눔스퀘어OTF" panose="020B0600000101010101" pitchFamily="34" charset="-127"/>
-                <a:ea typeface="나눔스퀘어OTF" panose="020B0600000101010101" pitchFamily="34" charset="-127"/>
-              </a:rPr>
-              <a:t> 조율</a:t>
-            </a:r>
-          </a:p>
-        </p:txBody>
-      </p:sp>
-      <p:sp>
-        <p:nvSpPr>
-          <p:cNvPr id="18" name="Text Placeholder 2"/>
-          <p:cNvSpPr txBox="1">
-            <a:spLocks/>
-          </p:cNvSpPr>
-          <p:nvPr/>
-        </p:nvSpPr>
-        <p:spPr bwMode="auto">
-          <a:xfrm>
-            <a:off x="509588" y="1651000"/>
-            <a:ext cx="7739062" cy="304800"/>
-          </a:xfrm>
-          <a:prstGeom prst="rect">
-            <a:avLst/>
-          </a:prstGeom>
-          <a:noFill/>
-          <a:ln>
-            <a:noFill/>
-          </a:ln>
-          <a:extLst>
-            <a:ext uri="{909E8E84-426E-40DD-AFC4-6F175D3DCCD1}">
-              <a14:hiddenFill xmlns:a14="http://schemas.microsoft.com/office/drawing/2010/main">
-                <a:solidFill>
-                  <a:srgbClr val="FFFFFF"/>
-                </a:solidFill>
-              </a14:hiddenFill>
-            </a:ext>
-            <a:ext uri="{91240B29-F687-4F45-9708-019B960494DF}">
-              <a14:hiddenLine xmlns:a14="http://schemas.microsoft.com/office/drawing/2010/main" w="9525">
-                <a:solidFill>
-                  <a:srgbClr val="000000"/>
-                </a:solidFill>
-                <a:miter lim="800000"/>
-                <a:headEnd/>
-                <a:tailEnd/>
-              </a14:hiddenLine>
-            </a:ext>
-          </a:extLst>
-        </p:spPr>
-        <p:txBody>
-          <a:bodyPr anchor="ctr"/>
-          <a:lstStyle>
-            <a:lvl1pPr latinLnBrk="1">
-              <a:spcBef>
-                <a:spcPct val="20000"/>
-              </a:spcBef>
-              <a:buFont typeface="Arial" panose="020B0604020202020204" pitchFamily="34" charset="0"/>
-              <a:buChar char="•"/>
-              <a:defRPr sz="3200">
-                <a:solidFill>
-                  <a:schemeClr val="tx1"/>
-                </a:solidFill>
-                <a:latin typeface="맑은 고딕" panose="020B0503020000020004" pitchFamily="50" charset="-127"/>
-                <a:ea typeface="맑은 고딕" panose="020B0503020000020004" pitchFamily="50" charset="-127"/>
-              </a:defRPr>
-            </a:lvl1pPr>
-            <a:lvl2pPr marL="742950" indent="-285750" latinLnBrk="1">
-              <a:spcBef>
-                <a:spcPct val="20000"/>
-              </a:spcBef>
-              <a:buFont typeface="Arial" panose="020B0604020202020204" pitchFamily="34" charset="0"/>
-              <a:buChar char="–"/>
-              <a:defRPr sz="2800">
-                <a:solidFill>
-                  <a:schemeClr val="tx1"/>
-                </a:solidFill>
-                <a:latin typeface="맑은 고딕" panose="020B0503020000020004" pitchFamily="50" charset="-127"/>
-                <a:ea typeface="맑은 고딕" panose="020B0503020000020004" pitchFamily="50" charset="-127"/>
-              </a:defRPr>
-            </a:lvl2pPr>
-            <a:lvl3pPr marL="1143000" indent="-228600" latinLnBrk="1">
-              <a:spcBef>
-                <a:spcPct val="20000"/>
-              </a:spcBef>
-              <a:buFont typeface="Arial" panose="020B0604020202020204" pitchFamily="34" charset="0"/>
-              <a:buChar char="•"/>
-              <a:defRPr sz="2400">
-                <a:solidFill>
-                  <a:schemeClr val="tx1"/>
-                </a:solidFill>
-                <a:latin typeface="맑은 고딕" panose="020B0503020000020004" pitchFamily="50" charset="-127"/>
-                <a:ea typeface="맑은 고딕" panose="020B0503020000020004" pitchFamily="50" charset="-127"/>
-              </a:defRPr>
-            </a:lvl3pPr>
-            <a:lvl4pPr marL="1600200" indent="-228600" latinLnBrk="1">
-              <a:spcBef>
-                <a:spcPct val="20000"/>
-              </a:spcBef>
-              <a:buFont typeface="Arial" panose="020B0604020202020204" pitchFamily="34" charset="0"/>
-              <a:buChar char="–"/>
-              <a:defRPr sz="2000">
-                <a:solidFill>
-                  <a:schemeClr val="tx1"/>
-                </a:solidFill>
-                <a:latin typeface="맑은 고딕" panose="020B0503020000020004" pitchFamily="50" charset="-127"/>
-                <a:ea typeface="맑은 고딕" panose="020B0503020000020004" pitchFamily="50" charset="-127"/>
-              </a:defRPr>
-            </a:lvl4pPr>
-            <a:lvl5pPr marL="2057400" indent="-228600" latinLnBrk="1">
-              <a:spcBef>
-                <a:spcPct val="20000"/>
-              </a:spcBef>
-              <a:buFont typeface="Arial" panose="020B0604020202020204" pitchFamily="34" charset="0"/>
-              <a:buChar char="»"/>
-              <a:defRPr sz="2000">
-                <a:solidFill>
-                  <a:schemeClr val="tx1"/>
-                </a:solidFill>
-                <a:latin typeface="맑은 고딕" panose="020B0503020000020004" pitchFamily="50" charset="-127"/>
-                <a:ea typeface="맑은 고딕" panose="020B0503020000020004" pitchFamily="50" charset="-127"/>
-              </a:defRPr>
-            </a:lvl5pPr>
-            <a:lvl6pPr marL="2514600" indent="-228600" eaLnBrk="0" fontAlgn="base" hangingPunct="0">
-              <a:spcBef>
-                <a:spcPct val="20000"/>
-              </a:spcBef>
-              <a:spcAft>
-                <a:spcPct val="0"/>
-              </a:spcAft>
-              <a:buFont typeface="Arial" panose="020B0604020202020204" pitchFamily="34" charset="0"/>
-              <a:buChar char="»"/>
-              <a:defRPr sz="2000">
-                <a:solidFill>
-                  <a:schemeClr val="tx1"/>
-                </a:solidFill>
-                <a:latin typeface="맑은 고딕" panose="020B0503020000020004" pitchFamily="50" charset="-127"/>
-                <a:ea typeface="맑은 고딕" panose="020B0503020000020004" pitchFamily="50" charset="-127"/>
-              </a:defRPr>
-            </a:lvl6pPr>
-            <a:lvl7pPr marL="2971800" indent="-228600" eaLnBrk="0" fontAlgn="base" hangingPunct="0">
-              <a:spcBef>
-                <a:spcPct val="20000"/>
-              </a:spcBef>
-              <a:spcAft>
-                <a:spcPct val="0"/>
-              </a:spcAft>
-              <a:buFont typeface="Arial" panose="020B0604020202020204" pitchFamily="34" charset="0"/>
-              <a:buChar char="»"/>
-              <a:defRPr sz="2000">
-                <a:solidFill>
-                  <a:schemeClr val="tx1"/>
-                </a:solidFill>
-                <a:latin typeface="맑은 고딕" panose="020B0503020000020004" pitchFamily="50" charset="-127"/>
-                <a:ea typeface="맑은 고딕" panose="020B0503020000020004" pitchFamily="50" charset="-127"/>
-              </a:defRPr>
-            </a:lvl7pPr>
-            <a:lvl8pPr marL="3429000" indent="-228600" eaLnBrk="0" fontAlgn="base" hangingPunct="0">
-              <a:spcBef>
-                <a:spcPct val="20000"/>
-              </a:spcBef>
-              <a:spcAft>
-                <a:spcPct val="0"/>
-              </a:spcAft>
-              <a:buFont typeface="Arial" panose="020B0604020202020204" pitchFamily="34" charset="0"/>
-              <a:buChar char="»"/>
-              <a:defRPr sz="2000">
-                <a:solidFill>
-                  <a:schemeClr val="tx1"/>
-                </a:solidFill>
-                <a:latin typeface="맑은 고딕" panose="020B0503020000020004" pitchFamily="50" charset="-127"/>
-                <a:ea typeface="맑은 고딕" panose="020B0503020000020004" pitchFamily="50" charset="-127"/>
-              </a:defRPr>
-            </a:lvl8pPr>
-            <a:lvl9pPr marL="3886200" indent="-228600" eaLnBrk="0" fontAlgn="base" hangingPunct="0">
-              <a:spcBef>
-                <a:spcPct val="20000"/>
-              </a:spcBef>
-              <a:spcAft>
-                <a:spcPct val="0"/>
-              </a:spcAft>
-              <a:buFont typeface="Arial" panose="020B0604020202020204" pitchFamily="34" charset="0"/>
-              <a:buChar char="»"/>
-              <a:defRPr sz="2000">
-                <a:solidFill>
-                  <a:schemeClr val="tx1"/>
-                </a:solidFill>
-                <a:latin typeface="맑은 고딕" panose="020B0503020000020004" pitchFamily="50" charset="-127"/>
-                <a:ea typeface="맑은 고딕" panose="020B0503020000020004" pitchFamily="50" charset="-127"/>
-              </a:defRPr>
-            </a:lvl9pPr>
-          </a:lstStyle>
-          <a:p>
-            <a:pPr eaLnBrk="1" hangingPunct="1">
-              <a:spcBef>
-                <a:spcPct val="0"/>
-              </a:spcBef>
-              <a:buFontTx/>
-              <a:buNone/>
-            </a:pPr>
-            <a:r>
-              <a:rPr kumimoji="0" lang="ko-KR" altLang="en-US" sz="2400">
-                <a:solidFill>
-                  <a:schemeClr val="tx2"/>
-                </a:solidFill>
-                <a:latin typeface="나눔스퀘어OTF Bold" panose="020B0600000101010101" pitchFamily="34" charset="-127"/>
-                <a:ea typeface="나눔스퀘어OTF Bold" panose="020B0600000101010101" pitchFamily="34" charset="-127"/>
-              </a:rPr>
-              <a:t>분석</a:t>
-            </a:r>
-            <a:r>
-              <a:rPr kumimoji="0" lang="en-US" altLang="ko-KR" sz="2400">
-                <a:solidFill>
-                  <a:schemeClr val="tx2"/>
-                </a:solidFill>
-                <a:latin typeface="나눔스퀘어OTF Bold" panose="020B0600000101010101" pitchFamily="34" charset="-127"/>
-                <a:ea typeface="나눔스퀘어OTF Bold" panose="020B0600000101010101" pitchFamily="34" charset="-127"/>
-              </a:rPr>
-              <a:t>/</a:t>
-            </a:r>
-            <a:r>
-              <a:rPr kumimoji="0" lang="ko-KR" altLang="en-US" sz="2400">
-                <a:solidFill>
-                  <a:schemeClr val="tx2"/>
-                </a:solidFill>
-                <a:latin typeface="나눔스퀘어OTF Bold" panose="020B0600000101010101" pitchFamily="34" charset="-127"/>
-                <a:ea typeface="나눔스퀘어OTF Bold" panose="020B0600000101010101" pitchFamily="34" charset="-127"/>
-              </a:rPr>
-              <a:t>설계 </a:t>
-            </a:r>
-            <a:r>
-              <a:rPr kumimoji="0" lang="en-US" altLang="ko-KR" sz="2400">
-                <a:solidFill>
-                  <a:schemeClr val="tx2"/>
-                </a:solidFill>
-                <a:latin typeface="나눔스퀘어OTF Bold" panose="020B0600000101010101" pitchFamily="34" charset="-127"/>
-                <a:ea typeface="나눔스퀘어OTF Bold" panose="020B0600000101010101" pitchFamily="34" charset="-127"/>
-              </a:rPr>
-              <a:t>: </a:t>
-            </a:r>
-            <a:r>
-              <a:rPr kumimoji="0" lang="ko-KR" altLang="en-US" sz="2400">
-                <a:solidFill>
-                  <a:schemeClr val="tx2"/>
-                </a:solidFill>
-                <a:latin typeface="나눔스퀘어OTF Bold" panose="020B0600000101010101" pitchFamily="34" charset="-127"/>
-                <a:ea typeface="나눔스퀘어OTF Bold" panose="020B0600000101010101" pitchFamily="34" charset="-127"/>
-              </a:rPr>
-              <a:t>메타데이터 정의</a:t>
-            </a:r>
-            <a:endParaRPr kumimoji="0" lang="ar-SA" altLang="ko-KR" sz="2400">
-              <a:solidFill>
-                <a:schemeClr val="tx2"/>
-              </a:solidFill>
-              <a:latin typeface="나눔스퀘어OTF Bold" panose="020B0600000101010101" pitchFamily="34" charset="-127"/>
-              <a:ea typeface="나눔스퀘어OTF Bold" panose="020B0600000101010101" pitchFamily="34" charset="-127"/>
-            </a:endParaRPr>
-          </a:p>
-        </p:txBody>
-      </p:sp>
-      <p:sp>
-        <p:nvSpPr>
-          <p:cNvPr id="34" name="직사각형 33"/>
-          <p:cNvSpPr/>
-          <p:nvPr/>
-        </p:nvSpPr>
-        <p:spPr>
-          <a:xfrm>
-            <a:off x="0" y="-4763"/>
-            <a:ext cx="12192000" cy="620713"/>
-          </a:xfrm>
-          <a:prstGeom prst="rect">
-            <a:avLst/>
-          </a:prstGeom>
-          <a:gradFill>
-            <a:gsLst>
-              <a:gs pos="0">
-                <a:schemeClr val="tx1">
-                  <a:lumMod val="65000"/>
-                  <a:lumOff val="35000"/>
-                </a:schemeClr>
-              </a:gs>
-              <a:gs pos="100000">
-                <a:schemeClr val="bg1">
-                  <a:lumMod val="95000"/>
-                </a:schemeClr>
-              </a:gs>
-              <a:gs pos="40000">
-                <a:schemeClr val="bg1">
-                  <a:lumMod val="75000"/>
-                </a:schemeClr>
-              </a:gs>
-            </a:gsLst>
-            <a:lin ang="0" scaled="1"/>
-          </a:gradFill>
-          <a:ln>
-            <a:noFill/>
-          </a:ln>
-        </p:spPr>
-        <p:style>
-          <a:lnRef idx="2">
-            <a:schemeClr val="accent1">
-              <a:shade val="50000"/>
-            </a:schemeClr>
-          </a:lnRef>
-          <a:fillRef idx="1">
-            <a:schemeClr val="accent1"/>
-          </a:fillRef>
-          <a:effectRef idx="0">
-            <a:schemeClr val="accent1"/>
-          </a:effectRef>
-          <a:fontRef idx="minor">
-            <a:schemeClr val="lt1"/>
-          </a:fontRef>
-        </p:style>
-        <p:txBody>
-          <a:bodyPr anchor="ctr"/>
-          <a:lstStyle/>
-          <a:p>
-            <a:pPr algn="ctr" eaLnBrk="1" fontAlgn="auto" latinLnBrk="1" hangingPunct="1">
-              <a:spcBef>
-                <a:spcPts val="0"/>
-              </a:spcBef>
-              <a:spcAft>
-                <a:spcPts val="0"/>
-              </a:spcAft>
-              <a:defRPr/>
-            </a:pPr>
-            <a:endParaRPr kumimoji="0" lang="ko-KR" altLang="en-US" dirty="0"/>
-          </a:p>
-        </p:txBody>
-      </p:sp>
-      <p:grpSp>
-        <p:nvGrpSpPr>
-          <p:cNvPr id="35" name="그룹 13"/>
-          <p:cNvGrpSpPr>
-            <a:grpSpLocks/>
-          </p:cNvGrpSpPr>
-          <p:nvPr/>
-        </p:nvGrpSpPr>
-        <p:grpSpPr bwMode="auto">
-          <a:xfrm rot="5400000">
-            <a:off x="8022431" y="-3548856"/>
-            <a:ext cx="369888" cy="7969250"/>
-            <a:chOff x="11783835" y="678528"/>
-            <a:chExt cx="370108" cy="5198744"/>
-          </a:xfrm>
-        </p:grpSpPr>
-        <p:sp>
-          <p:nvSpPr>
-            <p:cNvPr id="36" name="양쪽 모서리가 둥근 사각형 35"/>
-            <p:cNvSpPr/>
-            <p:nvPr/>
-          </p:nvSpPr>
-          <p:spPr>
-            <a:xfrm rot="16200000" flipH="1">
-              <a:off x="11537041" y="5260370"/>
-              <a:ext cx="863696" cy="370108"/>
-            </a:xfrm>
-            <a:prstGeom prst="round2SameRect">
-              <a:avLst>
-                <a:gd name="adj1" fmla="val 50000"/>
-                <a:gd name="adj2" fmla="val 0"/>
-              </a:avLst>
-            </a:prstGeom>
-            <a:solidFill>
-              <a:schemeClr val="bg1">
-                <a:lumMod val="85000"/>
-              </a:schemeClr>
-            </a:solidFill>
-            <a:ln>
-              <a:solidFill>
-                <a:schemeClr val="bg1"/>
-              </a:solidFill>
-            </a:ln>
-          </p:spPr>
-          <p:style>
-            <a:lnRef idx="2">
-              <a:schemeClr val="accent1">
-                <a:shade val="50000"/>
-              </a:schemeClr>
-            </a:lnRef>
-            <a:fillRef idx="1">
-              <a:schemeClr val="accent1"/>
-            </a:fillRef>
-            <a:effectRef idx="0">
-              <a:schemeClr val="accent1"/>
-            </a:effectRef>
-            <a:fontRef idx="minor">
-              <a:schemeClr val="lt1"/>
-            </a:fontRef>
-          </p:style>
-          <p:txBody>
-            <a:bodyPr anchor="ctr"/>
-            <a:lstStyle/>
-            <a:p>
-              <a:pPr algn="ctr" eaLnBrk="1" fontAlgn="auto" latinLnBrk="1" hangingPunct="1">
-                <a:spcBef>
-                  <a:spcPts val="0"/>
-                </a:spcBef>
-                <a:spcAft>
-                  <a:spcPts val="0"/>
-                </a:spcAft>
-                <a:defRPr/>
-              </a:pPr>
-              <a:r>
-                <a:rPr kumimoji="0" lang="ko-KR" altLang="en-US" sz="1500" dirty="0">
-                  <a:solidFill>
-                    <a:schemeClr val="tx1"/>
-                  </a:solidFill>
-                  <a:latin typeface="여기어때 잘난체 OTF" pitchFamily="34" charset="-127"/>
-                  <a:ea typeface="여기어때 잘난체 OTF" pitchFamily="34" charset="-127"/>
-                </a:rPr>
-                <a:t>개요</a:t>
-              </a:r>
-            </a:p>
-          </p:txBody>
-        </p:sp>
-        <p:sp>
-          <p:nvSpPr>
-            <p:cNvPr id="37" name="양쪽 모서리가 둥근 사각형 36"/>
-            <p:cNvSpPr/>
-            <p:nvPr/>
-          </p:nvSpPr>
-          <p:spPr>
-            <a:xfrm rot="16200000" flipH="1">
-              <a:off x="11536006" y="4541659"/>
-              <a:ext cx="865767" cy="370108"/>
-            </a:xfrm>
-            <a:prstGeom prst="round2SameRect">
-              <a:avLst>
-                <a:gd name="adj1" fmla="val 50000"/>
-                <a:gd name="adj2" fmla="val 0"/>
-              </a:avLst>
-            </a:prstGeom>
-            <a:solidFill>
-              <a:schemeClr val="bg1">
-                <a:lumMod val="85000"/>
-              </a:schemeClr>
-            </a:solidFill>
-            <a:ln>
-              <a:solidFill>
-                <a:schemeClr val="bg1"/>
-              </a:solidFill>
-            </a:ln>
-          </p:spPr>
-          <p:style>
-            <a:lnRef idx="2">
-              <a:schemeClr val="accent1">
-                <a:shade val="50000"/>
-              </a:schemeClr>
-            </a:lnRef>
-            <a:fillRef idx="1">
-              <a:schemeClr val="accent1"/>
-            </a:fillRef>
-            <a:effectRef idx="0">
-              <a:schemeClr val="accent1"/>
-            </a:effectRef>
-            <a:fontRef idx="minor">
-              <a:schemeClr val="lt1"/>
-            </a:fontRef>
-          </p:style>
-          <p:txBody>
-            <a:bodyPr anchor="ctr"/>
-            <a:lstStyle/>
-            <a:p>
-              <a:pPr algn="ctr" eaLnBrk="1" fontAlgn="auto" latinLnBrk="1" hangingPunct="1">
-                <a:spcBef>
-                  <a:spcPts val="0"/>
-                </a:spcBef>
-                <a:spcAft>
-                  <a:spcPts val="0"/>
-                </a:spcAft>
-                <a:defRPr/>
-              </a:pPr>
-              <a:r>
-                <a:rPr kumimoji="0" lang="ko-KR" altLang="en-US" sz="1500" dirty="0">
-                  <a:solidFill>
-                    <a:schemeClr val="tx1"/>
-                  </a:solidFill>
-                  <a:latin typeface="여기어때 잘난체 OTF" pitchFamily="34" charset="-127"/>
-                  <a:ea typeface="여기어때 잘난체 OTF" pitchFamily="34" charset="-127"/>
-                </a:rPr>
-                <a:t>참여인원</a:t>
-              </a:r>
-            </a:p>
-          </p:txBody>
-        </p:sp>
-        <p:sp>
-          <p:nvSpPr>
-            <p:cNvPr id="38" name="양쪽 모서리가 둥근 사각형 37"/>
-            <p:cNvSpPr/>
-            <p:nvPr/>
-          </p:nvSpPr>
-          <p:spPr>
-            <a:xfrm rot="16200000" flipH="1">
-              <a:off x="11537041" y="3822948"/>
-              <a:ext cx="863696" cy="370108"/>
-            </a:xfrm>
-            <a:prstGeom prst="round2SameRect">
-              <a:avLst>
-                <a:gd name="adj1" fmla="val 50000"/>
-                <a:gd name="adj2" fmla="val 0"/>
-              </a:avLst>
-            </a:prstGeom>
-            <a:solidFill>
-              <a:schemeClr val="bg1">
-                <a:lumMod val="85000"/>
-              </a:schemeClr>
-            </a:solidFill>
-            <a:ln>
-              <a:solidFill>
-                <a:schemeClr val="bg1"/>
-              </a:solidFill>
-            </a:ln>
-          </p:spPr>
-          <p:style>
-            <a:lnRef idx="2">
-              <a:schemeClr val="accent1">
-                <a:shade val="50000"/>
-              </a:schemeClr>
-            </a:lnRef>
-            <a:fillRef idx="1">
-              <a:schemeClr val="accent1"/>
-            </a:fillRef>
-            <a:effectRef idx="0">
-              <a:schemeClr val="accent1"/>
-            </a:effectRef>
-            <a:fontRef idx="minor">
-              <a:schemeClr val="lt1"/>
-            </a:fontRef>
-          </p:style>
-          <p:txBody>
-            <a:bodyPr anchor="ctr"/>
-            <a:lstStyle/>
-            <a:p>
-              <a:pPr algn="ctr" eaLnBrk="1" fontAlgn="auto" latinLnBrk="1" hangingPunct="1">
-                <a:spcBef>
-                  <a:spcPts val="0"/>
-                </a:spcBef>
-                <a:spcAft>
-                  <a:spcPts val="0"/>
-                </a:spcAft>
-                <a:defRPr/>
-              </a:pPr>
-              <a:r>
-                <a:rPr kumimoji="0" lang="ko-KR" altLang="en-US" sz="1500" dirty="0">
-                  <a:solidFill>
-                    <a:schemeClr val="tx1"/>
-                  </a:solidFill>
-                  <a:latin typeface="여기어때 잘난체 OTF" pitchFamily="34" charset="-127"/>
-                  <a:ea typeface="여기어때 잘난체 OTF" pitchFamily="34" charset="-127"/>
-                </a:rPr>
-                <a:t>일정</a:t>
-              </a:r>
-            </a:p>
-          </p:txBody>
-        </p:sp>
-        <p:sp>
-          <p:nvSpPr>
-            <p:cNvPr id="39" name="양쪽 모서리가 둥근 사각형 38"/>
-            <p:cNvSpPr/>
-            <p:nvPr/>
-          </p:nvSpPr>
-          <p:spPr>
-            <a:xfrm rot="16200000" flipH="1">
-              <a:off x="11537041" y="3120807"/>
-              <a:ext cx="863696" cy="370108"/>
-            </a:xfrm>
-            <a:prstGeom prst="round2SameRect">
-              <a:avLst>
-                <a:gd name="adj1" fmla="val 50000"/>
-                <a:gd name="adj2" fmla="val 0"/>
-              </a:avLst>
-            </a:prstGeom>
-            <a:solidFill>
-              <a:schemeClr val="bg1">
-                <a:lumMod val="85000"/>
-              </a:schemeClr>
-            </a:solidFill>
-            <a:ln>
-              <a:solidFill>
-                <a:schemeClr val="bg1"/>
-              </a:solidFill>
-            </a:ln>
-          </p:spPr>
-          <p:style>
-            <a:lnRef idx="2">
-              <a:schemeClr val="accent1">
-                <a:shade val="50000"/>
-              </a:schemeClr>
-            </a:lnRef>
-            <a:fillRef idx="1">
-              <a:schemeClr val="accent1"/>
-            </a:fillRef>
-            <a:effectRef idx="0">
-              <a:schemeClr val="accent1"/>
-            </a:effectRef>
-            <a:fontRef idx="minor">
-              <a:schemeClr val="lt1"/>
-            </a:fontRef>
-          </p:style>
-          <p:txBody>
-            <a:bodyPr anchor="ctr"/>
-            <a:lstStyle/>
-            <a:p>
-              <a:pPr algn="ctr" eaLnBrk="1" fontAlgn="auto" latinLnBrk="1" hangingPunct="1">
-                <a:spcBef>
-                  <a:spcPts val="0"/>
-                </a:spcBef>
-                <a:spcAft>
-                  <a:spcPts val="0"/>
-                </a:spcAft>
-                <a:defRPr/>
-              </a:pPr>
-              <a:r>
-                <a:rPr kumimoji="0" lang="ko-KR" altLang="en-US" sz="1500" dirty="0">
-                  <a:solidFill>
-                    <a:schemeClr val="tx1"/>
-                  </a:solidFill>
-                  <a:latin typeface="여기어때 잘난체 OTF" pitchFamily="34" charset="-127"/>
-                  <a:ea typeface="여기어때 잘난체 OTF" pitchFamily="34" charset="-127"/>
-                </a:rPr>
-                <a:t>구성</a:t>
-              </a:r>
-            </a:p>
-          </p:txBody>
-        </p:sp>
-        <p:sp>
-          <p:nvSpPr>
-            <p:cNvPr id="40" name="양쪽 모서리가 둥근 사각형 39"/>
-            <p:cNvSpPr/>
-            <p:nvPr/>
-          </p:nvSpPr>
-          <p:spPr>
-            <a:xfrm rot="16200000" flipH="1">
-              <a:off x="11535488" y="2433682"/>
-              <a:ext cx="866803" cy="370108"/>
-            </a:xfrm>
-            <a:prstGeom prst="round2SameRect">
-              <a:avLst>
-                <a:gd name="adj1" fmla="val 50000"/>
-                <a:gd name="adj2" fmla="val 0"/>
-              </a:avLst>
-            </a:prstGeom>
-            <a:gradFill>
-              <a:gsLst>
-                <a:gs pos="0">
-                  <a:schemeClr val="tx1"/>
-                </a:gs>
-                <a:gs pos="100000">
-                  <a:schemeClr val="tx1"/>
-                </a:gs>
-                <a:gs pos="51000">
-                  <a:schemeClr val="bg1">
-                    <a:lumMod val="50000"/>
-                  </a:schemeClr>
-                </a:gs>
-              </a:gsLst>
-              <a:lin ang="0" scaled="1"/>
-            </a:gradFill>
-            <a:ln>
-              <a:solidFill>
-                <a:schemeClr val="bg1"/>
-              </a:solidFill>
-            </a:ln>
-          </p:spPr>
-          <p:style>
-            <a:lnRef idx="2">
-              <a:schemeClr val="accent1">
-                <a:shade val="50000"/>
-              </a:schemeClr>
-            </a:lnRef>
-            <a:fillRef idx="1">
-              <a:schemeClr val="accent1"/>
-            </a:fillRef>
-            <a:effectRef idx="0">
-              <a:schemeClr val="accent1"/>
-            </a:effectRef>
-            <a:fontRef idx="minor">
-              <a:schemeClr val="lt1"/>
-            </a:fontRef>
-          </p:style>
-          <p:txBody>
-            <a:bodyPr anchor="ctr"/>
-            <a:lstStyle/>
-            <a:p>
-              <a:pPr algn="ctr" eaLnBrk="1" fontAlgn="auto" latinLnBrk="1" hangingPunct="1">
-                <a:spcBef>
-                  <a:spcPts val="0"/>
-                </a:spcBef>
-                <a:spcAft>
-                  <a:spcPts val="0"/>
-                </a:spcAft>
-                <a:defRPr/>
-              </a:pPr>
-              <a:r>
-                <a:rPr kumimoji="0" lang="ko-KR" altLang="en-US" sz="1500" dirty="0">
-                  <a:solidFill>
-                    <a:schemeClr val="bg1"/>
-                  </a:solidFill>
-                  <a:latin typeface="여기어때 잘난체 OTF" panose="020B0600000101010101" pitchFamily="34" charset="-127"/>
-                  <a:ea typeface="여기어때 잘난체 OTF" panose="020B0600000101010101" pitchFamily="34" charset="-127"/>
-                </a:rPr>
-                <a:t>제안</a:t>
-              </a:r>
-              <a:r>
-                <a:rPr kumimoji="0" lang="en-US" altLang="ko-KR" sz="1500" dirty="0">
-                  <a:solidFill>
-                    <a:schemeClr val="bg1"/>
-                  </a:solidFill>
-                  <a:latin typeface="여기어때 잘난체 OTF" panose="020B0600000101010101" pitchFamily="34" charset="-127"/>
-                  <a:ea typeface="여기어때 잘난체 OTF" panose="020B0600000101010101" pitchFamily="34" charset="-127"/>
-                </a:rPr>
-                <a:t>/</a:t>
-              </a:r>
-              <a:r>
-                <a:rPr kumimoji="0" lang="ko-KR" altLang="en-US" sz="1500" dirty="0">
-                  <a:solidFill>
-                    <a:schemeClr val="bg1"/>
-                  </a:solidFill>
-                  <a:latin typeface="여기어때 잘난체 OTF" panose="020B0600000101010101" pitchFamily="34" charset="-127"/>
-                  <a:ea typeface="여기어때 잘난체 OTF" panose="020B0600000101010101" pitchFamily="34" charset="-127"/>
-                </a:rPr>
-                <a:t>내용</a:t>
-              </a:r>
-            </a:p>
-          </p:txBody>
-        </p:sp>
-        <p:sp>
-          <p:nvSpPr>
-            <p:cNvPr id="41" name="양쪽 모서리가 둥근 사각형 40"/>
-            <p:cNvSpPr/>
-            <p:nvPr/>
-          </p:nvSpPr>
-          <p:spPr>
-            <a:xfrm rot="16200000" flipH="1">
-              <a:off x="11537041" y="1666816"/>
-              <a:ext cx="863696" cy="370108"/>
-            </a:xfrm>
-            <a:prstGeom prst="round2SameRect">
-              <a:avLst>
-                <a:gd name="adj1" fmla="val 50000"/>
-                <a:gd name="adj2" fmla="val 0"/>
-              </a:avLst>
-            </a:prstGeom>
-            <a:solidFill>
-              <a:schemeClr val="bg1">
-                <a:lumMod val="85000"/>
-              </a:schemeClr>
-            </a:solidFill>
-            <a:ln>
-              <a:solidFill>
-                <a:schemeClr val="bg1"/>
-              </a:solidFill>
-            </a:ln>
-          </p:spPr>
-          <p:style>
-            <a:lnRef idx="2">
-              <a:schemeClr val="accent1">
-                <a:shade val="50000"/>
-              </a:schemeClr>
-            </a:lnRef>
-            <a:fillRef idx="1">
-              <a:schemeClr val="accent1"/>
-            </a:fillRef>
-            <a:effectRef idx="0">
-              <a:schemeClr val="accent1"/>
-            </a:effectRef>
-            <a:fontRef idx="minor">
-              <a:schemeClr val="lt1"/>
-            </a:fontRef>
-          </p:style>
-          <p:txBody>
-            <a:bodyPr anchor="ctr"/>
-            <a:lstStyle/>
-            <a:p>
-              <a:pPr algn="ctr" eaLnBrk="1" fontAlgn="auto" latinLnBrk="1" hangingPunct="1">
-                <a:spcBef>
-                  <a:spcPts val="0"/>
-                </a:spcBef>
-                <a:spcAft>
-                  <a:spcPts val="0"/>
-                </a:spcAft>
-                <a:defRPr/>
-              </a:pPr>
-              <a:r>
-                <a:rPr kumimoji="0" lang="ko-KR" altLang="en-US" sz="1500" dirty="0" err="1">
-                  <a:solidFill>
-                    <a:schemeClr val="tx1">
-                      <a:lumMod val="85000"/>
-                      <a:lumOff val="15000"/>
-                    </a:schemeClr>
-                  </a:solidFill>
-                  <a:latin typeface="여기어때 잘난체 OTF" pitchFamily="34" charset="-127"/>
-                  <a:ea typeface="여기어때 잘난체 OTF" pitchFamily="34" charset="-127"/>
-                </a:rPr>
-                <a:t>구현화면</a:t>
-              </a:r>
-              <a:endParaRPr kumimoji="0" lang="ko-KR" altLang="en-US" sz="1500" dirty="0">
-                <a:solidFill>
-                  <a:schemeClr val="tx1">
-                    <a:lumMod val="85000"/>
-                    <a:lumOff val="15000"/>
-                  </a:schemeClr>
-                </a:solidFill>
-                <a:latin typeface="여기어때 잘난체 OTF" pitchFamily="34" charset="-127"/>
-                <a:ea typeface="여기어때 잘난체 OTF" pitchFamily="34" charset="-127"/>
-              </a:endParaRPr>
-            </a:p>
-          </p:txBody>
-        </p:sp>
-        <p:sp>
-          <p:nvSpPr>
-            <p:cNvPr id="42" name="양쪽 모서리가 둥근 사각형 41"/>
-            <p:cNvSpPr/>
-            <p:nvPr/>
-          </p:nvSpPr>
-          <p:spPr>
-            <a:xfrm rot="16200000" flipH="1">
-              <a:off x="11537041" y="925322"/>
-              <a:ext cx="863696" cy="370108"/>
-            </a:xfrm>
-            <a:prstGeom prst="round2SameRect">
-              <a:avLst>
-                <a:gd name="adj1" fmla="val 50000"/>
-                <a:gd name="adj2" fmla="val 0"/>
-              </a:avLst>
-            </a:prstGeom>
-            <a:solidFill>
-              <a:schemeClr val="bg1">
-                <a:lumMod val="85000"/>
-              </a:schemeClr>
-            </a:solidFill>
-            <a:ln>
-              <a:solidFill>
-                <a:schemeClr val="bg1"/>
-              </a:solidFill>
-            </a:ln>
-          </p:spPr>
-          <p:style>
-            <a:lnRef idx="2">
-              <a:schemeClr val="accent1">
-                <a:shade val="50000"/>
-              </a:schemeClr>
-            </a:lnRef>
-            <a:fillRef idx="1">
-              <a:schemeClr val="accent1"/>
-            </a:fillRef>
-            <a:effectRef idx="0">
-              <a:schemeClr val="accent1"/>
-            </a:effectRef>
-            <a:fontRef idx="minor">
-              <a:schemeClr val="lt1"/>
-            </a:fontRef>
-          </p:style>
-          <p:txBody>
-            <a:bodyPr anchor="ctr"/>
-            <a:lstStyle/>
-            <a:p>
-              <a:pPr algn="ctr" eaLnBrk="1" fontAlgn="auto" latinLnBrk="1" hangingPunct="1">
-                <a:spcBef>
-                  <a:spcPts val="0"/>
-                </a:spcBef>
-                <a:spcAft>
-                  <a:spcPts val="0"/>
-                </a:spcAft>
-                <a:defRPr/>
-              </a:pPr>
-              <a:r>
-                <a:rPr kumimoji="0" lang="ko-KR" altLang="en-US" sz="1500" dirty="0">
-                  <a:solidFill>
-                    <a:schemeClr val="tx1">
-                      <a:lumMod val="85000"/>
-                      <a:lumOff val="15000"/>
-                    </a:schemeClr>
-                  </a:solidFill>
-                  <a:latin typeface="여기어때 잘난체 OTF" pitchFamily="34" charset="-127"/>
-                  <a:ea typeface="여기어때 잘난체 OTF" pitchFamily="34" charset="-127"/>
-                </a:rPr>
-                <a:t>소감</a:t>
-              </a:r>
-            </a:p>
-          </p:txBody>
-        </p:sp>
-      </p:grpSp>
-    </p:spTree>
-    <p:extLst>
-      <p:ext uri="{BB962C8B-B14F-4D97-AF65-F5344CB8AC3E}">
-        <p14:creationId xmlns:p14="http://schemas.microsoft.com/office/powerpoint/2010/main" val="1438665310"/>
       </p:ext>
     </p:extLst>
   </p:cSld>
